--- a/teaching/cs513slides/lecture11-SensingPerception.pptx
+++ b/teaching/cs513slides/lecture11-SensingPerception.pptx
@@ -289,7 +289,7 @@
           <a:p>
             <a:fld id="{459B985A-4C37-4D1F-A437-E4A951A85D11}" type="datetimeFigureOut">
               <a:rPr lang="en-US" smtClean="0"/>
-              <a:t>11/2/2020</a:t>
+              <a:t>11/15/2021</a:t>
             </a:fld>
             <a:endParaRPr lang="en-US" dirty="0"/>
           </a:p>
@@ -466,7 +466,7 @@
           <a:p>
             <a:fld id="{6580C23F-98B7-41D4-A9FA-15A275A51486}" type="datetimeFigureOut">
               <a:rPr lang="en-US" smtClean="0"/>
-              <a:t>11/2/2020</a:t>
+              <a:t>11/15/2021</a:t>
             </a:fld>
             <a:endParaRPr lang="en-US" dirty="0"/>
           </a:p>
@@ -1176,7 +1176,7 @@
           <p:nvPr userDrawn="1"/>
         </p:nvPicPr>
         <mc:AlternateContent xmlns:mc="http://schemas.openxmlformats.org/markup-compatibility/2006">
-          <mc:Choice xmlns:ma="http://schemas.microsoft.com/office/mac/drawingml/2008/main" xmlns:mv="urn:schemas-microsoft-com:mac:vml" xmlns="" Requires="ma">
+          <mc:Choice xmlns="" xmlns:mv="urn:schemas-microsoft-com:mac:vml" xmlns:ma="http://schemas.microsoft.com/office/mac/drawingml/2008/main" Requires="ma">
             <p:blipFill>
               <a:blip r:embed="rId3"/>
               <a:stretch>
@@ -2365,7 +2365,7 @@
           <a:p>
             <a:r>
               <a:rPr lang="en-US" dirty="0"/>
-              <a:t>Fall 2020. CS 513.</a:t>
+              <a:t>Fall 2021 CS 513.</a:t>
             </a:r>
           </a:p>
           <a:p>
@@ -4132,8 +4132,8 @@
           <a:chExt cx="0" cy="0"/>
         </a:xfrm>
       </p:grpSpPr>
-      <mc:AlternateContent xmlns:mc="http://schemas.openxmlformats.org/markup-compatibility/2006">
-        <mc:Choice xmlns:a14="http://schemas.microsoft.com/office/drawing/2010/main" Requires="a14">
+      <mc:AlternateContent xmlns:mc="http://schemas.openxmlformats.org/markup-compatibility/2006" xmlns:a14="http://schemas.microsoft.com/office/drawing/2010/main">
+        <mc:Choice Requires="a14">
           <p:sp>
             <p:nvSpPr>
               <p:cNvPr id="2" name="Content Placeholder 1">
@@ -4182,7 +4182,13 @@
                           <a:rPr lang="en-US" i="1">
                             <a:latin typeface="Cambria Math" panose="02040503050406030204" pitchFamily="18" charset="0"/>
                           </a:rPr>
-                          <m:t>−1</m:t>
+                          <m:t>−</m:t>
+                        </m:r>
+                        <m:r>
+                          <a:rPr lang="en-US" i="1">
+                            <a:latin typeface="Cambria Math" panose="02040503050406030204" pitchFamily="18" charset="0"/>
+                          </a:rPr>
+                          <m:t>1</m:t>
                         </m:r>
                       </m:sup>
                     </m:sSup>
@@ -4580,7 +4586,13 @@
                               <a:rPr lang="en-US" b="0" i="1" smtClean="0">
                                 <a:latin typeface="Cambria Math" panose="02040503050406030204" pitchFamily="18" charset="0"/>
                               </a:rPr>
-                              <m:t>→0</m:t>
+                              <m:t>→</m:t>
+                            </m:r>
+                            <m:r>
+                              <a:rPr lang="en-US" b="0" i="1" smtClean="0">
+                                <a:latin typeface="Cambria Math" panose="02040503050406030204" pitchFamily="18" charset="0"/>
+                              </a:rPr>
+                              <m:t>0</m:t>
                             </m:r>
                           </m:lim>
                         </m:limLow>
@@ -4970,7 +4982,7 @@
             </p:txBody>
           </p:sp>
         </mc:Choice>
-        <mc:Fallback>
+        <mc:Fallback xmlns="">
           <p:sp>
             <p:nvSpPr>
               <p:cNvPr id="2" name="Content Placeholder 1">
@@ -7269,12 +7281,6 @@
           <a:p>
             <a:r>
               <a:rPr lang="en-US" dirty="0"/>
-              <a:t>Frequency Modulated Continuous Wave Doppler radar is popular</a:t>
-            </a:r>
-          </a:p>
-          <a:p>
-            <a:r>
-              <a:rPr lang="en-US" dirty="0"/>
               <a:t>Main idea is to compute the distance to the obstacle in a given direction by comparing transmitted and received signals</a:t>
             </a:r>
           </a:p>
@@ -8938,8 +8944,8 @@
           <a:chExt cx="0" cy="0"/>
         </a:xfrm>
       </p:grpSpPr>
-      <mc:AlternateContent xmlns:mc="http://schemas.openxmlformats.org/markup-compatibility/2006">
-        <mc:Choice xmlns:a14="http://schemas.microsoft.com/office/drawing/2010/main" Requires="a14">
+      <mc:AlternateContent xmlns:mc="http://schemas.openxmlformats.org/markup-compatibility/2006" xmlns:a14="http://schemas.microsoft.com/office/drawing/2010/main">
+        <mc:Choice Requires="a14">
           <p:sp>
             <p:nvSpPr>
               <p:cNvPr id="2" name="Content Placeholder 1">
@@ -9325,7 +9331,7 @@
             </p:txBody>
           </p:sp>
         </mc:Choice>
-        <mc:Fallback>
+        <mc:Fallback xmlns="">
           <p:sp>
             <p:nvSpPr>
               <p:cNvPr id="2" name="Content Placeholder 1">
@@ -9727,7 +9733,13 @@
                                   <a:rPr lang="en-US" b="0" i="1" smtClean="0">
                                     <a:latin typeface="Cambria Math" panose="02040503050406030204" pitchFamily="18" charset="0"/>
                                   </a:rPr>
-                                  <m:t>1−</m:t>
+                                  <m:t>1</m:t>
+                                </m:r>
+                                <m:r>
+                                  <a:rPr lang="en-US" b="0" i="1" smtClean="0">
+                                    <a:latin typeface="Cambria Math" panose="02040503050406030204" pitchFamily="18" charset="0"/>
+                                  </a:rPr>
+                                  <m:t>−</m:t>
                                 </m:r>
                                 <m:sSubSup>
                                   <m:sSubSupPr>
@@ -13339,7 +13351,13 @@
                       <a:rPr lang="en-US" b="0" i="1" smtClean="0">
                         <a:latin typeface="Cambria Math" panose="02040503050406030204" pitchFamily="18" charset="0"/>
                       </a:rPr>
-                      <m:t>→∞</m:t>
+                      <m:t>→</m:t>
+                    </m:r>
+                    <m:r>
+                      <a:rPr lang="en-US" b="0" i="1" smtClean="0">
+                        <a:latin typeface="Cambria Math" panose="02040503050406030204" pitchFamily="18" charset="0"/>
+                      </a:rPr>
+                      <m:t>∞</m:t>
                     </m:r>
                   </m:oMath>
                 </a14:m>
@@ -28339,7 +28357,7 @@
           <a:p>
             <a:r>
               <a:rPr lang="en-US" dirty="0"/>
-              <a:t>Uses an intermediate output of the CNN to generate multiple possible regions based on fixed aspect-ratio anchor boxes, and a score for each region reflecting possibility of containing an object</a:t>
+              <a:t>Uses an intermediate output of the CNN to generate multiple possible regions and a score for each region reflecting possibility of containing an object</a:t>
             </a:r>
           </a:p>
           <a:p>
@@ -28352,7 +28370,7 @@
             </a:r>
             <a:r>
               <a:rPr lang="en-US" dirty="0"/>
-              <a:t> 17b uses Faster R-CNN for object detection</a:t>
+              <a:t> 17b+ uses Faster R-CNN for object detection</a:t>
             </a:r>
           </a:p>
         </p:txBody>
@@ -29732,7 +29750,13 @@
                               <a:rPr lang="en-US" b="0" i="1" smtClean="0">
                                 <a:latin typeface="Cambria Math" panose="02040503050406030204" pitchFamily="18" charset="0"/>
                               </a:rPr>
-                              <m:t>1:</m:t>
+                              <m:t>1</m:t>
+                            </m:r>
+                            <m:r>
+                              <a:rPr lang="en-US" b="0" i="1" smtClean="0">
+                                <a:latin typeface="Cambria Math" panose="02040503050406030204" pitchFamily="18" charset="0"/>
+                              </a:rPr>
+                              <m:t>:</m:t>
                             </m:r>
                             <m:r>
                               <a:rPr lang="en-US" b="0" i="1" smtClean="0">
@@ -29783,7 +29807,13 @@
                           <a:rPr lang="en-US" b="0" i="1" smtClean="0">
                             <a:latin typeface="Cambria Math" panose="02040503050406030204" pitchFamily="18" charset="0"/>
                           </a:rPr>
-                          <m:t>1:</m:t>
+                          <m:t>1</m:t>
+                        </m:r>
+                        <m:r>
+                          <a:rPr lang="en-US" b="0" i="1" smtClean="0">
+                            <a:latin typeface="Cambria Math" panose="02040503050406030204" pitchFamily="18" charset="0"/>
+                          </a:rPr>
+                          <m:t>:</m:t>
                         </m:r>
                         <m:r>
                           <a:rPr lang="en-US" b="0" i="1" smtClean="0">
@@ -29820,7 +29850,13 @@
                           <a:rPr lang="en-US" b="0" i="1" smtClean="0">
                             <a:latin typeface="Cambria Math" panose="02040503050406030204" pitchFamily="18" charset="0"/>
                           </a:rPr>
-                          <m:t>1,</m:t>
+                          <m:t>1</m:t>
+                        </m:r>
+                        <m:r>
+                          <a:rPr lang="en-US" b="0" i="1" smtClean="0">
+                            <a:latin typeface="Cambria Math" panose="02040503050406030204" pitchFamily="18" charset="0"/>
+                          </a:rPr>
+                          <m:t>,</m:t>
                         </m:r>
                         <m:r>
                           <a:rPr lang="en-US" b="0" i="1" smtClean="0">
@@ -29832,7 +29868,13 @@
                           <a:rPr lang="en-US" b="0" i="1" smtClean="0">
                             <a:latin typeface="Cambria Math" panose="02040503050406030204" pitchFamily="18" charset="0"/>
                           </a:rPr>
-                          <m:t>−1</m:t>
+                          <m:t>−</m:t>
+                        </m:r>
+                        <m:r>
+                          <a:rPr lang="en-US" b="0" i="1" smtClean="0">
+                            <a:latin typeface="Cambria Math" panose="02040503050406030204" pitchFamily="18" charset="0"/>
+                          </a:rPr>
+                          <m:t>1</m:t>
                         </m:r>
                       </m:sub>
                     </m:sSub>
@@ -29885,7 +29927,13 @@
                           <a:rPr lang="en-US" b="0" i="1" smtClean="0">
                             <a:latin typeface="Cambria Math" panose="02040503050406030204" pitchFamily="18" charset="0"/>
                           </a:rPr>
-                          <m:t>1:</m:t>
+                          <m:t>1</m:t>
+                        </m:r>
+                        <m:r>
+                          <a:rPr lang="en-US" b="0" i="1" smtClean="0">
+                            <a:latin typeface="Cambria Math" panose="02040503050406030204" pitchFamily="18" charset="0"/>
+                          </a:rPr>
+                          <m:t>:</m:t>
                         </m:r>
                         <m:r>
                           <a:rPr lang="en-US" b="0" i="1" smtClean="0">
@@ -29924,7 +29972,13 @@
                           <a:rPr lang="en-US" b="0" i="1" smtClean="0">
                             <a:latin typeface="Cambria Math" panose="02040503050406030204" pitchFamily="18" charset="0"/>
                           </a:rPr>
-                          <m:t>1:</m:t>
+                          <m:t>1</m:t>
+                        </m:r>
+                        <m:r>
+                          <a:rPr lang="en-US" b="0" i="1" smtClean="0">
+                            <a:latin typeface="Cambria Math" panose="02040503050406030204" pitchFamily="18" charset="0"/>
+                          </a:rPr>
+                          <m:t>:</m:t>
                         </m:r>
                         <m:r>
                           <a:rPr lang="en-US" b="0" i="1" smtClean="0">
@@ -29963,7 +30017,13 @@
                           <a:rPr lang="en-US" b="0" i="1" smtClean="0">
                             <a:latin typeface="Cambria Math" panose="02040503050406030204" pitchFamily="18" charset="0"/>
                           </a:rPr>
-                          <m:t>1:</m:t>
+                          <m:t>1</m:t>
+                        </m:r>
+                        <m:r>
+                          <a:rPr lang="en-US" b="0" i="1" smtClean="0">
+                            <a:latin typeface="Cambria Math" panose="02040503050406030204" pitchFamily="18" charset="0"/>
+                          </a:rPr>
+                          <m:t>:</m:t>
                         </m:r>
                         <m:r>
                           <a:rPr lang="en-US" b="0" i="1" smtClean="0">
@@ -29975,7 +30035,13 @@
                           <a:rPr lang="en-US" b="0" i="1" smtClean="0">
                             <a:latin typeface="Cambria Math" panose="02040503050406030204" pitchFamily="18" charset="0"/>
                           </a:rPr>
-                          <m:t>−1</m:t>
+                          <m:t>−</m:t>
+                        </m:r>
+                        <m:r>
+                          <a:rPr lang="en-US" b="0" i="1" smtClean="0">
+                            <a:latin typeface="Cambria Math" panose="02040503050406030204" pitchFamily="18" charset="0"/>
+                          </a:rPr>
+                          <m:t>1</m:t>
                         </m:r>
                       </m:sub>
                     </m:sSub>
@@ -30050,7 +30116,13 @@
                                 <a:rPr lang="en-US" i="1">
                                   <a:latin typeface="Cambria Math" panose="02040503050406030204" pitchFamily="18" charset="0"/>
                                 </a:rPr>
-                                <m:t>1:</m:t>
+                                <m:t>1</m:t>
+                              </m:r>
+                              <m:r>
+                                <a:rPr lang="en-US" i="1">
+                                  <a:latin typeface="Cambria Math" panose="02040503050406030204" pitchFamily="18" charset="0"/>
+                                </a:rPr>
+                                <m:t>:</m:t>
                               </m:r>
                               <m:r>
                                 <a:rPr lang="en-US" i="1">
@@ -30101,7 +30173,13 @@
                             <a:rPr lang="en-US" i="1">
                               <a:latin typeface="Cambria Math" panose="02040503050406030204" pitchFamily="18" charset="0"/>
                             </a:rPr>
-                            <m:t>1:</m:t>
+                            <m:t>1</m:t>
+                          </m:r>
+                          <m:r>
+                            <a:rPr lang="en-US" i="1">
+                              <a:latin typeface="Cambria Math" panose="02040503050406030204" pitchFamily="18" charset="0"/>
+                            </a:rPr>
+                            <m:t>:</m:t>
                           </m:r>
                           <m:r>
                             <a:rPr lang="en-US" i="1">
@@ -30138,7 +30216,13 @@
                             <a:rPr lang="en-US" i="1">
                               <a:latin typeface="Cambria Math" panose="02040503050406030204" pitchFamily="18" charset="0"/>
                             </a:rPr>
-                            <m:t>1,</m:t>
+                            <m:t>1</m:t>
+                          </m:r>
+                          <m:r>
+                            <a:rPr lang="en-US" i="1">
+                              <a:latin typeface="Cambria Math" panose="02040503050406030204" pitchFamily="18" charset="0"/>
+                            </a:rPr>
+                            <m:t>,</m:t>
                           </m:r>
                           <m:r>
                             <a:rPr lang="en-US" i="1">
@@ -30150,7 +30234,13 @@
                             <a:rPr lang="en-US" i="1">
                               <a:latin typeface="Cambria Math" panose="02040503050406030204" pitchFamily="18" charset="0"/>
                             </a:rPr>
-                            <m:t>−1</m:t>
+                            <m:t>−</m:t>
+                          </m:r>
+                          <m:r>
+                            <a:rPr lang="en-US" i="1">
+                              <a:latin typeface="Cambria Math" panose="02040503050406030204" pitchFamily="18" charset="0"/>
+                            </a:rPr>
+                            <m:t>1</m:t>
                           </m:r>
                         </m:sub>
                       </m:sSub>
@@ -30211,7 +30301,13 @@
                             <a:rPr lang="en-US" b="0" i="1" smtClean="0">
                               <a:latin typeface="Cambria Math" panose="02040503050406030204" pitchFamily="18" charset="0"/>
                             </a:rPr>
-                            <m:t>1:</m:t>
+                            <m:t>1</m:t>
+                          </m:r>
+                          <m:r>
+                            <a:rPr lang="en-US" b="0" i="1" smtClean="0">
+                              <a:latin typeface="Cambria Math" panose="02040503050406030204" pitchFamily="18" charset="0"/>
+                            </a:rPr>
+                            <m:t>:</m:t>
                           </m:r>
                           <m:r>
                             <a:rPr lang="en-US" b="0" i="1" smtClean="0">
@@ -30248,7 +30344,13 @@
                             <a:rPr lang="en-US" b="0" i="1" smtClean="0">
                               <a:latin typeface="Cambria Math" panose="02040503050406030204" pitchFamily="18" charset="0"/>
                             </a:rPr>
-                            <m:t>1:</m:t>
+                            <m:t>1</m:t>
+                          </m:r>
+                          <m:r>
+                            <a:rPr lang="en-US" b="0" i="1" smtClean="0">
+                              <a:latin typeface="Cambria Math" panose="02040503050406030204" pitchFamily="18" charset="0"/>
+                            </a:rPr>
+                            <m:t>:</m:t>
                           </m:r>
                           <m:r>
                             <a:rPr lang="en-US" b="0" i="1" smtClean="0">
@@ -30301,7 +30403,13 @@
                                 <a:rPr lang="en-US" b="0" i="1" smtClean="0">
                                   <a:latin typeface="Cambria Math" panose="02040503050406030204" pitchFamily="18" charset="0"/>
                                 </a:rPr>
-                                <m:t>1:</m:t>
+                                <m:t>1</m:t>
+                              </m:r>
+                              <m:r>
+                                <a:rPr lang="en-US" b="0" i="1" smtClean="0">
+                                  <a:latin typeface="Cambria Math" panose="02040503050406030204" pitchFamily="18" charset="0"/>
+                                </a:rPr>
+                                <m:t>:</m:t>
                               </m:r>
                               <m:r>
                                 <a:rPr lang="en-US" b="0" i="1" smtClean="0">
@@ -30334,7 +30442,13 @@
                             <a:rPr lang="en-US" b="0" i="1" smtClean="0">
                               <a:latin typeface="Cambria Math" panose="02040503050406030204" pitchFamily="18" charset="0"/>
                             </a:rPr>
-                            <m:t>1:</m:t>
+                            <m:t>1</m:t>
+                          </m:r>
+                          <m:r>
+                            <a:rPr lang="en-US" b="0" i="1" smtClean="0">
+                              <a:latin typeface="Cambria Math" panose="02040503050406030204" pitchFamily="18" charset="0"/>
+                            </a:rPr>
+                            <m:t>:</m:t>
                           </m:r>
                           <m:r>
                             <a:rPr lang="en-US" b="0" i="1" smtClean="0">
@@ -30371,7 +30485,13 @@
                             <a:rPr lang="en-US" b="0" i="1" smtClean="0">
                               <a:latin typeface="Cambria Math" panose="02040503050406030204" pitchFamily="18" charset="0"/>
                             </a:rPr>
-                            <m:t>1,</m:t>
+                            <m:t>1</m:t>
+                          </m:r>
+                          <m:r>
+                            <a:rPr lang="en-US" b="0" i="1" smtClean="0">
+                              <a:latin typeface="Cambria Math" panose="02040503050406030204" pitchFamily="18" charset="0"/>
+                            </a:rPr>
+                            <m:t>,</m:t>
                           </m:r>
                           <m:r>
                             <a:rPr lang="en-US" b="0" i="1" smtClean="0">
@@ -30383,7 +30503,13 @@
                             <a:rPr lang="en-US" b="0" i="1" smtClean="0">
                               <a:latin typeface="Cambria Math" panose="02040503050406030204" pitchFamily="18" charset="0"/>
                             </a:rPr>
-                            <m:t>−1</m:t>
+                            <m:t>−</m:t>
+                          </m:r>
+                          <m:r>
+                            <a:rPr lang="en-US" b="0" i="1" smtClean="0">
+                              <a:latin typeface="Cambria Math" panose="02040503050406030204" pitchFamily="18" charset="0"/>
+                            </a:rPr>
+                            <m:t>1</m:t>
                           </m:r>
                         </m:sub>
                       </m:sSub>
@@ -32214,13 +32340,13 @@
           <a:p>
             <a:r>
               <a:rPr lang="en-US" dirty="0"/>
-              <a:t>Recent trend is to “drive-by-wire”, i.e. replace mechanical and hydraulic components by electrical and electronic components</a:t>
+              <a:t>Also, researchers are interested in knowing if existing algorithms can be made more efficient with data (models of the environment)</a:t>
             </a:r>
           </a:p>
           <a:p>
             <a:r>
               <a:rPr lang="en-US" dirty="0"/>
-              <a:t>Also, researchers are interested in knowing if existing algorithms can be made more efficient with data (models of the environment)</a:t>
+              <a:t>Drive-by-wire controlled by AI software</a:t>
             </a:r>
           </a:p>
           <a:p>

--- a/teaching/cs513slides/lecture11-SensingPerception.pptx
+++ b/teaching/cs513slides/lecture11-SensingPerception.pptx
@@ -1176,7 +1176,7 @@
           <p:nvPr userDrawn="1"/>
         </p:nvPicPr>
         <mc:AlternateContent xmlns:mc="http://schemas.openxmlformats.org/markup-compatibility/2006">
-          <mc:Choice xmlns="" xmlns:mv="urn:schemas-microsoft-com:mac:vml" xmlns:ma="http://schemas.microsoft.com/office/mac/drawingml/2008/main" Requires="ma">
+          <mc:Choice xmlns:ma="http://schemas.microsoft.com/office/mac/drawingml/2008/main" xmlns:mv="urn:schemas-microsoft-com:mac:vml" xmlns="" Requires="ma">
             <p:blipFill>
               <a:blip r:embed="rId3"/>
               <a:stretch>
@@ -4182,13 +4182,7 @@
                           <a:rPr lang="en-US" i="1">
                             <a:latin typeface="Cambria Math" panose="02040503050406030204" pitchFamily="18" charset="0"/>
                           </a:rPr>
-                          <m:t>−</m:t>
-                        </m:r>
-                        <m:r>
-                          <a:rPr lang="en-US" i="1">
-                            <a:latin typeface="Cambria Math" panose="02040503050406030204" pitchFamily="18" charset="0"/>
-                          </a:rPr>
-                          <m:t>1</m:t>
+                          <m:t>−1</m:t>
                         </m:r>
                       </m:sup>
                     </m:sSup>
@@ -4586,13 +4580,7 @@
                               <a:rPr lang="en-US" b="0" i="1" smtClean="0">
                                 <a:latin typeface="Cambria Math" panose="02040503050406030204" pitchFamily="18" charset="0"/>
                               </a:rPr>
-                              <m:t>→</m:t>
-                            </m:r>
-                            <m:r>
-                              <a:rPr lang="en-US" b="0" i="1" smtClean="0">
-                                <a:latin typeface="Cambria Math" panose="02040503050406030204" pitchFamily="18" charset="0"/>
-                              </a:rPr>
-                              <m:t>0</m:t>
+                              <m:t>→0</m:t>
                             </m:r>
                           </m:lim>
                         </m:limLow>
@@ -9733,13 +9721,7 @@
                                   <a:rPr lang="en-US" b="0" i="1" smtClean="0">
                                     <a:latin typeface="Cambria Math" panose="02040503050406030204" pitchFamily="18" charset="0"/>
                                   </a:rPr>
-                                  <m:t>1</m:t>
-                                </m:r>
-                                <m:r>
-                                  <a:rPr lang="en-US" b="0" i="1" smtClean="0">
-                                    <a:latin typeface="Cambria Math" panose="02040503050406030204" pitchFamily="18" charset="0"/>
-                                  </a:rPr>
-                                  <m:t>−</m:t>
+                                  <m:t>1−</m:t>
                                 </m:r>
                                 <m:sSubSup>
                                   <m:sSubSupPr>
@@ -13351,13 +13333,7 @@
                       <a:rPr lang="en-US" b="0" i="1" smtClean="0">
                         <a:latin typeface="Cambria Math" panose="02040503050406030204" pitchFamily="18" charset="0"/>
                       </a:rPr>
-                      <m:t>→</m:t>
-                    </m:r>
-                    <m:r>
-                      <a:rPr lang="en-US" b="0" i="1" smtClean="0">
-                        <a:latin typeface="Cambria Math" panose="02040503050406030204" pitchFamily="18" charset="0"/>
-                      </a:rPr>
-                      <m:t>∞</m:t>
+                      <m:t>→∞</m:t>
                     </m:r>
                   </m:oMath>
                 </a14:m>
@@ -29750,13 +29726,7 @@
                               <a:rPr lang="en-US" b="0" i="1" smtClean="0">
                                 <a:latin typeface="Cambria Math" panose="02040503050406030204" pitchFamily="18" charset="0"/>
                               </a:rPr>
-                              <m:t>1</m:t>
-                            </m:r>
-                            <m:r>
-                              <a:rPr lang="en-US" b="0" i="1" smtClean="0">
-                                <a:latin typeface="Cambria Math" panose="02040503050406030204" pitchFamily="18" charset="0"/>
-                              </a:rPr>
-                              <m:t>:</m:t>
+                              <m:t>1:</m:t>
                             </m:r>
                             <m:r>
                               <a:rPr lang="en-US" b="0" i="1" smtClean="0">
@@ -29807,13 +29777,7 @@
                           <a:rPr lang="en-US" b="0" i="1" smtClean="0">
                             <a:latin typeface="Cambria Math" panose="02040503050406030204" pitchFamily="18" charset="0"/>
                           </a:rPr>
-                          <m:t>1</m:t>
-                        </m:r>
-                        <m:r>
-                          <a:rPr lang="en-US" b="0" i="1" smtClean="0">
-                            <a:latin typeface="Cambria Math" panose="02040503050406030204" pitchFamily="18" charset="0"/>
-                          </a:rPr>
-                          <m:t>:</m:t>
+                          <m:t>1:</m:t>
                         </m:r>
                         <m:r>
                           <a:rPr lang="en-US" b="0" i="1" smtClean="0">
@@ -29850,13 +29814,7 @@
                           <a:rPr lang="en-US" b="0" i="1" smtClean="0">
                             <a:latin typeface="Cambria Math" panose="02040503050406030204" pitchFamily="18" charset="0"/>
                           </a:rPr>
-                          <m:t>1</m:t>
-                        </m:r>
-                        <m:r>
-                          <a:rPr lang="en-US" b="0" i="1" smtClean="0">
-                            <a:latin typeface="Cambria Math" panose="02040503050406030204" pitchFamily="18" charset="0"/>
-                          </a:rPr>
-                          <m:t>,</m:t>
+                          <m:t>1,</m:t>
                         </m:r>
                         <m:r>
                           <a:rPr lang="en-US" b="0" i="1" smtClean="0">
@@ -29868,13 +29826,7 @@
                           <a:rPr lang="en-US" b="0" i="1" smtClean="0">
                             <a:latin typeface="Cambria Math" panose="02040503050406030204" pitchFamily="18" charset="0"/>
                           </a:rPr>
-                          <m:t>−</m:t>
-                        </m:r>
-                        <m:r>
-                          <a:rPr lang="en-US" b="0" i="1" smtClean="0">
-                            <a:latin typeface="Cambria Math" panose="02040503050406030204" pitchFamily="18" charset="0"/>
-                          </a:rPr>
-                          <m:t>1</m:t>
+                          <m:t>−1</m:t>
                         </m:r>
                       </m:sub>
                     </m:sSub>
@@ -29927,13 +29879,7 @@
                           <a:rPr lang="en-US" b="0" i="1" smtClean="0">
                             <a:latin typeface="Cambria Math" panose="02040503050406030204" pitchFamily="18" charset="0"/>
                           </a:rPr>
-                          <m:t>1</m:t>
-                        </m:r>
-                        <m:r>
-                          <a:rPr lang="en-US" b="0" i="1" smtClean="0">
-                            <a:latin typeface="Cambria Math" panose="02040503050406030204" pitchFamily="18" charset="0"/>
-                          </a:rPr>
-                          <m:t>:</m:t>
+                          <m:t>1:</m:t>
                         </m:r>
                         <m:r>
                           <a:rPr lang="en-US" b="0" i="1" smtClean="0">
@@ -29972,13 +29918,7 @@
                           <a:rPr lang="en-US" b="0" i="1" smtClean="0">
                             <a:latin typeface="Cambria Math" panose="02040503050406030204" pitchFamily="18" charset="0"/>
                           </a:rPr>
-                          <m:t>1</m:t>
-                        </m:r>
-                        <m:r>
-                          <a:rPr lang="en-US" b="0" i="1" smtClean="0">
-                            <a:latin typeface="Cambria Math" panose="02040503050406030204" pitchFamily="18" charset="0"/>
-                          </a:rPr>
-                          <m:t>:</m:t>
+                          <m:t>1:</m:t>
                         </m:r>
                         <m:r>
                           <a:rPr lang="en-US" b="0" i="1" smtClean="0">
@@ -30017,13 +29957,7 @@
                           <a:rPr lang="en-US" b="0" i="1" smtClean="0">
                             <a:latin typeface="Cambria Math" panose="02040503050406030204" pitchFamily="18" charset="0"/>
                           </a:rPr>
-                          <m:t>1</m:t>
-                        </m:r>
-                        <m:r>
-                          <a:rPr lang="en-US" b="0" i="1" smtClean="0">
-                            <a:latin typeface="Cambria Math" panose="02040503050406030204" pitchFamily="18" charset="0"/>
-                          </a:rPr>
-                          <m:t>:</m:t>
+                          <m:t>1:</m:t>
                         </m:r>
                         <m:r>
                           <a:rPr lang="en-US" b="0" i="1" smtClean="0">
@@ -30035,13 +29969,7 @@
                           <a:rPr lang="en-US" b="0" i="1" smtClean="0">
                             <a:latin typeface="Cambria Math" panose="02040503050406030204" pitchFamily="18" charset="0"/>
                           </a:rPr>
-                          <m:t>−</m:t>
-                        </m:r>
-                        <m:r>
-                          <a:rPr lang="en-US" b="0" i="1" smtClean="0">
-                            <a:latin typeface="Cambria Math" panose="02040503050406030204" pitchFamily="18" charset="0"/>
-                          </a:rPr>
-                          <m:t>1</m:t>
+                          <m:t>−1</m:t>
                         </m:r>
                       </m:sub>
                     </m:sSub>
@@ -30116,13 +30044,7 @@
                                 <a:rPr lang="en-US" i="1">
                                   <a:latin typeface="Cambria Math" panose="02040503050406030204" pitchFamily="18" charset="0"/>
                                 </a:rPr>
-                                <m:t>1</m:t>
-                              </m:r>
-                              <m:r>
-                                <a:rPr lang="en-US" i="1">
-                                  <a:latin typeface="Cambria Math" panose="02040503050406030204" pitchFamily="18" charset="0"/>
-                                </a:rPr>
-                                <m:t>:</m:t>
+                                <m:t>1:</m:t>
                               </m:r>
                               <m:r>
                                 <a:rPr lang="en-US" i="1">
@@ -30173,13 +30095,7 @@
                             <a:rPr lang="en-US" i="1">
                               <a:latin typeface="Cambria Math" panose="02040503050406030204" pitchFamily="18" charset="0"/>
                             </a:rPr>
-                            <m:t>1</m:t>
-                          </m:r>
-                          <m:r>
-                            <a:rPr lang="en-US" i="1">
-                              <a:latin typeface="Cambria Math" panose="02040503050406030204" pitchFamily="18" charset="0"/>
-                            </a:rPr>
-                            <m:t>:</m:t>
+                            <m:t>1:</m:t>
                           </m:r>
                           <m:r>
                             <a:rPr lang="en-US" i="1">
@@ -30216,13 +30132,7 @@
                             <a:rPr lang="en-US" i="1">
                               <a:latin typeface="Cambria Math" panose="02040503050406030204" pitchFamily="18" charset="0"/>
                             </a:rPr>
-                            <m:t>1</m:t>
-                          </m:r>
-                          <m:r>
-                            <a:rPr lang="en-US" i="1">
-                              <a:latin typeface="Cambria Math" panose="02040503050406030204" pitchFamily="18" charset="0"/>
-                            </a:rPr>
-                            <m:t>,</m:t>
+                            <m:t>1,</m:t>
                           </m:r>
                           <m:r>
                             <a:rPr lang="en-US" i="1">
@@ -30234,13 +30144,7 @@
                             <a:rPr lang="en-US" i="1">
                               <a:latin typeface="Cambria Math" panose="02040503050406030204" pitchFamily="18" charset="0"/>
                             </a:rPr>
-                            <m:t>−</m:t>
-                          </m:r>
-                          <m:r>
-                            <a:rPr lang="en-US" i="1">
-                              <a:latin typeface="Cambria Math" panose="02040503050406030204" pitchFamily="18" charset="0"/>
-                            </a:rPr>
-                            <m:t>1</m:t>
+                            <m:t>−1</m:t>
                           </m:r>
                         </m:sub>
                       </m:sSub>
@@ -30301,13 +30205,7 @@
                             <a:rPr lang="en-US" b="0" i="1" smtClean="0">
                               <a:latin typeface="Cambria Math" panose="02040503050406030204" pitchFamily="18" charset="0"/>
                             </a:rPr>
-                            <m:t>1</m:t>
-                          </m:r>
-                          <m:r>
-                            <a:rPr lang="en-US" b="0" i="1" smtClean="0">
-                              <a:latin typeface="Cambria Math" panose="02040503050406030204" pitchFamily="18" charset="0"/>
-                            </a:rPr>
-                            <m:t>:</m:t>
+                            <m:t>1:</m:t>
                           </m:r>
                           <m:r>
                             <a:rPr lang="en-US" b="0" i="1" smtClean="0">
@@ -30344,13 +30242,7 @@
                             <a:rPr lang="en-US" b="0" i="1" smtClean="0">
                               <a:latin typeface="Cambria Math" panose="02040503050406030204" pitchFamily="18" charset="0"/>
                             </a:rPr>
-                            <m:t>1</m:t>
-                          </m:r>
-                          <m:r>
-                            <a:rPr lang="en-US" b="0" i="1" smtClean="0">
-                              <a:latin typeface="Cambria Math" panose="02040503050406030204" pitchFamily="18" charset="0"/>
-                            </a:rPr>
-                            <m:t>:</m:t>
+                            <m:t>1:</m:t>
                           </m:r>
                           <m:r>
                             <a:rPr lang="en-US" b="0" i="1" smtClean="0">
@@ -30403,13 +30295,7 @@
                                 <a:rPr lang="en-US" b="0" i="1" smtClean="0">
                                   <a:latin typeface="Cambria Math" panose="02040503050406030204" pitchFamily="18" charset="0"/>
                                 </a:rPr>
-                                <m:t>1</m:t>
-                              </m:r>
-                              <m:r>
-                                <a:rPr lang="en-US" b="0" i="1" smtClean="0">
-                                  <a:latin typeface="Cambria Math" panose="02040503050406030204" pitchFamily="18" charset="0"/>
-                                </a:rPr>
-                                <m:t>:</m:t>
+                                <m:t>1:</m:t>
                               </m:r>
                               <m:r>
                                 <a:rPr lang="en-US" b="0" i="1" smtClean="0">
@@ -30442,13 +30328,7 @@
                             <a:rPr lang="en-US" b="0" i="1" smtClean="0">
                               <a:latin typeface="Cambria Math" panose="02040503050406030204" pitchFamily="18" charset="0"/>
                             </a:rPr>
-                            <m:t>1</m:t>
-                          </m:r>
-                          <m:r>
-                            <a:rPr lang="en-US" b="0" i="1" smtClean="0">
-                              <a:latin typeface="Cambria Math" panose="02040503050406030204" pitchFamily="18" charset="0"/>
-                            </a:rPr>
-                            <m:t>:</m:t>
+                            <m:t>1:</m:t>
                           </m:r>
                           <m:r>
                             <a:rPr lang="en-US" b="0" i="1" smtClean="0">
@@ -30485,13 +30365,7 @@
                             <a:rPr lang="en-US" b="0" i="1" smtClean="0">
                               <a:latin typeface="Cambria Math" panose="02040503050406030204" pitchFamily="18" charset="0"/>
                             </a:rPr>
-                            <m:t>1</m:t>
-                          </m:r>
-                          <m:r>
-                            <a:rPr lang="en-US" b="0" i="1" smtClean="0">
-                              <a:latin typeface="Cambria Math" panose="02040503050406030204" pitchFamily="18" charset="0"/>
-                            </a:rPr>
-                            <m:t>,</m:t>
+                            <m:t>1,</m:t>
                           </m:r>
                           <m:r>
                             <a:rPr lang="en-US" b="0" i="1" smtClean="0">
@@ -30503,13 +30377,7 @@
                             <a:rPr lang="en-US" b="0" i="1" smtClean="0">
                               <a:latin typeface="Cambria Math" panose="02040503050406030204" pitchFamily="18" charset="0"/>
                             </a:rPr>
-                            <m:t>−</m:t>
-                          </m:r>
-                          <m:r>
-                            <a:rPr lang="en-US" b="0" i="1" smtClean="0">
-                              <a:latin typeface="Cambria Math" panose="02040503050406030204" pitchFamily="18" charset="0"/>
-                            </a:rPr>
-                            <m:t>1</m:t>
+                            <m:t>−1</m:t>
                           </m:r>
                         </m:sub>
                       </m:sSub>

--- a/teaching/cs513slides/lecture11-SensingPerception.pptx
+++ b/teaching/cs513slides/lecture11-SensingPerception.pptx
@@ -22,58 +22,58 @@
     <p:sldId id="419" r:id="rId10"/>
     <p:sldId id="402" r:id="rId11"/>
     <p:sldId id="403" r:id="rId12"/>
-    <p:sldId id="404" r:id="rId13"/>
-    <p:sldId id="365" r:id="rId14"/>
-    <p:sldId id="405" r:id="rId15"/>
-    <p:sldId id="406" r:id="rId16"/>
-    <p:sldId id="407" r:id="rId17"/>
-    <p:sldId id="408" r:id="rId18"/>
-    <p:sldId id="409" r:id="rId19"/>
-    <p:sldId id="362" r:id="rId20"/>
-    <p:sldId id="410" r:id="rId21"/>
-    <p:sldId id="411" r:id="rId22"/>
-    <p:sldId id="371" r:id="rId23"/>
-    <p:sldId id="372" r:id="rId24"/>
-    <p:sldId id="373" r:id="rId25"/>
-    <p:sldId id="374" r:id="rId26"/>
-    <p:sldId id="375" r:id="rId27"/>
-    <p:sldId id="376" r:id="rId28"/>
-    <p:sldId id="377" r:id="rId29"/>
-    <p:sldId id="378" r:id="rId30"/>
-    <p:sldId id="370" r:id="rId31"/>
-    <p:sldId id="379" r:id="rId32"/>
-    <p:sldId id="380" r:id="rId33"/>
-    <p:sldId id="381" r:id="rId34"/>
-    <p:sldId id="382" r:id="rId35"/>
-    <p:sldId id="384" r:id="rId36"/>
-    <p:sldId id="383" r:id="rId37"/>
-    <p:sldId id="387" r:id="rId38"/>
-    <p:sldId id="385" r:id="rId39"/>
-    <p:sldId id="388" r:id="rId40"/>
-    <p:sldId id="386" r:id="rId41"/>
-    <p:sldId id="389" r:id="rId42"/>
-    <p:sldId id="390" r:id="rId43"/>
-    <p:sldId id="357" r:id="rId44"/>
-    <p:sldId id="395" r:id="rId45"/>
-    <p:sldId id="358" r:id="rId46"/>
-    <p:sldId id="359" r:id="rId47"/>
-    <p:sldId id="366" r:id="rId48"/>
-    <p:sldId id="361" r:id="rId49"/>
-    <p:sldId id="367" r:id="rId50"/>
-    <p:sldId id="368" r:id="rId51"/>
-    <p:sldId id="396" r:id="rId52"/>
-    <p:sldId id="369" r:id="rId53"/>
-    <p:sldId id="363" r:id="rId54"/>
-    <p:sldId id="397" r:id="rId55"/>
-    <p:sldId id="398" r:id="rId56"/>
-    <p:sldId id="399" r:id="rId57"/>
-    <p:sldId id="400" r:id="rId58"/>
-    <p:sldId id="401" r:id="rId59"/>
-    <p:sldId id="391" r:id="rId60"/>
-    <p:sldId id="392" r:id="rId61"/>
-    <p:sldId id="393" r:id="rId62"/>
-    <p:sldId id="394" r:id="rId63"/>
-    <p:sldId id="360" r:id="rId64"/>
+    <p:sldId id="420" r:id="rId13"/>
+    <p:sldId id="404" r:id="rId14"/>
+    <p:sldId id="421" r:id="rId15"/>
+    <p:sldId id="365" r:id="rId16"/>
+    <p:sldId id="405" r:id="rId17"/>
+    <p:sldId id="406" r:id="rId18"/>
+    <p:sldId id="407" r:id="rId19"/>
+    <p:sldId id="408" r:id="rId20"/>
+    <p:sldId id="362" r:id="rId21"/>
+    <p:sldId id="409" r:id="rId22"/>
+    <p:sldId id="372" r:id="rId23"/>
+    <p:sldId id="373" r:id="rId24"/>
+    <p:sldId id="374" r:id="rId25"/>
+    <p:sldId id="375" r:id="rId26"/>
+    <p:sldId id="376" r:id="rId27"/>
+    <p:sldId id="377" r:id="rId28"/>
+    <p:sldId id="378" r:id="rId29"/>
+    <p:sldId id="370" r:id="rId30"/>
+    <p:sldId id="379" r:id="rId31"/>
+    <p:sldId id="380" r:id="rId32"/>
+    <p:sldId id="381" r:id="rId33"/>
+    <p:sldId id="382" r:id="rId34"/>
+    <p:sldId id="384" r:id="rId35"/>
+    <p:sldId id="383" r:id="rId36"/>
+    <p:sldId id="385" r:id="rId37"/>
+    <p:sldId id="388" r:id="rId38"/>
+    <p:sldId id="386" r:id="rId39"/>
+    <p:sldId id="389" r:id="rId40"/>
+    <p:sldId id="390" r:id="rId41"/>
+    <p:sldId id="357" r:id="rId42"/>
+    <p:sldId id="395" r:id="rId43"/>
+    <p:sldId id="358" r:id="rId44"/>
+    <p:sldId id="359" r:id="rId45"/>
+    <p:sldId id="366" r:id="rId46"/>
+    <p:sldId id="361" r:id="rId47"/>
+    <p:sldId id="367" r:id="rId48"/>
+    <p:sldId id="368" r:id="rId49"/>
+    <p:sldId id="396" r:id="rId50"/>
+    <p:sldId id="369" r:id="rId51"/>
+    <p:sldId id="363" r:id="rId52"/>
+    <p:sldId id="397" r:id="rId53"/>
+    <p:sldId id="398" r:id="rId54"/>
+    <p:sldId id="399" r:id="rId55"/>
+    <p:sldId id="400" r:id="rId56"/>
+    <p:sldId id="401" r:id="rId57"/>
+    <p:sldId id="391" r:id="rId58"/>
+    <p:sldId id="392" r:id="rId59"/>
+    <p:sldId id="393" r:id="rId60"/>
+    <p:sldId id="394" r:id="rId61"/>
+    <p:sldId id="410" r:id="rId62"/>
+    <p:sldId id="360" r:id="rId63"/>
+    <p:sldId id="411" r:id="rId64"/>
     <p:sldId id="364" r:id="rId65"/>
   </p:sldIdLst>
   <p:sldSz cx="12192000" cy="6858000"/>
@@ -289,7 +289,7 @@
           <a:p>
             <a:fld id="{459B985A-4C37-4D1F-A437-E4A951A85D11}" type="datetimeFigureOut">
               <a:rPr lang="en-US" smtClean="0"/>
-              <a:t>11/15/2021</a:t>
+              <a:t>11/21/2022</a:t>
             </a:fld>
             <a:endParaRPr lang="en-US" dirty="0"/>
           </a:p>
@@ -466,7 +466,7 @@
           <a:p>
             <a:fld id="{6580C23F-98B7-41D4-A9FA-15A275A51486}" type="datetimeFigureOut">
               <a:rPr lang="en-US" smtClean="0"/>
-              <a:t>11/15/2021</a:t>
+              <a:t>11/21/2022</a:t>
             </a:fld>
             <a:endParaRPr lang="en-US" dirty="0"/>
           </a:p>
@@ -865,79 +865,6 @@
       </p:sp>
       <p:sp>
         <p:nvSpPr>
-          <p:cNvPr id="4" name="Rectangle 3">
-            <a:extLst>
-              <a:ext uri="{FF2B5EF4-FFF2-40B4-BE49-F238E27FC236}">
-                <a16:creationId xmlns:a16="http://schemas.microsoft.com/office/drawing/2014/main" id="{274DCF13-2E1A-4BDC-A42D-07E82F480C2D}"/>
-              </a:ext>
-            </a:extLst>
-          </p:cNvPr>
-          <p:cNvSpPr/>
-          <p:nvPr userDrawn="1"/>
-        </p:nvSpPr>
-        <p:spPr>
-          <a:xfrm>
-            <a:off x="0" y="6223000"/>
-            <a:ext cx="12192000" cy="635000"/>
-          </a:xfrm>
-          <a:prstGeom prst="rect">
-            <a:avLst/>
-          </a:prstGeom>
-          <a:solidFill>
-            <a:srgbClr val="990000"/>
-          </a:solidFill>
-          <a:ln w="9525" cap="flat" cmpd="sng" algn="ctr">
-            <a:noFill/>
-            <a:prstDash val="solid"/>
-          </a:ln>
-          <a:effectLst>
-            <a:outerShdw blurRad="40000" dist="23000" dir="5400000" rotWithShape="0">
-              <a:srgbClr val="000000">
-                <a:alpha val="35000"/>
-              </a:srgbClr>
-            </a:outerShdw>
-          </a:effectLst>
-        </p:spPr>
-        <p:txBody>
-          <a:bodyPr rtlCol="0" anchor="ctr"/>
-          <a:lstStyle/>
-          <a:p>
-            <a:pPr marL="0" marR="0" lvl="0" indent="0" algn="ctr" defTabSz="457200" eaLnBrk="1" fontAlgn="auto" latinLnBrk="0" hangingPunct="1">
-              <a:lnSpc>
-                <a:spcPct val="100000"/>
-              </a:lnSpc>
-              <a:spcBef>
-                <a:spcPts val="0"/>
-              </a:spcBef>
-              <a:spcAft>
-                <a:spcPts val="0"/>
-              </a:spcAft>
-              <a:buClrTx/>
-              <a:buSzTx/>
-              <a:buFontTx/>
-              <a:buNone/>
-              <a:tabLst/>
-              <a:defRPr/>
-            </a:pPr>
-            <a:endParaRPr kumimoji="0" lang="en-US" sz="4000" b="0" i="0" u="none" strike="noStrike" kern="0" cap="none" spc="0" normalizeH="0" baseline="0" noProof="0" dirty="0">
-              <a:ln>
-                <a:noFill/>
-              </a:ln>
-              <a:solidFill>
-                <a:srgbClr val="FFC000"/>
-              </a:solidFill>
-              <a:effectLst/>
-              <a:uLnTx/>
-              <a:uFillTx/>
-              <a:latin typeface="Times New Roman" panose="02020603050405020304" pitchFamily="18" charset="0"/>
-              <a:ea typeface="+mn-ea"/>
-              <a:cs typeface="Times New Roman" panose="02020603050405020304" pitchFamily="18" charset="0"/>
-            </a:endParaRPr>
-          </a:p>
-        </p:txBody>
-      </p:sp>
-      <p:sp>
-        <p:nvSpPr>
           <p:cNvPr id="5" name="TextBox 4">
             <a:extLst>
               <a:ext uri="{FF2B5EF4-FFF2-40B4-BE49-F238E27FC236}">
@@ -968,7 +895,7 @@
             <a:r>
               <a:rPr lang="en-US" sz="1800" b="1" dirty="0">
                 <a:solidFill>
-                  <a:srgbClr val="FFC000"/>
+                  <a:srgbClr val="C00000"/>
                 </a:solidFill>
                 <a:latin typeface="Times New Roman" panose="02020603050405020304" pitchFamily="18" charset="0"/>
                 <a:cs typeface="Times New Roman" panose="02020603050405020304" pitchFamily="18" charset="0"/>
@@ -978,7 +905,7 @@
             <a:r>
               <a:rPr lang="en-US" sz="1800" dirty="0">
                 <a:solidFill>
-                  <a:srgbClr val="FFC000"/>
+                  <a:srgbClr val="C00000"/>
                 </a:solidFill>
                 <a:latin typeface="Times New Roman" panose="02020603050405020304" pitchFamily="18" charset="0"/>
                 <a:cs typeface="Times New Roman" panose="02020603050405020304" pitchFamily="18" charset="0"/>
@@ -991,7 +918,7 @@
             <a:r>
               <a:rPr lang="en-US" sz="1050" dirty="0">
                 <a:solidFill>
-                  <a:srgbClr val="FFC000"/>
+                  <a:srgbClr val="C00000"/>
                 </a:solidFill>
                 <a:latin typeface="Times New Roman" panose="02020603050405020304" pitchFamily="18" charset="0"/>
                 <a:cs typeface="Times New Roman" panose="02020603050405020304" pitchFamily="18" charset="0"/>
@@ -1004,7 +931,7 @@
             <a:r>
               <a:rPr lang="en-US" sz="1050" dirty="0">
                 <a:solidFill>
-                  <a:srgbClr val="FFC000"/>
+                  <a:srgbClr val="C00000"/>
                 </a:solidFill>
                 <a:latin typeface="Garamond" panose="02020404030301010803" pitchFamily="18" charset="0"/>
                 <a:cs typeface="Times New Roman" panose="02020603050405020304" pitchFamily="18" charset="0"/>
@@ -1014,7 +941,7 @@
             <a:r>
               <a:rPr lang="en-US" sz="1050" i="1" dirty="0">
                 <a:solidFill>
-                  <a:srgbClr val="FFC000"/>
+                  <a:srgbClr val="C00000"/>
                 </a:solidFill>
                 <a:latin typeface="Garamond" panose="02020404030301010803" pitchFamily="18" charset="0"/>
                 <a:cs typeface="Times New Roman" panose="02020603050405020304" pitchFamily="18" charset="0"/>
@@ -1072,8 +999,8 @@
         </p:nvSpPr>
         <p:spPr>
           <a:xfrm>
-            <a:off x="166681" y="1332703"/>
-            <a:ext cx="11699087" cy="4351338"/>
+            <a:off x="166681" y="1045391"/>
+            <a:ext cx="11699087" cy="4638650"/>
           </a:xfrm>
           <a:prstGeom prst="rect">
             <a:avLst/>
@@ -1176,7 +1103,7 @@
           <p:nvPr userDrawn="1"/>
         </p:nvPicPr>
         <mc:AlternateContent xmlns:mc="http://schemas.openxmlformats.org/markup-compatibility/2006">
-          <mc:Choice xmlns:ma="http://schemas.microsoft.com/office/mac/drawingml/2008/main" xmlns:mv="urn:schemas-microsoft-com:mac:vml" xmlns="" Requires="ma">
+          <mc:Choice xmlns="" xmlns:mv="urn:schemas-microsoft-com:mac:vml" xmlns:ma="http://schemas.microsoft.com/office/mac/drawingml/2008/main" Requires="ma">
             <p:blipFill>
               <a:blip r:embed="rId3"/>
               <a:stretch>
@@ -1205,152 +1132,6 @@
       </p:pic>
       <p:sp>
         <p:nvSpPr>
-          <p:cNvPr id="13" name="Rectangle 12">
-            <a:extLst>
-              <a:ext uri="{FF2B5EF4-FFF2-40B4-BE49-F238E27FC236}">
-                <a16:creationId xmlns:a16="http://schemas.microsoft.com/office/drawing/2014/main" id="{26381F13-A4A4-444E-9C5F-0C7501D9BF81}"/>
-              </a:ext>
-            </a:extLst>
-          </p:cNvPr>
-          <p:cNvSpPr/>
-          <p:nvPr userDrawn="1"/>
-        </p:nvSpPr>
-        <p:spPr>
-          <a:xfrm>
-            <a:off x="0" y="2713"/>
-            <a:ext cx="12192000" cy="302605"/>
-          </a:xfrm>
-          <a:prstGeom prst="rect">
-            <a:avLst/>
-          </a:prstGeom>
-          <a:solidFill>
-            <a:srgbClr val="990000"/>
-          </a:solidFill>
-          <a:ln w="9525" cap="flat" cmpd="sng" algn="ctr">
-            <a:noFill/>
-            <a:prstDash val="solid"/>
-          </a:ln>
-          <a:effectLst>
-            <a:outerShdw blurRad="40000" dist="23000" dir="5400000" rotWithShape="0">
-              <a:srgbClr val="000000">
-                <a:alpha val="35000"/>
-              </a:srgbClr>
-            </a:outerShdw>
-          </a:effectLst>
-        </p:spPr>
-        <p:txBody>
-          <a:bodyPr rtlCol="0" anchor="ctr"/>
-          <a:lstStyle/>
-          <a:p>
-            <a:pPr marL="0" marR="0" lvl="0" indent="0" algn="ctr" defTabSz="457200" eaLnBrk="1" fontAlgn="auto" latinLnBrk="0" hangingPunct="1">
-              <a:lnSpc>
-                <a:spcPct val="100000"/>
-              </a:lnSpc>
-              <a:spcBef>
-                <a:spcPts val="0"/>
-              </a:spcBef>
-              <a:spcAft>
-                <a:spcPts val="0"/>
-              </a:spcAft>
-              <a:buClrTx/>
-              <a:buSzTx/>
-              <a:buFontTx/>
-              <a:buNone/>
-              <a:tabLst/>
-              <a:defRPr/>
-            </a:pPr>
-            <a:endParaRPr kumimoji="0" lang="en-US" sz="4000" b="0" i="0" u="none" strike="noStrike" kern="0" cap="none" spc="0" normalizeH="0" baseline="0" noProof="0" dirty="0">
-              <a:ln>
-                <a:noFill/>
-              </a:ln>
-              <a:solidFill>
-                <a:prstClr val="white"/>
-              </a:solidFill>
-              <a:effectLst/>
-              <a:uLnTx/>
-              <a:uFillTx/>
-              <a:latin typeface="Times New Roman" panose="02020603050405020304" pitchFamily="18" charset="0"/>
-              <a:ea typeface="+mn-ea"/>
-              <a:cs typeface="Times New Roman" panose="02020603050405020304" pitchFamily="18" charset="0"/>
-            </a:endParaRPr>
-          </a:p>
-        </p:txBody>
-      </p:sp>
-      <p:sp>
-        <p:nvSpPr>
-          <p:cNvPr id="14" name="Rectangle 13">
-            <a:extLst>
-              <a:ext uri="{FF2B5EF4-FFF2-40B4-BE49-F238E27FC236}">
-                <a16:creationId xmlns:a16="http://schemas.microsoft.com/office/drawing/2014/main" id="{3477AB79-4F9F-47F3-934B-DC6AA693504D}"/>
-              </a:ext>
-            </a:extLst>
-          </p:cNvPr>
-          <p:cNvSpPr/>
-          <p:nvPr userDrawn="1"/>
-        </p:nvSpPr>
-        <p:spPr>
-          <a:xfrm flipV="1">
-            <a:off x="9522" y="294440"/>
-            <a:ext cx="12192000" cy="50800"/>
-          </a:xfrm>
-          <a:prstGeom prst="rect">
-            <a:avLst/>
-          </a:prstGeom>
-          <a:solidFill>
-            <a:srgbClr val="FFCC00"/>
-          </a:solidFill>
-          <a:ln w="9525" cap="flat" cmpd="sng" algn="ctr">
-            <a:noFill/>
-            <a:prstDash val="solid"/>
-          </a:ln>
-          <a:effectLst>
-            <a:outerShdw blurRad="40000" dist="20000" dir="5400000" rotWithShape="0">
-              <a:srgbClr val="000000">
-                <a:alpha val="38000"/>
-              </a:srgbClr>
-            </a:outerShdw>
-          </a:effectLst>
-        </p:spPr>
-        <p:txBody>
-          <a:bodyPr rtlCol="0" anchor="ctr"/>
-          <a:lstStyle/>
-          <a:p>
-            <a:pPr marL="0" marR="0" lvl="0" indent="0" algn="ctr" defTabSz="457200" eaLnBrk="1" fontAlgn="auto" latinLnBrk="0" hangingPunct="1">
-              <a:lnSpc>
-                <a:spcPct val="100000"/>
-              </a:lnSpc>
-              <a:spcBef>
-                <a:spcPts val="0"/>
-              </a:spcBef>
-              <a:spcAft>
-                <a:spcPts val="0"/>
-              </a:spcAft>
-              <a:buClrTx/>
-              <a:buSzTx/>
-              <a:buFontTx/>
-              <a:buNone/>
-              <a:tabLst/>
-              <a:defRPr/>
-            </a:pPr>
-            <a:endParaRPr kumimoji="0" lang="en-US" sz="1800" b="0" i="0" u="none" strike="noStrike" kern="0" cap="none" spc="0" normalizeH="0" baseline="0" noProof="0" dirty="0">
-              <a:ln>
-                <a:noFill/>
-              </a:ln>
-              <a:solidFill>
-                <a:srgbClr val="990000"/>
-              </a:solidFill>
-              <a:effectLst/>
-              <a:uLnTx/>
-              <a:uFillTx/>
-              <a:latin typeface="Calibri" panose="020F0502020204030204"/>
-              <a:ea typeface="+mn-ea"/>
-              <a:cs typeface="+mn-cs"/>
-            </a:endParaRPr>
-          </a:p>
-        </p:txBody>
-      </p:sp>
-      <p:sp>
-        <p:nvSpPr>
           <p:cNvPr id="17" name="Title 16">
             <a:extLst>
               <a:ext uri="{FF2B5EF4-FFF2-40B4-BE49-F238E27FC236}">
@@ -1367,7 +1148,7 @@
         </p:nvSpPr>
         <p:spPr>
           <a:xfrm>
-            <a:off x="166680" y="430374"/>
+            <a:off x="120960" y="110298"/>
             <a:ext cx="10920419" cy="778828"/>
           </a:xfrm>
           <a:prstGeom prst="rect">
@@ -1441,79 +1222,6 @@
       </p:sp>
       <p:sp>
         <p:nvSpPr>
-          <p:cNvPr id="2" name="Rectangle 1">
-            <a:extLst>
-              <a:ext uri="{FF2B5EF4-FFF2-40B4-BE49-F238E27FC236}">
-                <a16:creationId xmlns:a16="http://schemas.microsoft.com/office/drawing/2014/main" id="{433987AD-C88B-4873-AB78-3790E4F2F661}"/>
-              </a:ext>
-            </a:extLst>
-          </p:cNvPr>
-          <p:cNvSpPr/>
-          <p:nvPr userDrawn="1"/>
-        </p:nvSpPr>
-        <p:spPr>
-          <a:xfrm>
-            <a:off x="0" y="6223000"/>
-            <a:ext cx="12192000" cy="635000"/>
-          </a:xfrm>
-          <a:prstGeom prst="rect">
-            <a:avLst/>
-          </a:prstGeom>
-          <a:solidFill>
-            <a:srgbClr val="990000"/>
-          </a:solidFill>
-          <a:ln w="9525" cap="flat" cmpd="sng" algn="ctr">
-            <a:noFill/>
-            <a:prstDash val="solid"/>
-          </a:ln>
-          <a:effectLst>
-            <a:outerShdw blurRad="40000" dist="23000" dir="5400000" rotWithShape="0">
-              <a:srgbClr val="000000">
-                <a:alpha val="35000"/>
-              </a:srgbClr>
-            </a:outerShdw>
-          </a:effectLst>
-        </p:spPr>
-        <p:txBody>
-          <a:bodyPr rtlCol="0" anchor="ctr"/>
-          <a:lstStyle/>
-          <a:p>
-            <a:pPr marL="0" marR="0" lvl="0" indent="0" algn="ctr" defTabSz="457200" eaLnBrk="1" fontAlgn="auto" latinLnBrk="0" hangingPunct="1">
-              <a:lnSpc>
-                <a:spcPct val="100000"/>
-              </a:lnSpc>
-              <a:spcBef>
-                <a:spcPts val="0"/>
-              </a:spcBef>
-              <a:spcAft>
-                <a:spcPts val="0"/>
-              </a:spcAft>
-              <a:buClrTx/>
-              <a:buSzTx/>
-              <a:buFontTx/>
-              <a:buNone/>
-              <a:tabLst/>
-              <a:defRPr/>
-            </a:pPr>
-            <a:endParaRPr kumimoji="0" lang="en-US" sz="4000" b="0" i="0" u="none" strike="noStrike" kern="0" cap="none" spc="0" normalizeH="0" baseline="0" noProof="0" dirty="0">
-              <a:ln>
-                <a:noFill/>
-              </a:ln>
-              <a:solidFill>
-                <a:srgbClr val="FFC000"/>
-              </a:solidFill>
-              <a:effectLst/>
-              <a:uLnTx/>
-              <a:uFillTx/>
-              <a:latin typeface="Times New Roman" panose="02020603050405020304" pitchFamily="18" charset="0"/>
-              <a:ea typeface="+mn-ea"/>
-              <a:cs typeface="Times New Roman" panose="02020603050405020304" pitchFamily="18" charset="0"/>
-            </a:endParaRPr>
-          </a:p>
-        </p:txBody>
-      </p:sp>
-      <p:sp>
-        <p:nvSpPr>
           <p:cNvPr id="3" name="TextBox 2">
             <a:extLst>
               <a:ext uri="{FF2B5EF4-FFF2-40B4-BE49-F238E27FC236}">
@@ -1544,7 +1252,7 @@
             <a:r>
               <a:rPr lang="en-US" sz="1800" b="1" dirty="0">
                 <a:solidFill>
-                  <a:srgbClr val="FFC000"/>
+                  <a:srgbClr val="C00000"/>
                 </a:solidFill>
                 <a:latin typeface="Times New Roman" panose="02020603050405020304" pitchFamily="18" charset="0"/>
                 <a:cs typeface="Times New Roman" panose="02020603050405020304" pitchFamily="18" charset="0"/>
@@ -1554,7 +1262,7 @@
             <a:r>
               <a:rPr lang="en-US" sz="1800" dirty="0">
                 <a:solidFill>
-                  <a:srgbClr val="FFC000"/>
+                  <a:srgbClr val="C00000"/>
                 </a:solidFill>
                 <a:latin typeface="Times New Roman" panose="02020603050405020304" pitchFamily="18" charset="0"/>
                 <a:cs typeface="Times New Roman" panose="02020603050405020304" pitchFamily="18" charset="0"/>
@@ -1567,7 +1275,7 @@
             <a:r>
               <a:rPr lang="en-US" sz="1050" dirty="0">
                 <a:solidFill>
-                  <a:srgbClr val="FFC000"/>
+                  <a:srgbClr val="C00000"/>
                 </a:solidFill>
                 <a:latin typeface="Times New Roman" panose="02020603050405020304" pitchFamily="18" charset="0"/>
                 <a:cs typeface="Times New Roman" panose="02020603050405020304" pitchFamily="18" charset="0"/>
@@ -1580,7 +1288,7 @@
             <a:r>
               <a:rPr lang="en-US" sz="1050" dirty="0">
                 <a:solidFill>
-                  <a:srgbClr val="FFC000"/>
+                  <a:srgbClr val="C00000"/>
                 </a:solidFill>
                 <a:latin typeface="Garamond" panose="02020404030301010803" pitchFamily="18" charset="0"/>
                 <a:cs typeface="Times New Roman" panose="02020603050405020304" pitchFamily="18" charset="0"/>
@@ -1590,7 +1298,7 @@
             <a:r>
               <a:rPr lang="en-US" sz="1050" i="1" dirty="0">
                 <a:solidFill>
-                  <a:srgbClr val="FFC000"/>
+                  <a:srgbClr val="C00000"/>
                 </a:solidFill>
                 <a:latin typeface="Garamond" panose="02020404030301010803" pitchFamily="18" charset="0"/>
                 <a:cs typeface="Times New Roman" panose="02020603050405020304" pitchFamily="18" charset="0"/>
@@ -2429,7 +2137,7 @@
           <a:p>
             <a:r>
               <a:rPr lang="en-US" dirty="0"/>
-              <a:t>Transducers that convert one physical property into another</a:t>
+              <a:t>“Transducers” that convert one physical property into another</a:t>
             </a:r>
           </a:p>
           <a:p>
@@ -2708,6 +2416,151 @@
           <p:cNvPr id="2" name="Content Placeholder 1">
             <a:extLst>
               <a:ext uri="{FF2B5EF4-FFF2-40B4-BE49-F238E27FC236}">
+                <a16:creationId xmlns:a16="http://schemas.microsoft.com/office/drawing/2014/main" id="{4DEDD334-D7B7-6B33-E42C-B3E2CD9F05B7}"/>
+              </a:ext>
+            </a:extLst>
+          </p:cNvPr>
+          <p:cNvSpPr>
+            <a:spLocks noGrp="1"/>
+          </p:cNvSpPr>
+          <p:nvPr>
+            <p:ph idx="1"/>
+          </p:nvPr>
+        </p:nvSpPr>
+        <p:spPr>
+          <a:xfrm>
+            <a:off x="246456" y="1472535"/>
+            <a:ext cx="11699087" cy="3432677"/>
+          </a:xfrm>
+        </p:spPr>
+        <p:txBody>
+          <a:bodyPr/>
+          <a:lstStyle/>
+          <a:p>
+            <a:r>
+              <a:rPr lang="en-US" dirty="0"/>
+              <a:t>Inertial Measurement Units</a:t>
+            </a:r>
+          </a:p>
+          <a:p>
+            <a:r>
+              <a:rPr lang="en-US" dirty="0"/>
+              <a:t>GPS</a:t>
+            </a:r>
+          </a:p>
+          <a:p>
+            <a:r>
+              <a:rPr lang="en-US" dirty="0"/>
+              <a:t>Vision-based (Camera) sensors</a:t>
+            </a:r>
+          </a:p>
+          <a:p>
+            <a:r>
+              <a:rPr lang="en-US" dirty="0"/>
+              <a:t>LiDAR </a:t>
+            </a:r>
+          </a:p>
+          <a:p>
+            <a:r>
+              <a:rPr lang="en-US" dirty="0"/>
+              <a:t>RADAR</a:t>
+            </a:r>
+          </a:p>
+        </p:txBody>
+      </p:sp>
+      <p:sp>
+        <p:nvSpPr>
+          <p:cNvPr id="3" name="Title 2">
+            <a:extLst>
+              <a:ext uri="{FF2B5EF4-FFF2-40B4-BE49-F238E27FC236}">
+                <a16:creationId xmlns:a16="http://schemas.microsoft.com/office/drawing/2014/main" id="{7B675105-A8F4-28FD-0C0B-E650B0AB9971}"/>
+              </a:ext>
+            </a:extLst>
+          </p:cNvPr>
+          <p:cNvSpPr>
+            <a:spLocks noGrp="1"/>
+          </p:cNvSpPr>
+          <p:nvPr>
+            <p:ph type="title"/>
+          </p:nvPr>
+        </p:nvSpPr>
+        <p:spPr/>
+        <p:txBody>
+          <a:bodyPr/>
+          <a:lstStyle/>
+          <a:p>
+            <a:r>
+              <a:rPr lang="en-US" dirty="0"/>
+              <a:t>Some important sensors for autonomy</a:t>
+            </a:r>
+          </a:p>
+        </p:txBody>
+      </p:sp>
+      <p:sp>
+        <p:nvSpPr>
+          <p:cNvPr id="4" name="Slide Number Placeholder 3">
+            <a:extLst>
+              <a:ext uri="{FF2B5EF4-FFF2-40B4-BE49-F238E27FC236}">
+                <a16:creationId xmlns:a16="http://schemas.microsoft.com/office/drawing/2014/main" id="{0F47B9D2-9E4F-7B7E-71EB-AAC2BB4418A6}"/>
+              </a:ext>
+            </a:extLst>
+          </p:cNvPr>
+          <p:cNvSpPr>
+            <a:spLocks noGrp="1"/>
+          </p:cNvSpPr>
+          <p:nvPr>
+            <p:ph type="sldNum" sz="quarter" idx="12"/>
+          </p:nvPr>
+        </p:nvSpPr>
+        <p:spPr/>
+        <p:txBody>
+          <a:bodyPr/>
+          <a:lstStyle/>
+          <a:p>
+            <a:fld id="{29AAD378-655A-49C6-813C-9FD132EF7440}" type="slidenum">
+              <a:rPr lang="en-US" smtClean="0"/>
+              <a:pPr/>
+              <a:t>12</a:t>
+            </a:fld>
+            <a:endParaRPr lang="en-US" dirty="0"/>
+          </a:p>
+        </p:txBody>
+      </p:sp>
+    </p:spTree>
+    <p:extLst>
+      <p:ext uri="{BB962C8B-B14F-4D97-AF65-F5344CB8AC3E}">
+        <p14:creationId xmlns:p14="http://schemas.microsoft.com/office/powerpoint/2010/main" val="132010466"/>
+      </p:ext>
+    </p:extLst>
+  </p:cSld>
+  <p:clrMapOvr>
+    <a:masterClrMapping/>
+  </p:clrMapOvr>
+</p:sld>
+</file>
+
+<file path=ppt/slides/slide13.xml><?xml version="1.0" encoding="utf-8"?>
+<p:sld xmlns:a="http://schemas.openxmlformats.org/drawingml/2006/main" xmlns:r="http://schemas.openxmlformats.org/officeDocument/2006/relationships" xmlns:p="http://schemas.openxmlformats.org/presentationml/2006/main" show="0">
+  <p:cSld>
+    <p:spTree>
+      <p:nvGrpSpPr>
+        <p:cNvPr id="1" name=""/>
+        <p:cNvGrpSpPr/>
+        <p:nvPr/>
+      </p:nvGrpSpPr>
+      <p:grpSpPr>
+        <a:xfrm>
+          <a:off x="0" y="0"/>
+          <a:ext cx="0" cy="0"/>
+          <a:chOff x="0" y="0"/>
+          <a:chExt cx="0" cy="0"/>
+        </a:xfrm>
+      </p:grpSpPr>
+      <p:sp>
+        <p:nvSpPr>
+          <p:cNvPr id="2" name="Content Placeholder 1">
+            <a:extLst>
+              <a:ext uri="{FF2B5EF4-FFF2-40B4-BE49-F238E27FC236}">
                 <a16:creationId xmlns:a16="http://schemas.microsoft.com/office/drawing/2014/main" id="{3AA970C3-A0F1-470A-BBD4-3C653653452A}"/>
               </a:ext>
             </a:extLst>
@@ -2719,14 +2572,19 @@
             <p:ph idx="1"/>
           </p:nvPr>
         </p:nvSpPr>
-        <p:spPr/>
+        <p:spPr>
+          <a:xfrm>
+            <a:off x="166681" y="1808017"/>
+            <a:ext cx="11699087" cy="3876023"/>
+          </a:xfrm>
+        </p:spPr>
         <p:txBody>
           <a:bodyPr/>
           <a:lstStyle/>
           <a:p>
             <a:r>
               <a:rPr lang="en-US" dirty="0"/>
-              <a:t>Inertial Measurement Units or IMUs are part of an Inertial Navigation System</a:t>
+              <a:t>Inertial Measurement Units or IMUs: part of an Inertial Navigation System</a:t>
             </a:r>
           </a:p>
           <a:p>
@@ -2809,7 +2667,7 @@
             <a:fld id="{29AAD378-655A-49C6-813C-9FD132EF7440}" type="slidenum">
               <a:rPr lang="en-US" smtClean="0"/>
               <a:pPr/>
-              <a:t>12</a:t>
+              <a:t>13</a:t>
             </a:fld>
             <a:endParaRPr lang="en-US" dirty="0"/>
           </a:p>
@@ -2828,7 +2686,140 @@
 </p:sld>
 </file>
 
-<file path=ppt/slides/slide13.xml><?xml version="1.0" encoding="utf-8"?>
+<file path=ppt/slides/slide14.xml><?xml version="1.0" encoding="utf-8"?>
+<p:sld xmlns:a="http://schemas.openxmlformats.org/drawingml/2006/main" xmlns:r="http://schemas.openxmlformats.org/officeDocument/2006/relationships" xmlns:p="http://schemas.openxmlformats.org/presentationml/2006/main">
+  <p:cSld>
+    <p:spTree>
+      <p:nvGrpSpPr>
+        <p:cNvPr id="1" name=""/>
+        <p:cNvGrpSpPr/>
+        <p:nvPr/>
+      </p:nvGrpSpPr>
+      <p:grpSpPr>
+        <a:xfrm>
+          <a:off x="0" y="0"/>
+          <a:ext cx="0" cy="0"/>
+          <a:chOff x="0" y="0"/>
+          <a:chExt cx="0" cy="0"/>
+        </a:xfrm>
+      </p:grpSpPr>
+      <p:sp>
+        <p:nvSpPr>
+          <p:cNvPr id="2" name="Content Placeholder 1">
+            <a:extLst>
+              <a:ext uri="{FF2B5EF4-FFF2-40B4-BE49-F238E27FC236}">
+                <a16:creationId xmlns:a16="http://schemas.microsoft.com/office/drawing/2014/main" id="{3AA970C3-A0F1-470A-BBD4-3C653653452A}"/>
+              </a:ext>
+            </a:extLst>
+          </p:cNvPr>
+          <p:cNvSpPr>
+            <a:spLocks noGrp="1"/>
+          </p:cNvSpPr>
+          <p:nvPr>
+            <p:ph idx="1"/>
+          </p:nvPr>
+        </p:nvSpPr>
+        <p:spPr>
+          <a:xfrm>
+            <a:off x="166681" y="1808017"/>
+            <a:ext cx="11699087" cy="3876023"/>
+          </a:xfrm>
+        </p:spPr>
+        <p:txBody>
+          <a:bodyPr/>
+          <a:lstStyle/>
+          <a:p>
+            <a:r>
+              <a:rPr lang="en-US" dirty="0"/>
+              <a:t>Inertial Measurement Units or IMUs: part of an Inertial Navigation System</a:t>
+            </a:r>
+          </a:p>
+          <a:p>
+            <a:r>
+              <a:rPr lang="en-US" dirty="0"/>
+              <a:t>Use accelerometers and gyroscopes to track position and orientation of an object relative to start position, orientation and velocity</a:t>
+            </a:r>
+          </a:p>
+          <a:p>
+            <a:r>
+              <a:rPr lang="en-US" dirty="0"/>
+              <a:t>Typically: 3 orthogonal rate-gyroscopes measuring angular velocities, and 3 accelerometers measuring linear accelerations (along the 3 axes)</a:t>
+            </a:r>
+          </a:p>
+        </p:txBody>
+      </p:sp>
+      <p:sp>
+        <p:nvSpPr>
+          <p:cNvPr id="3" name="Title 2">
+            <a:extLst>
+              <a:ext uri="{FF2B5EF4-FFF2-40B4-BE49-F238E27FC236}">
+                <a16:creationId xmlns:a16="http://schemas.microsoft.com/office/drawing/2014/main" id="{1FBDB40B-1BFC-4C42-8F48-77AD0FC5A875}"/>
+              </a:ext>
+            </a:extLst>
+          </p:cNvPr>
+          <p:cNvSpPr>
+            <a:spLocks noGrp="1"/>
+          </p:cNvSpPr>
+          <p:nvPr>
+            <p:ph type="title"/>
+          </p:nvPr>
+        </p:nvSpPr>
+        <p:spPr/>
+        <p:txBody>
+          <a:bodyPr/>
+          <a:lstStyle/>
+          <a:p>
+            <a:r>
+              <a:rPr lang="en-US" dirty="0"/>
+              <a:t>Basics of IMUs</a:t>
+            </a:r>
+          </a:p>
+        </p:txBody>
+      </p:sp>
+      <p:sp>
+        <p:nvSpPr>
+          <p:cNvPr id="4" name="Slide Number Placeholder 3">
+            <a:extLst>
+              <a:ext uri="{FF2B5EF4-FFF2-40B4-BE49-F238E27FC236}">
+                <a16:creationId xmlns:a16="http://schemas.microsoft.com/office/drawing/2014/main" id="{8C1B0F3D-8A39-4673-A8FA-781E507474A3}"/>
+              </a:ext>
+            </a:extLst>
+          </p:cNvPr>
+          <p:cNvSpPr>
+            <a:spLocks noGrp="1"/>
+          </p:cNvSpPr>
+          <p:nvPr>
+            <p:ph type="sldNum" sz="quarter" idx="12"/>
+          </p:nvPr>
+        </p:nvSpPr>
+        <p:spPr/>
+        <p:txBody>
+          <a:bodyPr/>
+          <a:lstStyle/>
+          <a:p>
+            <a:fld id="{29AAD378-655A-49C6-813C-9FD132EF7440}" type="slidenum">
+              <a:rPr lang="en-US" smtClean="0"/>
+              <a:pPr/>
+              <a:t>14</a:t>
+            </a:fld>
+            <a:endParaRPr lang="en-US" dirty="0"/>
+          </a:p>
+        </p:txBody>
+      </p:sp>
+    </p:spTree>
+    <p:extLst>
+      <p:ext uri="{BB962C8B-B14F-4D97-AF65-F5344CB8AC3E}">
+        <p14:creationId xmlns:p14="http://schemas.microsoft.com/office/powerpoint/2010/main" val="831498743"/>
+      </p:ext>
+    </p:extLst>
+  </p:cSld>
+  <p:clrMapOvr>
+    <a:masterClrMapping/>
+  </p:clrMapOvr>
+</p:sld>
+</file>
+
+<file path=ppt/slides/slide15.xml><?xml version="1.0" encoding="utf-8"?>
 <p:sld xmlns:a="http://schemas.openxmlformats.org/drawingml/2006/main" xmlns:r="http://schemas.openxmlformats.org/officeDocument/2006/relationships" xmlns:p="http://schemas.openxmlformats.org/presentationml/2006/main">
   <p:cSld>
     <p:spTree>
@@ -2899,7 +2890,7 @@
             <a:fld id="{29AAD378-655A-49C6-813C-9FD132EF7440}" type="slidenum">
               <a:rPr lang="en-US" smtClean="0"/>
               <a:pPr/>
-              <a:t>13</a:t>
+              <a:t>15</a:t>
             </a:fld>
             <a:endParaRPr lang="en-US" dirty="0"/>
           </a:p>
@@ -2935,6 +2926,42 @@
           </a:prstGeom>
         </p:spPr>
       </p:pic>
+      <p:pic>
+        <p:nvPicPr>
+          <p:cNvPr id="7" name="Picture 6" descr="A picture containing candelabrum&#10;&#10;Description automatically generated">
+            <a:extLst>
+              <a:ext uri="{FF2B5EF4-FFF2-40B4-BE49-F238E27FC236}">
+                <a16:creationId xmlns:a16="http://schemas.microsoft.com/office/drawing/2014/main" id="{EC6109AF-9043-9993-22EA-B3B173037CDB}"/>
+              </a:ext>
+            </a:extLst>
+          </p:cNvPr>
+          <p:cNvPicPr>
+            <a:picLocks noChangeAspect="1"/>
+          </p:cNvPicPr>
+          <p:nvPr/>
+        </p:nvPicPr>
+        <p:blipFill>
+          <a:blip r:embed="rId3">
+            <a:extLst>
+              <a:ext uri="{28A0092B-C50C-407E-A947-70E740481C1C}">
+                <a14:useLocalDpi xmlns:a14="http://schemas.microsoft.com/office/drawing/2010/main" val="0"/>
+              </a:ext>
+            </a:extLst>
+          </a:blip>
+          <a:stretch>
+            <a:fillRect/>
+          </a:stretch>
+        </p:blipFill>
+        <p:spPr>
+          <a:xfrm>
+            <a:off x="7592291" y="1094509"/>
+            <a:ext cx="2279072" cy="1709304"/>
+          </a:xfrm>
+          <a:prstGeom prst="rect">
+            <a:avLst/>
+          </a:prstGeom>
+        </p:spPr>
+      </p:pic>
     </p:spTree>
     <p:extLst>
       <p:ext uri="{BB962C8B-B14F-4D97-AF65-F5344CB8AC3E}">
@@ -2948,7 +2975,7 @@
 </p:sld>
 </file>
 
-<file path=ppt/slides/slide14.xml><?xml version="1.0" encoding="utf-8"?>
+<file path=ppt/slides/slide16.xml><?xml version="1.0" encoding="utf-8"?>
 <p:sld xmlns:a="http://schemas.openxmlformats.org/drawingml/2006/main" xmlns:r="http://schemas.openxmlformats.org/officeDocument/2006/relationships" xmlns:p="http://schemas.openxmlformats.org/presentationml/2006/main">
   <p:cSld>
     <p:spTree>
@@ -3017,7 +3044,7 @@
             <a:fld id="{29AAD378-655A-49C6-813C-9FD132EF7440}" type="slidenum">
               <a:rPr lang="en-US" smtClean="0"/>
               <a:pPr/>
-              <a:t>14</a:t>
+              <a:t>16</a:t>
             </a:fld>
             <a:endParaRPr lang="en-US" dirty="0"/>
           </a:p>
@@ -4115,7 +4142,7 @@
 </p:sld>
 </file>
 
-<file path=ppt/slides/slide15.xml><?xml version="1.0" encoding="utf-8"?>
+<file path=ppt/slides/slide17.xml><?xml version="1.0" encoding="utf-8"?>
 <p:sld xmlns:a="http://schemas.openxmlformats.org/drawingml/2006/main" xmlns:r="http://schemas.openxmlformats.org/officeDocument/2006/relationships" xmlns:p="http://schemas.openxmlformats.org/presentationml/2006/main">
   <p:cSld>
     <p:spTree>
@@ -4132,8 +4159,8 @@
           <a:chExt cx="0" cy="0"/>
         </a:xfrm>
       </p:grpSpPr>
-      <mc:AlternateContent xmlns:mc="http://schemas.openxmlformats.org/markup-compatibility/2006" xmlns:a14="http://schemas.microsoft.com/office/drawing/2010/main">
-        <mc:Choice Requires="a14">
+      <mc:AlternateContent xmlns:mc="http://schemas.openxmlformats.org/markup-compatibility/2006">
+        <mc:Choice xmlns:a14="http://schemas.microsoft.com/office/drawing/2010/main" Requires="a14">
           <p:sp>
             <p:nvSpPr>
               <p:cNvPr id="2" name="Content Placeholder 1">
@@ -4150,14 +4177,21 @@
                 <p:ph idx="1"/>
               </p:nvPr>
             </p:nvSpPr>
-            <p:spPr/>
+            <p:spPr>
+              <a:xfrm>
+                <a:off x="166681" y="1045391"/>
+                <a:ext cx="11699087" cy="4946700"/>
+              </a:xfrm>
+            </p:spPr>
             <p:txBody>
-              <a:bodyPr/>
+              <a:bodyPr>
+                <a:normAutofit/>
+              </a:bodyPr>
               <a:lstStyle/>
               <a:p>
                 <a:r>
                   <a:rPr lang="en-US" dirty="0"/>
-                  <a:t>Note that for a rotation matrix, </a:t>
+                  <a:t>Rotation matrices are orthonormal, i.e., </a:t>
                 </a:r>
                 <a14:m>
                   <m:oMath xmlns:m="http://schemas.openxmlformats.org/officeDocument/2006/math">
@@ -4219,9 +4253,12 @@
                     </m:sSup>
                   </m:oMath>
                 </a14:m>
+                <a:endParaRPr lang="en-US" dirty="0"/>
+              </a:p>
+              <a:p>
                 <a:r>
                   <a:rPr lang="en-US" dirty="0"/>
-                  <a:t>. Let </a:t>
+                  <a:t>Let </a:t>
                 </a:r>
                 <a14:m>
                   <m:oMath xmlns:m="http://schemas.openxmlformats.org/officeDocument/2006/math">
@@ -4875,7 +4912,13 @@
                 </a14:m>
                 <a:r>
                   <a:rPr lang="en-US" dirty="0"/>
-                  <a:t>. If the rotations are small enough, </a:t>
+                  <a:t>.</a:t>
+                </a:r>
+              </a:p>
+              <a:p>
+                <a:r>
+                  <a:rPr lang="en-US" dirty="0"/>
+                  <a:t> If the rotations are small enough, </a:t>
                 </a:r>
                 <a14:m>
                   <m:oMath xmlns:m="http://schemas.openxmlformats.org/officeDocument/2006/math">
@@ -4902,11 +4945,17 @@
                         </m:r>
                       </m:e>
                     </m:d>
+                    <m:r>
+                      <a:rPr lang="en-US" b="0" i="1" dirty="0" smtClean="0">
+                        <a:latin typeface="Cambria Math" panose="02040503050406030204" pitchFamily="18" charset="0"/>
+                      </a:rPr>
+                      <m:t>=</m:t>
+                    </m:r>
                   </m:oMath>
                 </a14:m>
                 <a:r>
                   <a:rPr lang="en-US" dirty="0"/>
-                  <a:t> can itself be written as </a:t>
+                  <a:t> </a:t>
                 </a:r>
                 <a14:m>
                   <m:oMath xmlns:m="http://schemas.openxmlformats.org/officeDocument/2006/math">
@@ -4964,13 +5013,33 @@
                 </a14:m>
                 <a:r>
                   <a:rPr lang="en-US" dirty="0"/>
-                  <a:t> is the small angle approximation of the rotation matrix</a:t>
+                  <a:t> is the small angle approximation of matrix describing effective rotation in </a:t>
+                </a:r>
+                <a14:m>
+                  <m:oMath xmlns:m="http://schemas.openxmlformats.org/officeDocument/2006/math">
+                    <m:r>
+                      <a:rPr lang="en-US" b="0" i="1" smtClean="0">
+                        <a:latin typeface="Cambria Math" panose="02040503050406030204" pitchFamily="18" charset="0"/>
+                      </a:rPr>
+                      <m:t>𝛿</m:t>
+                    </m:r>
+                    <m:r>
+                      <a:rPr lang="en-US" b="0" i="1" smtClean="0">
+                        <a:latin typeface="Cambria Math" panose="02040503050406030204" pitchFamily="18" charset="0"/>
+                      </a:rPr>
+                      <m:t>𝑡</m:t>
+                    </m:r>
+                  </m:oMath>
+                </a14:m>
+                <a:r>
+                  <a:rPr lang="en-US" dirty="0"/>
+                  <a:t> time</a:t>
                 </a:r>
               </a:p>
             </p:txBody>
           </p:sp>
         </mc:Choice>
-        <mc:Fallback xmlns="">
+        <mc:Fallback>
           <p:sp>
             <p:nvSpPr>
               <p:cNvPr id="2" name="Content Placeholder 1">
@@ -4988,10 +5057,14 @@
               </p:nvPr>
             </p:nvSpPr>
             <p:spPr>
+              <a:xfrm>
+                <a:off x="166681" y="1045391"/>
+                <a:ext cx="11699087" cy="4946700"/>
+              </a:xfrm>
               <a:blipFill>
                 <a:blip r:embed="rId2"/>
                 <a:stretch>
-                  <a:fillRect l="-625" t="-2104" r="-521" b="-4067"/>
+                  <a:fillRect l="-625" t="-1970"/>
                 </a:stretch>
               </a:blipFill>
             </p:spPr>
@@ -5062,7 +5135,7 @@
             <a:fld id="{29AAD378-655A-49C6-813C-9FD132EF7440}" type="slidenum">
               <a:rPr lang="en-US" smtClean="0"/>
               <a:pPr/>
-              <a:t>15</a:t>
+              <a:t>17</a:t>
             </a:fld>
             <a:endParaRPr lang="en-US" dirty="0"/>
           </a:p>
@@ -5081,7 +5154,7 @@
 </p:sld>
 </file>
 
-<file path=ppt/slides/slide16.xml><?xml version="1.0" encoding="utf-8"?>
+<file path=ppt/slides/slide18.xml><?xml version="1.0" encoding="utf-8"?>
 <p:sld xmlns:a="http://schemas.openxmlformats.org/drawingml/2006/main" xmlns:r="http://schemas.openxmlformats.org/officeDocument/2006/relationships" xmlns:p="http://schemas.openxmlformats.org/presentationml/2006/main">
   <p:cSld>
     <p:spTree>
@@ -5098,8 +5171,8 @@
           <a:chExt cx="0" cy="0"/>
         </a:xfrm>
       </p:grpSpPr>
-      <mc:AlternateContent xmlns:mc="http://schemas.openxmlformats.org/markup-compatibility/2006" xmlns:a14="http://schemas.microsoft.com/office/drawing/2010/main">
-        <mc:Choice Requires="a14">
+      <mc:AlternateContent xmlns:mc="http://schemas.openxmlformats.org/markup-compatibility/2006">
+        <mc:Choice xmlns:a14="http://schemas.microsoft.com/office/drawing/2010/main" Requires="a14">
           <p:sp>
             <p:nvSpPr>
               <p:cNvPr id="2" name="Content Placeholder 1">
@@ -5119,7 +5192,7 @@
             <p:spPr/>
             <p:txBody>
               <a:bodyPr>
-                <a:normAutofit fontScale="70000" lnSpcReduction="20000"/>
+                <a:normAutofit fontScale="77500" lnSpcReduction="20000"/>
               </a:bodyPr>
               <a:lstStyle/>
               <a:p>
@@ -6166,7 +6239,7 @@
             </p:txBody>
           </p:sp>
         </mc:Choice>
-        <mc:Fallback xmlns="">
+        <mc:Fallback>
           <p:sp>
             <p:nvSpPr>
               <p:cNvPr id="2" name="Content Placeholder 1">
@@ -6187,7 +6260,7 @@
               <a:blipFill>
                 <a:blip r:embed="rId2"/>
                 <a:stretch>
-                  <a:fillRect l="-521" t="-1403"/>
+                  <a:fillRect l="-677" t="-1445" b="-1971"/>
                 </a:stretch>
               </a:blipFill>
             </p:spPr>
@@ -6258,7 +6331,7 @@
             <a:fld id="{29AAD378-655A-49C6-813C-9FD132EF7440}" type="slidenum">
               <a:rPr lang="en-US" smtClean="0"/>
               <a:pPr/>
-              <a:t>16</a:t>
+              <a:t>18</a:t>
             </a:fld>
             <a:endParaRPr lang="en-US" dirty="0"/>
           </a:p>
@@ -6277,7 +6350,7 @@
 </p:sld>
 </file>
 
-<file path=ppt/slides/slide17.xml><?xml version="1.0" encoding="utf-8"?>
+<file path=ppt/slides/slide19.xml><?xml version="1.0" encoding="utf-8"?>
 <p:sld xmlns:a="http://schemas.openxmlformats.org/drawingml/2006/main" xmlns:r="http://schemas.openxmlformats.org/officeDocument/2006/relationships" xmlns:p="http://schemas.openxmlformats.org/presentationml/2006/main">
   <p:cSld>
     <p:spTree>
@@ -6504,7 +6577,7 @@
             <a:fld id="{29AAD378-655A-49C6-813C-9FD132EF7440}" type="slidenum">
               <a:rPr lang="en-US" smtClean="0"/>
               <a:pPr/>
-              <a:t>17</a:t>
+              <a:t>19</a:t>
             </a:fld>
             <a:endParaRPr lang="en-US" dirty="0"/>
           </a:p>
@@ -6922,7 +6995,172 @@
 </p:sld>
 </file>
 
-<file path=ppt/slides/slide18.xml><?xml version="1.0" encoding="utf-8"?>
+<file path=ppt/slides/slide2.xml><?xml version="1.0" encoding="utf-8"?>
+<p:sld xmlns:a="http://schemas.openxmlformats.org/drawingml/2006/main" xmlns:r="http://schemas.openxmlformats.org/officeDocument/2006/relationships" xmlns:p="http://schemas.openxmlformats.org/presentationml/2006/main" show="0">
+  <p:cSld>
+    <p:spTree>
+      <p:nvGrpSpPr>
+        <p:cNvPr id="1" name=""/>
+        <p:cNvGrpSpPr/>
+        <p:nvPr/>
+      </p:nvGrpSpPr>
+      <p:grpSpPr>
+        <a:xfrm>
+          <a:off x="0" y="0"/>
+          <a:ext cx="0" cy="0"/>
+          <a:chOff x="0" y="0"/>
+          <a:chExt cx="0" cy="0"/>
+        </a:xfrm>
+      </p:grpSpPr>
+      <p:sp>
+        <p:nvSpPr>
+          <p:cNvPr id="2" name="Content Placeholder 1">
+            <a:extLst>
+              <a:ext uri="{FF2B5EF4-FFF2-40B4-BE49-F238E27FC236}">
+                <a16:creationId xmlns:a16="http://schemas.microsoft.com/office/drawing/2014/main" id="{DD061685-99A6-4DF3-84C1-153210E962E5}"/>
+              </a:ext>
+            </a:extLst>
+          </p:cNvPr>
+          <p:cNvSpPr>
+            <a:spLocks noGrp="1"/>
+          </p:cNvSpPr>
+          <p:nvPr>
+            <p:ph idx="1"/>
+          </p:nvPr>
+        </p:nvSpPr>
+        <p:spPr/>
+        <p:txBody>
+          <a:bodyPr>
+            <a:normAutofit lnSpcReduction="10000"/>
+          </a:bodyPr>
+          <a:lstStyle/>
+          <a:p>
+            <a:r>
+              <a:rPr lang="en-US" dirty="0"/>
+              <a:t>Software architecture describes key software components and their inter-relationships.</a:t>
+            </a:r>
+          </a:p>
+          <a:p>
+            <a:r>
+              <a:rPr lang="en-US" dirty="0"/>
+              <a:t>A very general software architecture will give you insight about all the software that goes into making the autonomous system; this will include:</a:t>
+            </a:r>
+          </a:p>
+          <a:p>
+            <a:pPr lvl="1"/>
+            <a:r>
+              <a:rPr lang="en-US" dirty="0"/>
+              <a:t>A single real-time operating system or a </a:t>
+            </a:r>
+            <a:r>
+              <a:rPr lang="en-US" i="1" dirty="0"/>
+              <a:t>hypervisor</a:t>
+            </a:r>
+            <a:r>
+              <a:rPr lang="en-US" dirty="0"/>
+              <a:t> that controls several operating systems</a:t>
+            </a:r>
+          </a:p>
+          <a:p>
+            <a:pPr lvl="1"/>
+            <a:r>
+              <a:rPr lang="en-US" dirty="0"/>
+              <a:t>Libraries and components for interfacing with specialized components like GPUs/NPUs, memory, I/O etc.</a:t>
+            </a:r>
+          </a:p>
+          <a:p>
+            <a:pPr lvl="1"/>
+            <a:r>
+              <a:rPr lang="en-US" dirty="0"/>
+              <a:t>Application-layer software (the interesting part that makes the autonomous system, autonomous)</a:t>
+            </a:r>
+          </a:p>
+          <a:p>
+            <a:r>
+              <a:rPr lang="en-US" dirty="0"/>
+              <a:t>We will focus only on the application layer software architecture</a:t>
+            </a:r>
+          </a:p>
+          <a:p>
+            <a:pPr marL="0" indent="0">
+              <a:buNone/>
+            </a:pPr>
+            <a:endParaRPr lang="en-US" dirty="0"/>
+          </a:p>
+        </p:txBody>
+      </p:sp>
+      <p:sp>
+        <p:nvSpPr>
+          <p:cNvPr id="3" name="Title 2">
+            <a:extLst>
+              <a:ext uri="{FF2B5EF4-FFF2-40B4-BE49-F238E27FC236}">
+                <a16:creationId xmlns:a16="http://schemas.microsoft.com/office/drawing/2014/main" id="{C3F62C2C-134D-4D2F-BEF3-D3E0E157056F}"/>
+              </a:ext>
+            </a:extLst>
+          </p:cNvPr>
+          <p:cNvSpPr>
+            <a:spLocks noGrp="1"/>
+          </p:cNvSpPr>
+          <p:nvPr>
+            <p:ph type="title"/>
+          </p:nvPr>
+        </p:nvSpPr>
+        <p:spPr/>
+        <p:txBody>
+          <a:bodyPr/>
+          <a:lstStyle/>
+          <a:p>
+            <a:r>
+              <a:rPr lang="en-US" dirty="0"/>
+              <a:t>Autonomous systems software architecture</a:t>
+            </a:r>
+          </a:p>
+        </p:txBody>
+      </p:sp>
+      <p:sp>
+        <p:nvSpPr>
+          <p:cNvPr id="4" name="Slide Number Placeholder 3">
+            <a:extLst>
+              <a:ext uri="{FF2B5EF4-FFF2-40B4-BE49-F238E27FC236}">
+                <a16:creationId xmlns:a16="http://schemas.microsoft.com/office/drawing/2014/main" id="{497B79CE-D0DA-4604-B3CB-3CD1AB6B9A14}"/>
+              </a:ext>
+            </a:extLst>
+          </p:cNvPr>
+          <p:cNvSpPr>
+            <a:spLocks noGrp="1"/>
+          </p:cNvSpPr>
+          <p:nvPr>
+            <p:ph type="sldNum" sz="quarter" idx="12"/>
+          </p:nvPr>
+        </p:nvSpPr>
+        <p:spPr/>
+        <p:txBody>
+          <a:bodyPr/>
+          <a:lstStyle/>
+          <a:p>
+            <a:fld id="{29AAD378-655A-49C6-813C-9FD132EF7440}" type="slidenum">
+              <a:rPr lang="en-US" smtClean="0"/>
+              <a:pPr/>
+              <a:t>2</a:t>
+            </a:fld>
+            <a:endParaRPr lang="en-US" dirty="0"/>
+          </a:p>
+        </p:txBody>
+      </p:sp>
+    </p:spTree>
+    <p:extLst>
+      <p:ext uri="{BB962C8B-B14F-4D97-AF65-F5344CB8AC3E}">
+        <p14:creationId xmlns:p14="http://schemas.microsoft.com/office/powerpoint/2010/main" val="2951961082"/>
+      </p:ext>
+    </p:extLst>
+  </p:cSld>
+  <p:clrMapOvr>
+    <a:masterClrMapping/>
+  </p:clrMapOvr>
+</p:sld>
+</file>
+
+<file path=ppt/slides/slide20.xml><?xml version="1.0" encoding="utf-8"?>
 <p:sld xmlns:a="http://schemas.openxmlformats.org/drawingml/2006/main" xmlns:r="http://schemas.openxmlformats.org/officeDocument/2006/relationships" xmlns:p="http://schemas.openxmlformats.org/presentationml/2006/main">
   <p:cSld>
     <p:spTree>
@@ -6939,8 +7177,158 @@
           <a:chExt cx="0" cy="0"/>
         </a:xfrm>
       </p:grpSpPr>
-      <mc:AlternateContent xmlns:mc="http://schemas.openxmlformats.org/markup-compatibility/2006" xmlns:a14="http://schemas.microsoft.com/office/drawing/2010/main">
-        <mc:Choice Requires="a14">
+      <p:sp>
+        <p:nvSpPr>
+          <p:cNvPr id="2" name="Content Placeholder 1">
+            <a:extLst>
+              <a:ext uri="{FF2B5EF4-FFF2-40B4-BE49-F238E27FC236}">
+                <a16:creationId xmlns:a16="http://schemas.microsoft.com/office/drawing/2014/main" id="{3AA970C3-A0F1-470A-BBD4-3C653653452A}"/>
+              </a:ext>
+            </a:extLst>
+          </p:cNvPr>
+          <p:cNvSpPr>
+            <a:spLocks noGrp="1"/>
+          </p:cNvSpPr>
+          <p:nvPr>
+            <p:ph idx="1"/>
+          </p:nvPr>
+        </p:nvSpPr>
+        <p:spPr>
+          <a:xfrm>
+            <a:off x="166681" y="1420091"/>
+            <a:ext cx="11699087" cy="4263950"/>
+          </a:xfrm>
+        </p:spPr>
+        <p:txBody>
+          <a:bodyPr/>
+          <a:lstStyle/>
+          <a:p>
+            <a:r>
+              <a:rPr lang="en-US" dirty="0"/>
+              <a:t>Main idea is to compute the distance to the obstacle in a given direction by comparing transmitted and received signals</a:t>
+            </a:r>
+          </a:p>
+          <a:p>
+            <a:r>
+              <a:rPr lang="en-US" dirty="0"/>
+              <a:t>Allows estimating both distance and relative velocity</a:t>
+            </a:r>
+          </a:p>
+          <a:p>
+            <a:r>
+              <a:rPr lang="en-US" dirty="0"/>
+              <a:t>Radars may require additional signal processing to give precise answers when the environment is dusty, rainy, or foggy.</a:t>
+            </a:r>
+          </a:p>
+          <a:p>
+            <a:r>
+              <a:rPr lang="en-US" dirty="0"/>
+              <a:t>Forward-facing radars estimate relative position/velocity of lead vehicle</a:t>
+            </a:r>
+          </a:p>
+          <a:p>
+            <a:r>
+              <a:rPr lang="en-US" dirty="0"/>
+              <a:t>Surround ultrasonic sensors can help create environment models (Tesla approach)</a:t>
+            </a:r>
+          </a:p>
+        </p:txBody>
+      </p:sp>
+      <p:sp>
+        <p:nvSpPr>
+          <p:cNvPr id="3" name="Title 2">
+            <a:extLst>
+              <a:ext uri="{FF2B5EF4-FFF2-40B4-BE49-F238E27FC236}">
+                <a16:creationId xmlns:a16="http://schemas.microsoft.com/office/drawing/2014/main" id="{1FBDB40B-1BFC-4C42-8F48-77AD0FC5A875}"/>
+              </a:ext>
+            </a:extLst>
+          </p:cNvPr>
+          <p:cNvSpPr>
+            <a:spLocks noGrp="1"/>
+          </p:cNvSpPr>
+          <p:nvPr>
+            <p:ph type="title"/>
+          </p:nvPr>
+        </p:nvSpPr>
+        <p:spPr>
+          <a:xfrm>
+            <a:off x="166681" y="395131"/>
+            <a:ext cx="10920419" cy="778828"/>
+          </a:xfrm>
+        </p:spPr>
+        <p:txBody>
+          <a:bodyPr/>
+          <a:lstStyle/>
+          <a:p>
+            <a:r>
+              <a:rPr lang="en-US" dirty="0"/>
+              <a:t>Basics of Radar</a:t>
+            </a:r>
+          </a:p>
+        </p:txBody>
+      </p:sp>
+      <p:sp>
+        <p:nvSpPr>
+          <p:cNvPr id="4" name="Slide Number Placeholder 3">
+            <a:extLst>
+              <a:ext uri="{FF2B5EF4-FFF2-40B4-BE49-F238E27FC236}">
+                <a16:creationId xmlns:a16="http://schemas.microsoft.com/office/drawing/2014/main" id="{8C1B0F3D-8A39-4673-A8FA-781E507474A3}"/>
+              </a:ext>
+            </a:extLst>
+          </p:cNvPr>
+          <p:cNvSpPr>
+            <a:spLocks noGrp="1"/>
+          </p:cNvSpPr>
+          <p:nvPr>
+            <p:ph type="sldNum" sz="quarter" idx="12"/>
+          </p:nvPr>
+        </p:nvSpPr>
+        <p:spPr/>
+        <p:txBody>
+          <a:bodyPr/>
+          <a:lstStyle/>
+          <a:p>
+            <a:fld id="{29AAD378-655A-49C6-813C-9FD132EF7440}" type="slidenum">
+              <a:rPr lang="en-US" smtClean="0"/>
+              <a:pPr/>
+              <a:t>20</a:t>
+            </a:fld>
+            <a:endParaRPr lang="en-US" dirty="0"/>
+          </a:p>
+        </p:txBody>
+      </p:sp>
+    </p:spTree>
+    <p:extLst>
+      <p:ext uri="{BB962C8B-B14F-4D97-AF65-F5344CB8AC3E}">
+        <p14:creationId xmlns:p14="http://schemas.microsoft.com/office/powerpoint/2010/main" val="4185604780"/>
+      </p:ext>
+    </p:extLst>
+  </p:cSld>
+  <p:clrMapOvr>
+    <a:masterClrMapping/>
+  </p:clrMapOvr>
+</p:sld>
+</file>
+
+<file path=ppt/slides/slide21.xml><?xml version="1.0" encoding="utf-8"?>
+<p:sld xmlns:a="http://schemas.openxmlformats.org/drawingml/2006/main" xmlns:r="http://schemas.openxmlformats.org/officeDocument/2006/relationships" xmlns:p="http://schemas.openxmlformats.org/presentationml/2006/main">
+  <p:cSld>
+    <p:spTree>
+      <p:nvGrpSpPr>
+        <p:cNvPr id="1" name=""/>
+        <p:cNvGrpSpPr/>
+        <p:nvPr/>
+      </p:nvGrpSpPr>
+      <p:grpSpPr>
+        <a:xfrm>
+          <a:off x="0" y="0"/>
+          <a:ext cx="0" cy="0"/>
+          <a:chOff x="0" y="0"/>
+          <a:chExt cx="0" cy="0"/>
+        </a:xfrm>
+      </p:grpSpPr>
+      <mc:AlternateContent xmlns:mc="http://schemas.openxmlformats.org/markup-compatibility/2006">
+        <mc:Choice xmlns:a14="http://schemas.microsoft.com/office/drawing/2010/main" Requires="a14">
           <p:sp>
             <p:nvSpPr>
               <p:cNvPr id="2" name="Content Placeholder 1">
@@ -6985,7 +7373,7 @@
                 </a:r>
                 <a:r>
                   <a:rPr lang="en-US" dirty="0"/>
-                  <a:t> e.g. </a:t>
+                  <a:t> e.g., </a:t>
                 </a:r>
                 <a:r>
                   <a:rPr lang="en-US" dirty="0" err="1"/>
@@ -7078,7 +7466,7 @@
             </p:txBody>
           </p:sp>
         </mc:Choice>
-        <mc:Fallback xmlns="">
+        <mc:Fallback>
           <p:sp>
             <p:nvSpPr>
               <p:cNvPr id="2" name="Content Placeholder 1">
@@ -7174,7 +7562,7 @@
             <a:fld id="{29AAD378-655A-49C6-813C-9FD132EF7440}" type="slidenum">
               <a:rPr lang="en-US" smtClean="0"/>
               <a:pPr/>
-              <a:t>18</a:t>
+              <a:t>21</a:t>
             </a:fld>
             <a:endParaRPr lang="en-US" dirty="0"/>
           </a:p>
@@ -7229,797 +7617,7 @@
 </p:sld>
 </file>
 
-<file path=ppt/slides/slide19.xml><?xml version="1.0" encoding="utf-8"?>
-<p:sld xmlns:a="http://schemas.openxmlformats.org/drawingml/2006/main" xmlns:r="http://schemas.openxmlformats.org/officeDocument/2006/relationships" xmlns:p="http://schemas.openxmlformats.org/presentationml/2006/main">
-  <p:cSld>
-    <p:spTree>
-      <p:nvGrpSpPr>
-        <p:cNvPr id="1" name=""/>
-        <p:cNvGrpSpPr/>
-        <p:nvPr/>
-      </p:nvGrpSpPr>
-      <p:grpSpPr>
-        <a:xfrm>
-          <a:off x="0" y="0"/>
-          <a:ext cx="0" cy="0"/>
-          <a:chOff x="0" y="0"/>
-          <a:chExt cx="0" cy="0"/>
-        </a:xfrm>
-      </p:grpSpPr>
-      <p:sp>
-        <p:nvSpPr>
-          <p:cNvPr id="2" name="Content Placeholder 1">
-            <a:extLst>
-              <a:ext uri="{FF2B5EF4-FFF2-40B4-BE49-F238E27FC236}">
-                <a16:creationId xmlns:a16="http://schemas.microsoft.com/office/drawing/2014/main" id="{3AA970C3-A0F1-470A-BBD4-3C653653452A}"/>
-              </a:ext>
-            </a:extLst>
-          </p:cNvPr>
-          <p:cNvSpPr>
-            <a:spLocks noGrp="1"/>
-          </p:cNvSpPr>
-          <p:nvPr>
-            <p:ph idx="1"/>
-          </p:nvPr>
-        </p:nvSpPr>
-        <p:spPr/>
-        <p:txBody>
-          <a:bodyPr/>
-          <a:lstStyle/>
-          <a:p>
-            <a:r>
-              <a:rPr lang="en-US" dirty="0"/>
-              <a:t>Main idea is to compute the distance to the obstacle in a given direction by comparing transmitted and received signals</a:t>
-            </a:r>
-          </a:p>
-          <a:p>
-            <a:r>
-              <a:rPr lang="en-US" dirty="0"/>
-              <a:t>Allows estimating both distance and relative velocity</a:t>
-            </a:r>
-          </a:p>
-          <a:p>
-            <a:r>
-              <a:rPr lang="en-US" dirty="0"/>
-              <a:t>Radars may require additional signal processing to give precise answers when the environment is dusty, rainy, or foggy.</a:t>
-            </a:r>
-          </a:p>
-          <a:p>
-            <a:r>
-              <a:rPr lang="en-US" dirty="0"/>
-              <a:t>Forward-facing radars estimate relative position/velocity of lead vehicle</a:t>
-            </a:r>
-          </a:p>
-          <a:p>
-            <a:r>
-              <a:rPr lang="en-US" dirty="0"/>
-              <a:t>Surround ultrasonic sensors can help create environment models (Tesla approach)</a:t>
-            </a:r>
-          </a:p>
-        </p:txBody>
-      </p:sp>
-      <p:sp>
-        <p:nvSpPr>
-          <p:cNvPr id="3" name="Title 2">
-            <a:extLst>
-              <a:ext uri="{FF2B5EF4-FFF2-40B4-BE49-F238E27FC236}">
-                <a16:creationId xmlns:a16="http://schemas.microsoft.com/office/drawing/2014/main" id="{1FBDB40B-1BFC-4C42-8F48-77AD0FC5A875}"/>
-              </a:ext>
-            </a:extLst>
-          </p:cNvPr>
-          <p:cNvSpPr>
-            <a:spLocks noGrp="1"/>
-          </p:cNvSpPr>
-          <p:nvPr>
-            <p:ph type="title"/>
-          </p:nvPr>
-        </p:nvSpPr>
-        <p:spPr>
-          <a:xfrm>
-            <a:off x="166681" y="395131"/>
-            <a:ext cx="10920419" cy="778828"/>
-          </a:xfrm>
-        </p:spPr>
-        <p:txBody>
-          <a:bodyPr/>
-          <a:lstStyle/>
-          <a:p>
-            <a:r>
-              <a:rPr lang="en-US" dirty="0"/>
-              <a:t>Basics of Radar</a:t>
-            </a:r>
-          </a:p>
-        </p:txBody>
-      </p:sp>
-      <p:sp>
-        <p:nvSpPr>
-          <p:cNvPr id="4" name="Slide Number Placeholder 3">
-            <a:extLst>
-              <a:ext uri="{FF2B5EF4-FFF2-40B4-BE49-F238E27FC236}">
-                <a16:creationId xmlns:a16="http://schemas.microsoft.com/office/drawing/2014/main" id="{8C1B0F3D-8A39-4673-A8FA-781E507474A3}"/>
-              </a:ext>
-            </a:extLst>
-          </p:cNvPr>
-          <p:cNvSpPr>
-            <a:spLocks noGrp="1"/>
-          </p:cNvSpPr>
-          <p:nvPr>
-            <p:ph type="sldNum" sz="quarter" idx="12"/>
-          </p:nvPr>
-        </p:nvSpPr>
-        <p:spPr/>
-        <p:txBody>
-          <a:bodyPr/>
-          <a:lstStyle/>
-          <a:p>
-            <a:fld id="{29AAD378-655A-49C6-813C-9FD132EF7440}" type="slidenum">
-              <a:rPr lang="en-US" smtClean="0"/>
-              <a:pPr/>
-              <a:t>19</a:t>
-            </a:fld>
-            <a:endParaRPr lang="en-US" dirty="0"/>
-          </a:p>
-        </p:txBody>
-      </p:sp>
-    </p:spTree>
-    <p:extLst>
-      <p:ext uri="{BB962C8B-B14F-4D97-AF65-F5344CB8AC3E}">
-        <p14:creationId xmlns:p14="http://schemas.microsoft.com/office/powerpoint/2010/main" val="4185604780"/>
-      </p:ext>
-    </p:extLst>
-  </p:cSld>
-  <p:clrMapOvr>
-    <a:masterClrMapping/>
-  </p:clrMapOvr>
-</p:sld>
-</file>
-
-<file path=ppt/slides/slide2.xml><?xml version="1.0" encoding="utf-8"?>
-<p:sld xmlns:a="http://schemas.openxmlformats.org/drawingml/2006/main" xmlns:r="http://schemas.openxmlformats.org/officeDocument/2006/relationships" xmlns:p="http://schemas.openxmlformats.org/presentationml/2006/main">
-  <p:cSld>
-    <p:spTree>
-      <p:nvGrpSpPr>
-        <p:cNvPr id="1" name=""/>
-        <p:cNvGrpSpPr/>
-        <p:nvPr/>
-      </p:nvGrpSpPr>
-      <p:grpSpPr>
-        <a:xfrm>
-          <a:off x="0" y="0"/>
-          <a:ext cx="0" cy="0"/>
-          <a:chOff x="0" y="0"/>
-          <a:chExt cx="0" cy="0"/>
-        </a:xfrm>
-      </p:grpSpPr>
-      <p:sp>
-        <p:nvSpPr>
-          <p:cNvPr id="2" name="Content Placeholder 1">
-            <a:extLst>
-              <a:ext uri="{FF2B5EF4-FFF2-40B4-BE49-F238E27FC236}">
-                <a16:creationId xmlns:a16="http://schemas.microsoft.com/office/drawing/2014/main" id="{DD061685-99A6-4DF3-84C1-153210E962E5}"/>
-              </a:ext>
-            </a:extLst>
-          </p:cNvPr>
-          <p:cNvSpPr>
-            <a:spLocks noGrp="1"/>
-          </p:cNvSpPr>
-          <p:nvPr>
-            <p:ph idx="1"/>
-          </p:nvPr>
-        </p:nvSpPr>
-        <p:spPr/>
-        <p:txBody>
-          <a:bodyPr>
-            <a:normAutofit lnSpcReduction="10000"/>
-          </a:bodyPr>
-          <a:lstStyle/>
-          <a:p>
-            <a:r>
-              <a:rPr lang="en-US" dirty="0"/>
-              <a:t>Software architecture describes key software components and their inter-relationships.</a:t>
-            </a:r>
-          </a:p>
-          <a:p>
-            <a:r>
-              <a:rPr lang="en-US" dirty="0"/>
-              <a:t>A very general software architecture will give you insight about all the software that goes into making the autonomous system; this will include:</a:t>
-            </a:r>
-          </a:p>
-          <a:p>
-            <a:pPr lvl="1"/>
-            <a:r>
-              <a:rPr lang="en-US" dirty="0"/>
-              <a:t>A single real-time operating system or a </a:t>
-            </a:r>
-            <a:r>
-              <a:rPr lang="en-US" i="1" dirty="0"/>
-              <a:t>hypervisor</a:t>
-            </a:r>
-            <a:r>
-              <a:rPr lang="en-US" dirty="0"/>
-              <a:t> that controls several operating systems</a:t>
-            </a:r>
-          </a:p>
-          <a:p>
-            <a:pPr lvl="1"/>
-            <a:r>
-              <a:rPr lang="en-US" dirty="0"/>
-              <a:t>Libraries and components for interfacing with specialized components like GPUs/NPUs, memory, I/O etc.</a:t>
-            </a:r>
-          </a:p>
-          <a:p>
-            <a:pPr lvl="1"/>
-            <a:r>
-              <a:rPr lang="en-US" dirty="0"/>
-              <a:t>Application-layer software (the interesting part that makes the autonomous system, autonomous)</a:t>
-            </a:r>
-          </a:p>
-          <a:p>
-            <a:r>
-              <a:rPr lang="en-US" dirty="0"/>
-              <a:t>We will focus only on the application layer software architecture</a:t>
-            </a:r>
-          </a:p>
-          <a:p>
-            <a:pPr marL="0" indent="0">
-              <a:buNone/>
-            </a:pPr>
-            <a:endParaRPr lang="en-US" dirty="0"/>
-          </a:p>
-        </p:txBody>
-      </p:sp>
-      <p:sp>
-        <p:nvSpPr>
-          <p:cNvPr id="3" name="Title 2">
-            <a:extLst>
-              <a:ext uri="{FF2B5EF4-FFF2-40B4-BE49-F238E27FC236}">
-                <a16:creationId xmlns:a16="http://schemas.microsoft.com/office/drawing/2014/main" id="{C3F62C2C-134D-4D2F-BEF3-D3E0E157056F}"/>
-              </a:ext>
-            </a:extLst>
-          </p:cNvPr>
-          <p:cNvSpPr>
-            <a:spLocks noGrp="1"/>
-          </p:cNvSpPr>
-          <p:nvPr>
-            <p:ph type="title"/>
-          </p:nvPr>
-        </p:nvSpPr>
-        <p:spPr/>
-        <p:txBody>
-          <a:bodyPr/>
-          <a:lstStyle/>
-          <a:p>
-            <a:r>
-              <a:rPr lang="en-US" dirty="0"/>
-              <a:t>Autonomous systems software architecture</a:t>
-            </a:r>
-          </a:p>
-        </p:txBody>
-      </p:sp>
-      <p:sp>
-        <p:nvSpPr>
-          <p:cNvPr id="4" name="Slide Number Placeholder 3">
-            <a:extLst>
-              <a:ext uri="{FF2B5EF4-FFF2-40B4-BE49-F238E27FC236}">
-                <a16:creationId xmlns:a16="http://schemas.microsoft.com/office/drawing/2014/main" id="{497B79CE-D0DA-4604-B3CB-3CD1AB6B9A14}"/>
-              </a:ext>
-            </a:extLst>
-          </p:cNvPr>
-          <p:cNvSpPr>
-            <a:spLocks noGrp="1"/>
-          </p:cNvSpPr>
-          <p:nvPr>
-            <p:ph type="sldNum" sz="quarter" idx="12"/>
-          </p:nvPr>
-        </p:nvSpPr>
-        <p:spPr/>
-        <p:txBody>
-          <a:bodyPr/>
-          <a:lstStyle/>
-          <a:p>
-            <a:fld id="{29AAD378-655A-49C6-813C-9FD132EF7440}" type="slidenum">
-              <a:rPr lang="en-US" smtClean="0"/>
-              <a:pPr/>
-              <a:t>2</a:t>
-            </a:fld>
-            <a:endParaRPr lang="en-US" dirty="0"/>
-          </a:p>
-        </p:txBody>
-      </p:sp>
-    </p:spTree>
-    <p:extLst>
-      <p:ext uri="{BB962C8B-B14F-4D97-AF65-F5344CB8AC3E}">
-        <p14:creationId xmlns:p14="http://schemas.microsoft.com/office/powerpoint/2010/main" val="2951961082"/>
-      </p:ext>
-    </p:extLst>
-  </p:cSld>
-  <p:clrMapOvr>
-    <a:masterClrMapping/>
-  </p:clrMapOvr>
-</p:sld>
-</file>
-
-<file path=ppt/slides/slide20.xml><?xml version="1.0" encoding="utf-8"?>
-<p:sld xmlns:a="http://schemas.openxmlformats.org/drawingml/2006/main" xmlns:r="http://schemas.openxmlformats.org/officeDocument/2006/relationships" xmlns:p="http://schemas.openxmlformats.org/presentationml/2006/main">
-  <p:cSld>
-    <p:spTree>
-      <p:nvGrpSpPr>
-        <p:cNvPr id="1" name=""/>
-        <p:cNvGrpSpPr/>
-        <p:nvPr/>
-      </p:nvGrpSpPr>
-      <p:grpSpPr>
-        <a:xfrm>
-          <a:off x="0" y="0"/>
-          <a:ext cx="0" cy="0"/>
-          <a:chOff x="0" y="0"/>
-          <a:chExt cx="0" cy="0"/>
-        </a:xfrm>
-      </p:grpSpPr>
-      <p:sp>
-        <p:nvSpPr>
-          <p:cNvPr id="2" name="Content Placeholder 1">
-            <a:extLst>
-              <a:ext uri="{FF2B5EF4-FFF2-40B4-BE49-F238E27FC236}">
-                <a16:creationId xmlns:a16="http://schemas.microsoft.com/office/drawing/2014/main" id="{EE58871E-DB14-44C2-A700-E025B28A4088}"/>
-              </a:ext>
-            </a:extLst>
-          </p:cNvPr>
-          <p:cNvSpPr>
-            <a:spLocks noGrp="1"/>
-          </p:cNvSpPr>
-          <p:nvPr>
-            <p:ph idx="1"/>
-          </p:nvPr>
-        </p:nvSpPr>
-        <p:spPr/>
-        <p:txBody>
-          <a:bodyPr/>
-          <a:lstStyle/>
-          <a:p>
-            <a:r>
-              <a:rPr lang="en-US" dirty="0"/>
-              <a:t>We already learned about Kalman filter that can help do sensor fusion for localization using INS and GPU</a:t>
-            </a:r>
-          </a:p>
-          <a:p>
-            <a:r>
-              <a:rPr lang="en-US" dirty="0"/>
-              <a:t>Sensor fusion for camera and LiDAR data requires new algorithms</a:t>
-            </a:r>
-          </a:p>
-          <a:p>
-            <a:r>
-              <a:rPr lang="en-US" dirty="0"/>
-              <a:t>Centralized algorithms based on conditional random fields, Markov random fields, and decentralized algorithms based on boosting and Gaussian mixture models have been explored</a:t>
-            </a:r>
-          </a:p>
-          <a:p>
-            <a:r>
-              <a:rPr lang="en-US" dirty="0"/>
-              <a:t>Deep learning is also being explored for doing sensor fusion</a:t>
-            </a:r>
-          </a:p>
-          <a:p>
-            <a:r>
-              <a:rPr lang="en-US" dirty="0"/>
-              <a:t>Note: these approaches are exploratory, and there is no standard algorithm accepted by all</a:t>
-            </a:r>
-          </a:p>
-          <a:p>
-            <a:endParaRPr lang="en-US" dirty="0"/>
-          </a:p>
-        </p:txBody>
-      </p:sp>
-      <p:sp>
-        <p:nvSpPr>
-          <p:cNvPr id="3" name="Title 2">
-            <a:extLst>
-              <a:ext uri="{FF2B5EF4-FFF2-40B4-BE49-F238E27FC236}">
-                <a16:creationId xmlns:a16="http://schemas.microsoft.com/office/drawing/2014/main" id="{CC9504F1-EA59-461B-A9C5-EDBAE751D2F7}"/>
-              </a:ext>
-            </a:extLst>
-          </p:cNvPr>
-          <p:cNvSpPr>
-            <a:spLocks noGrp="1"/>
-          </p:cNvSpPr>
-          <p:nvPr>
-            <p:ph type="title"/>
-          </p:nvPr>
-        </p:nvSpPr>
-        <p:spPr/>
-        <p:txBody>
-          <a:bodyPr/>
-          <a:lstStyle/>
-          <a:p>
-            <a:r>
-              <a:rPr lang="en-US" dirty="0"/>
-              <a:t>Sensor Fusion</a:t>
-            </a:r>
-          </a:p>
-        </p:txBody>
-      </p:sp>
-      <p:sp>
-        <p:nvSpPr>
-          <p:cNvPr id="4" name="Slide Number Placeholder 3">
-            <a:extLst>
-              <a:ext uri="{FF2B5EF4-FFF2-40B4-BE49-F238E27FC236}">
-                <a16:creationId xmlns:a16="http://schemas.microsoft.com/office/drawing/2014/main" id="{08293374-0C04-4B22-89F7-F08ECD1CFE7F}"/>
-              </a:ext>
-            </a:extLst>
-          </p:cNvPr>
-          <p:cNvSpPr>
-            <a:spLocks noGrp="1"/>
-          </p:cNvSpPr>
-          <p:nvPr>
-            <p:ph type="sldNum" sz="quarter" idx="12"/>
-          </p:nvPr>
-        </p:nvSpPr>
-        <p:spPr/>
-        <p:txBody>
-          <a:bodyPr/>
-          <a:lstStyle/>
-          <a:p>
-            <a:fld id="{29AAD378-655A-49C6-813C-9FD132EF7440}" type="slidenum">
-              <a:rPr lang="en-US" smtClean="0"/>
-              <a:pPr/>
-              <a:t>20</a:t>
-            </a:fld>
-            <a:endParaRPr lang="en-US" dirty="0"/>
-          </a:p>
-        </p:txBody>
-      </p:sp>
-    </p:spTree>
-    <p:extLst>
-      <p:ext uri="{BB962C8B-B14F-4D97-AF65-F5344CB8AC3E}">
-        <p14:creationId xmlns:p14="http://schemas.microsoft.com/office/powerpoint/2010/main" val="3486965311"/>
-      </p:ext>
-    </p:extLst>
-  </p:cSld>
-  <p:clrMapOvr>
-    <a:masterClrMapping/>
-  </p:clrMapOvr>
-</p:sld>
-</file>
-
-<file path=ppt/slides/slide21.xml><?xml version="1.0" encoding="utf-8"?>
-<p:sld xmlns:a="http://schemas.openxmlformats.org/drawingml/2006/main" xmlns:r="http://schemas.openxmlformats.org/officeDocument/2006/relationships" xmlns:p="http://schemas.openxmlformats.org/presentationml/2006/main">
-  <p:cSld>
-    <p:spTree>
-      <p:nvGrpSpPr>
-        <p:cNvPr id="1" name=""/>
-        <p:cNvGrpSpPr/>
-        <p:nvPr/>
-      </p:nvGrpSpPr>
-      <p:grpSpPr>
-        <a:xfrm>
-          <a:off x="0" y="0"/>
-          <a:ext cx="0" cy="0"/>
-          <a:chOff x="0" y="0"/>
-          <a:chExt cx="0" cy="0"/>
-        </a:xfrm>
-      </p:grpSpPr>
-      <p:sp>
-        <p:nvSpPr>
-          <p:cNvPr id="2" name="Content Placeholder 1">
-            <a:extLst>
-              <a:ext uri="{FF2B5EF4-FFF2-40B4-BE49-F238E27FC236}">
-                <a16:creationId xmlns:a16="http://schemas.microsoft.com/office/drawing/2014/main" id="{30827D2D-913A-4E5A-917A-87BE68EBBF05}"/>
-              </a:ext>
-            </a:extLst>
-          </p:cNvPr>
-          <p:cNvSpPr>
-            <a:spLocks noGrp="1"/>
-          </p:cNvSpPr>
-          <p:nvPr>
-            <p:ph idx="1"/>
-          </p:nvPr>
-        </p:nvSpPr>
-        <p:spPr/>
-        <p:txBody>
-          <a:bodyPr>
-            <a:normAutofit/>
-          </a:bodyPr>
-          <a:lstStyle/>
-          <a:p>
-            <a:pPr>
-              <a:buFont typeface="+mj-lt"/>
-              <a:buAutoNum type="arabicPeriod"/>
-            </a:pPr>
-            <a:r>
-              <a:rPr lang="en-US" sz="2000" dirty="0"/>
-              <a:t>O. J. Woodman, An introduction to inertial navigation - Cambridge Computer Laboratory, </a:t>
-            </a:r>
-            <a:r>
-              <a:rPr lang="en-US" sz="2000" i="1" dirty="0">
-                <a:hlinkClick r:id="rId2"/>
-              </a:rPr>
-              <a:t>https://www.cl.cam.ac.uk/techreports/UCAM-CL-TR-696.pdf</a:t>
-            </a:r>
-            <a:endParaRPr lang="en-US" sz="2000" i="1" dirty="0"/>
-          </a:p>
-          <a:p>
-            <a:pPr>
-              <a:buFont typeface="+mj-lt"/>
-              <a:buAutoNum type="arabicPeriod"/>
-            </a:pPr>
-            <a:r>
-              <a:rPr lang="en-US" sz="2000" dirty="0"/>
-              <a:t>Pendleton, Scott Drew, Hans Andersen, </a:t>
-            </a:r>
-            <a:r>
-              <a:rPr lang="en-US" sz="2000" dirty="0" err="1"/>
-              <a:t>Xinxin</a:t>
-            </a:r>
-            <a:r>
-              <a:rPr lang="en-US" sz="2000" dirty="0"/>
-              <a:t> Du, </a:t>
-            </a:r>
-            <a:r>
-              <a:rPr lang="en-US" sz="2000" dirty="0" err="1"/>
-              <a:t>Xiaotong</a:t>
-            </a:r>
-            <a:r>
-              <a:rPr lang="en-US" sz="2000" dirty="0"/>
-              <a:t> Shen, Malika </a:t>
-            </a:r>
-            <a:r>
-              <a:rPr lang="en-US" sz="2000" dirty="0" err="1"/>
-              <a:t>Meghjani</a:t>
-            </a:r>
-            <a:r>
-              <a:rPr lang="en-US" sz="2000" dirty="0"/>
-              <a:t>, You Hong </a:t>
-            </a:r>
-            <a:r>
-              <a:rPr lang="en-US" sz="2000" dirty="0" err="1"/>
-              <a:t>Eng</a:t>
-            </a:r>
-            <a:r>
-              <a:rPr lang="en-US" sz="2000" dirty="0"/>
-              <a:t>, Daniela Rus, and Marcelo H. Ang. "Perception, planning, control, and coordination for autonomous vehicles." </a:t>
-            </a:r>
-            <a:r>
-              <a:rPr lang="en-US" sz="2000" i="1" dirty="0"/>
-              <a:t>Machines</a:t>
-            </a:r>
-            <a:r>
-              <a:rPr lang="en-US" sz="2000" dirty="0"/>
-              <a:t> 5, no. 1 (2017): 6.</a:t>
-            </a:r>
-          </a:p>
-          <a:p>
-            <a:pPr>
-              <a:buFont typeface="+mj-lt"/>
-              <a:buAutoNum type="arabicPeriod"/>
-            </a:pPr>
-            <a:r>
-              <a:rPr lang="en-US" sz="2000" dirty="0"/>
-              <a:t>S. Liu, L. Li, J. Tang, S. Wu, Jean-Luc </a:t>
-            </a:r>
-            <a:r>
-              <a:rPr lang="en-US" sz="2000" dirty="0" err="1"/>
-              <a:t>Gaudiot</a:t>
-            </a:r>
-            <a:r>
-              <a:rPr lang="en-US" sz="2000" dirty="0"/>
-              <a:t>, Creating Autonomous Vehicle Systems, Morgan &amp; Claypool 2018.</a:t>
-            </a:r>
-          </a:p>
-          <a:p>
-            <a:pPr>
-              <a:buFont typeface="+mj-lt"/>
-              <a:buAutoNum type="arabicPeriod"/>
-            </a:pPr>
-            <a:endParaRPr lang="en-US" sz="2000" dirty="0"/>
-          </a:p>
-        </p:txBody>
-      </p:sp>
-      <p:sp>
-        <p:nvSpPr>
-          <p:cNvPr id="3" name="Title 2">
-            <a:extLst>
-              <a:ext uri="{FF2B5EF4-FFF2-40B4-BE49-F238E27FC236}">
-                <a16:creationId xmlns:a16="http://schemas.microsoft.com/office/drawing/2014/main" id="{4DE9B7B7-D647-489B-BC3A-30FF1847E114}"/>
-              </a:ext>
-            </a:extLst>
-          </p:cNvPr>
-          <p:cNvSpPr>
-            <a:spLocks noGrp="1"/>
-          </p:cNvSpPr>
-          <p:nvPr>
-            <p:ph type="title"/>
-          </p:nvPr>
-        </p:nvSpPr>
-        <p:spPr/>
-        <p:txBody>
-          <a:bodyPr/>
-          <a:lstStyle/>
-          <a:p>
-            <a:r>
-              <a:rPr lang="en-US" dirty="0"/>
-              <a:t>Bibliography</a:t>
-            </a:r>
-          </a:p>
-        </p:txBody>
-      </p:sp>
-      <p:sp>
-        <p:nvSpPr>
-          <p:cNvPr id="4" name="Slide Number Placeholder 3">
-            <a:extLst>
-              <a:ext uri="{FF2B5EF4-FFF2-40B4-BE49-F238E27FC236}">
-                <a16:creationId xmlns:a16="http://schemas.microsoft.com/office/drawing/2014/main" id="{ED3DFF38-383D-4BD7-9F71-BFF25271B128}"/>
-              </a:ext>
-            </a:extLst>
-          </p:cNvPr>
-          <p:cNvSpPr>
-            <a:spLocks noGrp="1"/>
-          </p:cNvSpPr>
-          <p:nvPr>
-            <p:ph type="sldNum" sz="quarter" idx="12"/>
-          </p:nvPr>
-        </p:nvSpPr>
-        <p:spPr/>
-        <p:txBody>
-          <a:bodyPr/>
-          <a:lstStyle/>
-          <a:p>
-            <a:fld id="{29AAD378-655A-49C6-813C-9FD132EF7440}" type="slidenum">
-              <a:rPr lang="en-US" smtClean="0"/>
-              <a:pPr/>
-              <a:t>21</a:t>
-            </a:fld>
-            <a:endParaRPr lang="en-US" dirty="0"/>
-          </a:p>
-        </p:txBody>
-      </p:sp>
-    </p:spTree>
-    <p:extLst>
-      <p:ext uri="{BB962C8B-B14F-4D97-AF65-F5344CB8AC3E}">
-        <p14:creationId xmlns:p14="http://schemas.microsoft.com/office/powerpoint/2010/main" val="1935277000"/>
-      </p:ext>
-    </p:extLst>
-  </p:cSld>
-  <p:clrMapOvr>
-    <a:masterClrMapping/>
-  </p:clrMapOvr>
-</p:sld>
-</file>
-
 <file path=ppt/slides/slide22.xml><?xml version="1.0" encoding="utf-8"?>
-<p:sld xmlns:a="http://schemas.openxmlformats.org/drawingml/2006/main" xmlns:r="http://schemas.openxmlformats.org/officeDocument/2006/relationships" xmlns:p="http://schemas.openxmlformats.org/presentationml/2006/main">
-  <p:cSld>
-    <p:spTree>
-      <p:nvGrpSpPr>
-        <p:cNvPr id="1" name=""/>
-        <p:cNvGrpSpPr/>
-        <p:nvPr/>
-      </p:nvGrpSpPr>
-      <p:grpSpPr>
-        <a:xfrm>
-          <a:off x="0" y="0"/>
-          <a:ext cx="0" cy="0"/>
-          <a:chOff x="0" y="0"/>
-          <a:chExt cx="0" cy="0"/>
-        </a:xfrm>
-      </p:grpSpPr>
-      <p:sp>
-        <p:nvSpPr>
-          <p:cNvPr id="3" name="Title 2">
-            <a:extLst>
-              <a:ext uri="{FF2B5EF4-FFF2-40B4-BE49-F238E27FC236}">
-                <a16:creationId xmlns:a16="http://schemas.microsoft.com/office/drawing/2014/main" id="{E5583AA8-209F-4F99-B129-43A0518AF062}"/>
-              </a:ext>
-            </a:extLst>
-          </p:cNvPr>
-          <p:cNvSpPr>
-            <a:spLocks noGrp="1"/>
-          </p:cNvSpPr>
-          <p:nvPr>
-            <p:ph type="title"/>
-          </p:nvPr>
-        </p:nvSpPr>
-        <p:spPr/>
-        <p:txBody>
-          <a:bodyPr/>
-          <a:lstStyle/>
-          <a:p>
-            <a:r>
-              <a:rPr lang="en-US" dirty="0"/>
-              <a:t>Perception from LIDAR and vision</a:t>
-            </a:r>
-          </a:p>
-        </p:txBody>
-      </p:sp>
-      <p:sp>
-        <p:nvSpPr>
-          <p:cNvPr id="4" name="Slide Number Placeholder 3">
-            <a:extLst>
-              <a:ext uri="{FF2B5EF4-FFF2-40B4-BE49-F238E27FC236}">
-                <a16:creationId xmlns:a16="http://schemas.microsoft.com/office/drawing/2014/main" id="{A43CC355-B6C4-4EA6-BF9D-3F307344D7D0}"/>
-              </a:ext>
-            </a:extLst>
-          </p:cNvPr>
-          <p:cNvSpPr>
-            <a:spLocks noGrp="1"/>
-          </p:cNvSpPr>
-          <p:nvPr>
-            <p:ph type="sldNum" sz="quarter" idx="12"/>
-          </p:nvPr>
-        </p:nvSpPr>
-        <p:spPr/>
-        <p:txBody>
-          <a:bodyPr/>
-          <a:lstStyle/>
-          <a:p>
-            <a:fld id="{29AAD378-655A-49C6-813C-9FD132EF7440}" type="slidenum">
-              <a:rPr lang="en-US" smtClean="0"/>
-              <a:pPr/>
-              <a:t>22</a:t>
-            </a:fld>
-            <a:endParaRPr lang="en-US" dirty="0"/>
-          </a:p>
-        </p:txBody>
-      </p:sp>
-      <p:sp>
-        <p:nvSpPr>
-          <p:cNvPr id="8" name="Content Placeholder 1">
-            <a:extLst>
-              <a:ext uri="{FF2B5EF4-FFF2-40B4-BE49-F238E27FC236}">
-                <a16:creationId xmlns:a16="http://schemas.microsoft.com/office/drawing/2014/main" id="{D1902E96-389F-41CF-A13B-318E5F485DEC}"/>
-              </a:ext>
-            </a:extLst>
-          </p:cNvPr>
-          <p:cNvSpPr>
-            <a:spLocks noGrp="1"/>
-          </p:cNvSpPr>
-          <p:nvPr>
-            <p:ph idx="1"/>
-          </p:nvPr>
-        </p:nvSpPr>
-        <p:spPr>
-          <a:xfrm>
-            <a:off x="166681" y="1332703"/>
-            <a:ext cx="11699087" cy="4351338"/>
-          </a:xfrm>
-        </p:spPr>
-        <p:txBody>
-          <a:bodyPr/>
-          <a:lstStyle/>
-          <a:p>
-            <a:r>
-              <a:rPr lang="en-US" dirty="0"/>
-              <a:t>Data representation</a:t>
-            </a:r>
-          </a:p>
-          <a:p>
-            <a:r>
-              <a:rPr lang="en-US" dirty="0"/>
-              <a:t>Segmentation algorithms from LIDAR data</a:t>
-            </a:r>
-          </a:p>
-          <a:p>
-            <a:r>
-              <a:rPr lang="en-US" dirty="0"/>
-              <a:t>Object Detection from camera data</a:t>
-            </a:r>
-          </a:p>
-        </p:txBody>
-      </p:sp>
-    </p:spTree>
-    <p:extLst>
-      <p:ext uri="{BB962C8B-B14F-4D97-AF65-F5344CB8AC3E}">
-        <p14:creationId xmlns:p14="http://schemas.microsoft.com/office/powerpoint/2010/main" val="383904467"/>
-      </p:ext>
-    </p:extLst>
-  </p:cSld>
-  <p:clrMapOvr>
-    <a:masterClrMapping/>
-  </p:clrMapOvr>
-</p:sld>
-</file>
-
-<file path=ppt/slides/slide23.xml><?xml version="1.0" encoding="utf-8"?>
 <p:sld xmlns:a="http://schemas.openxmlformats.org/drawingml/2006/main" xmlns:r="http://schemas.openxmlformats.org/officeDocument/2006/relationships" xmlns:p="http://schemas.openxmlformats.org/presentationml/2006/main">
   <p:cSld>
     <p:spTree>
@@ -8055,7 +7653,7 @@
         <p:spPr/>
         <p:txBody>
           <a:bodyPr>
-            <a:normAutofit lnSpcReduction="10000"/>
+            <a:normAutofit/>
           </a:bodyPr>
           <a:lstStyle/>
           <a:p>
@@ -8088,7 +7686,7 @@
           <a:p>
             <a:r>
               <a:rPr lang="en-US" dirty="0"/>
-              <a:t>The choice of representation guides the choice of the algorithms chosen downstream for segmentation/detection</a:t>
+              <a:t>Choice of representation guides the choice of the algorithms chosen downstream for segmentation/detection</a:t>
             </a:r>
           </a:p>
           <a:p>
@@ -8164,7 +7762,7 @@
             <a:fld id="{29AAD378-655A-49C6-813C-9FD132EF7440}" type="slidenum">
               <a:rPr lang="en-US" smtClean="0"/>
               <a:pPr/>
-              <a:t>23</a:t>
+              <a:t>22</a:t>
             </a:fld>
             <a:endParaRPr lang="en-US" dirty="0"/>
           </a:p>
@@ -8183,7 +7781,7 @@
 </p:sld>
 </file>
 
-<file path=ppt/slides/slide24.xml><?xml version="1.0" encoding="utf-8"?>
+<file path=ppt/slides/slide23.xml><?xml version="1.0" encoding="utf-8"?>
 <p:sld xmlns:a="http://schemas.openxmlformats.org/drawingml/2006/main" xmlns:r="http://schemas.openxmlformats.org/officeDocument/2006/relationships" xmlns:p="http://schemas.openxmlformats.org/presentationml/2006/main">
   <p:cSld>
     <p:spTree>
@@ -8314,7 +7912,7 @@
             <a:fld id="{29AAD378-655A-49C6-813C-9FD132EF7440}" type="slidenum">
               <a:rPr lang="en-US" smtClean="0"/>
               <a:pPr/>
-              <a:t>24</a:t>
+              <a:t>23</a:t>
             </a:fld>
             <a:endParaRPr lang="en-US" dirty="0"/>
           </a:p>
@@ -8333,7 +7931,7 @@
 </p:sld>
 </file>
 
-<file path=ppt/slides/slide25.xml><?xml version="1.0" encoding="utf-8"?>
+<file path=ppt/slides/slide24.xml><?xml version="1.0" encoding="utf-8"?>
 <p:sld xmlns:a="http://schemas.openxmlformats.org/drawingml/2006/main" xmlns:r="http://schemas.openxmlformats.org/officeDocument/2006/relationships" xmlns:p="http://schemas.openxmlformats.org/presentationml/2006/main">
   <p:cSld>
     <p:spTree>
@@ -8369,7 +7967,7 @@
         <p:spPr/>
         <p:txBody>
           <a:bodyPr>
-            <a:normAutofit fontScale="92500" lnSpcReduction="20000"/>
+            <a:normAutofit/>
           </a:bodyPr>
           <a:lstStyle/>
           <a:p>
@@ -8387,50 +7985,42 @@
           <a:p>
             <a:pPr lvl="1"/>
             <a:r>
-              <a:rPr lang="en-US" dirty="0"/>
-              <a:t>Edge-based methods: Good when objects have strong artificial edge features (e.g. road curbs)</a:t>
+              <a:rPr lang="en-US" sz="2600" dirty="0"/>
+              <a:t>Edge-based methods: When objects have strong edge features (e.g., road curbs)</a:t>
             </a:r>
           </a:p>
           <a:p>
             <a:pPr lvl="1"/>
             <a:r>
-              <a:rPr lang="en-US" dirty="0"/>
-              <a:t>Region-based methods: Based on region-growing, i.e. pick seed points, and then grow regions based on criteria such as Euclidean distance between points, surface </a:t>
-            </a:r>
-            <a:r>
-              <a:rPr lang="en-US" dirty="0" err="1"/>
-              <a:t>normals</a:t>
-            </a:r>
-            <a:r>
-              <a:rPr lang="en-US" dirty="0"/>
-              <a:t> etc.</a:t>
+              <a:rPr lang="en-US" sz="2600" dirty="0"/>
+              <a:t>Region-based methods: Based on region-growing, i.e., pick seed points, grow regions based on Euclidean distance between points.</a:t>
             </a:r>
           </a:p>
           <a:p>
             <a:pPr lvl="1"/>
             <a:r>
-              <a:rPr lang="en-US" dirty="0"/>
-              <a:t>Model-based methods: Fit points into pre-defined categories such as planes, spheres, cones etc. </a:t>
+              <a:rPr lang="en-US" sz="2600" dirty="0"/>
+              <a:t>Model-based methods: Fit points into pre-defined categories such as planes, spheres, cones, etc. </a:t>
             </a:r>
           </a:p>
           <a:p>
             <a:pPr lvl="1"/>
             <a:r>
-              <a:rPr lang="en-US" dirty="0"/>
+              <a:rPr lang="en-US" sz="2600" dirty="0"/>
               <a:t>Attribute-based methods: first compute attributes for each point, and then cluster based on attributes</a:t>
             </a:r>
           </a:p>
           <a:p>
             <a:pPr lvl="1"/>
             <a:r>
-              <a:rPr lang="en-US" dirty="0"/>
+              <a:rPr lang="en-US" sz="2600" dirty="0"/>
               <a:t>Graph-based methods: Cast point cloud into graph-based structures</a:t>
             </a:r>
           </a:p>
           <a:p>
             <a:pPr lvl="1"/>
             <a:r>
-              <a:rPr lang="en-US" dirty="0"/>
+              <a:rPr lang="en-US" sz="2600" dirty="0"/>
               <a:t>Deep-learning based methods</a:t>
             </a:r>
           </a:p>
@@ -8488,7 +8078,7 @@
             <a:fld id="{29AAD378-655A-49C6-813C-9FD132EF7440}" type="slidenum">
               <a:rPr lang="en-US" smtClean="0"/>
               <a:pPr/>
-              <a:t>25</a:t>
+              <a:t>24</a:t>
             </a:fld>
             <a:endParaRPr lang="en-US" dirty="0"/>
           </a:p>
@@ -8507,7 +8097,7 @@
 </p:sld>
 </file>
 
-<file path=ppt/slides/slide26.xml><?xml version="1.0" encoding="utf-8"?>
+<file path=ppt/slides/slide25.xml><?xml version="1.0" encoding="utf-8"?>
 <p:sld xmlns:a="http://schemas.openxmlformats.org/drawingml/2006/main" xmlns:r="http://schemas.openxmlformats.org/officeDocument/2006/relationships" xmlns:p="http://schemas.openxmlformats.org/presentationml/2006/main">
   <p:cSld>
     <p:spTree>
@@ -8540,7 +8130,12 @@
             <p:ph idx="1"/>
           </p:nvPr>
         </p:nvSpPr>
-        <p:spPr/>
+        <p:spPr>
+          <a:xfrm>
+            <a:off x="120960" y="1587682"/>
+            <a:ext cx="11699087" cy="4437132"/>
+          </a:xfrm>
+        </p:spPr>
         <p:txBody>
           <a:bodyPr/>
           <a:lstStyle/>
@@ -8622,7 +8217,7 @@
             <a:fld id="{29AAD378-655A-49C6-813C-9FD132EF7440}" type="slidenum">
               <a:rPr lang="en-US" smtClean="0"/>
               <a:pPr/>
-              <a:t>26</a:t>
+              <a:t>25</a:t>
             </a:fld>
             <a:endParaRPr lang="en-US" dirty="0"/>
           </a:p>
@@ -8641,7 +8236,7 @@
 </p:sld>
 </file>
 
-<file path=ppt/slides/slide27.xml><?xml version="1.0" encoding="utf-8"?>
+<file path=ppt/slides/slide26.xml><?xml version="1.0" encoding="utf-8"?>
 <p:sld xmlns:a="http://schemas.openxmlformats.org/drawingml/2006/main" xmlns:r="http://schemas.openxmlformats.org/officeDocument/2006/relationships" xmlns:p="http://schemas.openxmlformats.org/presentationml/2006/main">
   <p:cSld>
     <p:spTree>
@@ -8896,7 +8491,7 @@
             <a:fld id="{29AAD378-655A-49C6-813C-9FD132EF7440}" type="slidenum">
               <a:rPr lang="en-US" smtClean="0"/>
               <a:pPr/>
-              <a:t>27</a:t>
+              <a:t>26</a:t>
             </a:fld>
             <a:endParaRPr lang="en-US" dirty="0"/>
           </a:p>
@@ -8915,7 +8510,7 @@
 </p:sld>
 </file>
 
-<file path=ppt/slides/slide28.xml><?xml version="1.0" encoding="utf-8"?>
+<file path=ppt/slides/slide27.xml><?xml version="1.0" encoding="utf-8"?>
 <p:sld xmlns:a="http://schemas.openxmlformats.org/drawingml/2006/main" xmlns:r="http://schemas.openxmlformats.org/officeDocument/2006/relationships" xmlns:p="http://schemas.openxmlformats.org/presentationml/2006/main">
   <p:cSld>
     <p:spTree>
@@ -9415,7 +9010,7 @@
             <a:fld id="{29AAD378-655A-49C6-813C-9FD132EF7440}" type="slidenum">
               <a:rPr lang="en-US" smtClean="0"/>
               <a:pPr/>
-              <a:t>28</a:t>
+              <a:t>27</a:t>
             </a:fld>
             <a:endParaRPr lang="en-US" dirty="0"/>
           </a:p>
@@ -9434,7 +9029,7 @@
 </p:sld>
 </file>
 
-<file path=ppt/slides/slide29.xml><?xml version="1.0" encoding="utf-8"?>
+<file path=ppt/slides/slide28.xml><?xml version="1.0" encoding="utf-8"?>
 <p:sld xmlns:a="http://schemas.openxmlformats.org/drawingml/2006/main" xmlns:r="http://schemas.openxmlformats.org/officeDocument/2006/relationships" xmlns:p="http://schemas.openxmlformats.org/presentationml/2006/main">
   <p:cSld>
     <p:spTree>
@@ -9861,7 +9456,7 @@
             <a:fld id="{29AAD378-655A-49C6-813C-9FD132EF7440}" type="slidenum">
               <a:rPr lang="en-US" smtClean="0"/>
               <a:pPr/>
-              <a:t>29</a:t>
+              <a:t>28</a:t>
             </a:fld>
             <a:endParaRPr lang="en-US" dirty="0"/>
           </a:p>
@@ -9880,8 +9475,147 @@
 </p:sld>
 </file>
 
+<file path=ppt/slides/slide29.xml><?xml version="1.0" encoding="utf-8"?>
+<p:sld xmlns:a="http://schemas.openxmlformats.org/drawingml/2006/main" xmlns:r="http://schemas.openxmlformats.org/officeDocument/2006/relationships" xmlns:p="http://schemas.openxmlformats.org/presentationml/2006/main">
+  <p:cSld>
+    <p:spTree>
+      <p:nvGrpSpPr>
+        <p:cNvPr id="1" name=""/>
+        <p:cNvGrpSpPr/>
+        <p:nvPr/>
+      </p:nvGrpSpPr>
+      <p:grpSpPr>
+        <a:xfrm>
+          <a:off x="0" y="0"/>
+          <a:ext cx="0" cy="0"/>
+          <a:chOff x="0" y="0"/>
+          <a:chExt cx="0" cy="0"/>
+        </a:xfrm>
+      </p:grpSpPr>
+      <p:sp>
+        <p:nvSpPr>
+          <p:cNvPr id="3" name="Title 2">
+            <a:extLst>
+              <a:ext uri="{FF2B5EF4-FFF2-40B4-BE49-F238E27FC236}">
+                <a16:creationId xmlns:a16="http://schemas.microsoft.com/office/drawing/2014/main" id="{9FA237B9-178E-4FA1-A3C6-DAA6578D7CCD}"/>
+              </a:ext>
+            </a:extLst>
+          </p:cNvPr>
+          <p:cNvSpPr>
+            <a:spLocks noGrp="1"/>
+          </p:cNvSpPr>
+          <p:nvPr>
+            <p:ph type="title"/>
+          </p:nvPr>
+        </p:nvSpPr>
+        <p:spPr/>
+        <p:txBody>
+          <a:bodyPr/>
+          <a:lstStyle/>
+          <a:p>
+            <a:r>
+              <a:rPr lang="en-US" dirty="0"/>
+              <a:t>Hough Transform</a:t>
+            </a:r>
+          </a:p>
+        </p:txBody>
+      </p:sp>
+      <p:sp>
+        <p:nvSpPr>
+          <p:cNvPr id="4" name="Slide Number Placeholder 3">
+            <a:extLst>
+              <a:ext uri="{FF2B5EF4-FFF2-40B4-BE49-F238E27FC236}">
+                <a16:creationId xmlns:a16="http://schemas.microsoft.com/office/drawing/2014/main" id="{EF566850-74A6-45E9-8DF0-8612A0F29FB9}"/>
+              </a:ext>
+            </a:extLst>
+          </p:cNvPr>
+          <p:cNvSpPr>
+            <a:spLocks noGrp="1"/>
+          </p:cNvSpPr>
+          <p:nvPr>
+            <p:ph type="sldNum" sz="quarter" idx="12"/>
+          </p:nvPr>
+        </p:nvSpPr>
+        <p:spPr/>
+        <p:txBody>
+          <a:bodyPr/>
+          <a:lstStyle/>
+          <a:p>
+            <a:fld id="{29AAD378-655A-49C6-813C-9FD132EF7440}" type="slidenum">
+              <a:rPr lang="en-US" smtClean="0"/>
+              <a:pPr/>
+              <a:t>29</a:t>
+            </a:fld>
+            <a:endParaRPr lang="en-US" dirty="0"/>
+          </a:p>
+        </p:txBody>
+      </p:sp>
+      <p:sp>
+        <p:nvSpPr>
+          <p:cNvPr id="5" name="Content Placeholder 1">
+            <a:extLst>
+              <a:ext uri="{FF2B5EF4-FFF2-40B4-BE49-F238E27FC236}">
+                <a16:creationId xmlns:a16="http://schemas.microsoft.com/office/drawing/2014/main" id="{DAC63877-7358-4702-8871-63FA5BDCBC42}"/>
+              </a:ext>
+            </a:extLst>
+          </p:cNvPr>
+          <p:cNvSpPr>
+            <a:spLocks noGrp="1"/>
+          </p:cNvSpPr>
+          <p:nvPr>
+            <p:ph idx="1"/>
+          </p:nvPr>
+        </p:nvSpPr>
+        <p:spPr>
+          <a:xfrm>
+            <a:off x="166681" y="1332703"/>
+            <a:ext cx="11699087" cy="4351338"/>
+          </a:xfrm>
+        </p:spPr>
+        <p:txBody>
+          <a:bodyPr/>
+          <a:lstStyle/>
+          <a:p>
+            <a:r>
+              <a:rPr lang="en-US" dirty="0"/>
+              <a:t>A tool to detect lines, circles and more general shapes</a:t>
+            </a:r>
+          </a:p>
+          <a:p>
+            <a:r>
+              <a:rPr lang="en-US" dirty="0"/>
+              <a:t>One of the tools used for lane marking detection from (pre-processed) images </a:t>
+            </a:r>
+          </a:p>
+          <a:p>
+            <a:r>
+              <a:rPr lang="en-US" dirty="0"/>
+              <a:t>Operates on sets of points and helps obtain a geometric representation of shapes that points may form</a:t>
+            </a:r>
+          </a:p>
+          <a:p>
+            <a:r>
+              <a:rPr lang="en-US" dirty="0"/>
+              <a:t>We will see how Hough transform works in 2D</a:t>
+            </a:r>
+          </a:p>
+        </p:txBody>
+      </p:sp>
+    </p:spTree>
+    <p:extLst>
+      <p:ext uri="{BB962C8B-B14F-4D97-AF65-F5344CB8AC3E}">
+        <p14:creationId xmlns:p14="http://schemas.microsoft.com/office/powerpoint/2010/main" val="256266849"/>
+      </p:ext>
+    </p:extLst>
+  </p:cSld>
+  <p:clrMapOvr>
+    <a:masterClrMapping/>
+  </p:clrMapOvr>
+</p:sld>
+</file>
+
 <file path=ppt/slides/slide3.xml><?xml version="1.0" encoding="utf-8"?>
-<p:sld xmlns:a="http://schemas.openxmlformats.org/drawingml/2006/main" xmlns:r="http://schemas.openxmlformats.org/officeDocument/2006/relationships" xmlns:p="http://schemas.openxmlformats.org/presentationml/2006/main">
+<p:sld xmlns:a="http://schemas.openxmlformats.org/drawingml/2006/main" xmlns:r="http://schemas.openxmlformats.org/officeDocument/2006/relationships" xmlns:p="http://schemas.openxmlformats.org/presentationml/2006/main" show="0">
   <p:cSld>
     <p:spTree>
       <p:nvGrpSpPr>
@@ -10328,145 +10062,6 @@
 </file>
 
 <file path=ppt/slides/slide30.xml><?xml version="1.0" encoding="utf-8"?>
-<p:sld xmlns:a="http://schemas.openxmlformats.org/drawingml/2006/main" xmlns:r="http://schemas.openxmlformats.org/officeDocument/2006/relationships" xmlns:p="http://schemas.openxmlformats.org/presentationml/2006/main">
-  <p:cSld>
-    <p:spTree>
-      <p:nvGrpSpPr>
-        <p:cNvPr id="1" name=""/>
-        <p:cNvGrpSpPr/>
-        <p:nvPr/>
-      </p:nvGrpSpPr>
-      <p:grpSpPr>
-        <a:xfrm>
-          <a:off x="0" y="0"/>
-          <a:ext cx="0" cy="0"/>
-          <a:chOff x="0" y="0"/>
-          <a:chExt cx="0" cy="0"/>
-        </a:xfrm>
-      </p:grpSpPr>
-      <p:sp>
-        <p:nvSpPr>
-          <p:cNvPr id="3" name="Title 2">
-            <a:extLst>
-              <a:ext uri="{FF2B5EF4-FFF2-40B4-BE49-F238E27FC236}">
-                <a16:creationId xmlns:a16="http://schemas.microsoft.com/office/drawing/2014/main" id="{9FA237B9-178E-4FA1-A3C6-DAA6578D7CCD}"/>
-              </a:ext>
-            </a:extLst>
-          </p:cNvPr>
-          <p:cNvSpPr>
-            <a:spLocks noGrp="1"/>
-          </p:cNvSpPr>
-          <p:nvPr>
-            <p:ph type="title"/>
-          </p:nvPr>
-        </p:nvSpPr>
-        <p:spPr/>
-        <p:txBody>
-          <a:bodyPr/>
-          <a:lstStyle/>
-          <a:p>
-            <a:r>
-              <a:rPr lang="en-US" dirty="0"/>
-              <a:t>Hough Transform</a:t>
-            </a:r>
-          </a:p>
-        </p:txBody>
-      </p:sp>
-      <p:sp>
-        <p:nvSpPr>
-          <p:cNvPr id="4" name="Slide Number Placeholder 3">
-            <a:extLst>
-              <a:ext uri="{FF2B5EF4-FFF2-40B4-BE49-F238E27FC236}">
-                <a16:creationId xmlns:a16="http://schemas.microsoft.com/office/drawing/2014/main" id="{EF566850-74A6-45E9-8DF0-8612A0F29FB9}"/>
-              </a:ext>
-            </a:extLst>
-          </p:cNvPr>
-          <p:cNvSpPr>
-            <a:spLocks noGrp="1"/>
-          </p:cNvSpPr>
-          <p:nvPr>
-            <p:ph type="sldNum" sz="quarter" idx="12"/>
-          </p:nvPr>
-        </p:nvSpPr>
-        <p:spPr/>
-        <p:txBody>
-          <a:bodyPr/>
-          <a:lstStyle/>
-          <a:p>
-            <a:fld id="{29AAD378-655A-49C6-813C-9FD132EF7440}" type="slidenum">
-              <a:rPr lang="en-US" smtClean="0"/>
-              <a:pPr/>
-              <a:t>30</a:t>
-            </a:fld>
-            <a:endParaRPr lang="en-US" dirty="0"/>
-          </a:p>
-        </p:txBody>
-      </p:sp>
-      <p:sp>
-        <p:nvSpPr>
-          <p:cNvPr id="5" name="Content Placeholder 1">
-            <a:extLst>
-              <a:ext uri="{FF2B5EF4-FFF2-40B4-BE49-F238E27FC236}">
-                <a16:creationId xmlns:a16="http://schemas.microsoft.com/office/drawing/2014/main" id="{DAC63877-7358-4702-8871-63FA5BDCBC42}"/>
-              </a:ext>
-            </a:extLst>
-          </p:cNvPr>
-          <p:cNvSpPr>
-            <a:spLocks noGrp="1"/>
-          </p:cNvSpPr>
-          <p:nvPr>
-            <p:ph idx="1"/>
-          </p:nvPr>
-        </p:nvSpPr>
-        <p:spPr>
-          <a:xfrm>
-            <a:off x="166681" y="1332703"/>
-            <a:ext cx="11699087" cy="4351338"/>
-          </a:xfrm>
-        </p:spPr>
-        <p:txBody>
-          <a:bodyPr/>
-          <a:lstStyle/>
-          <a:p>
-            <a:r>
-              <a:rPr lang="en-US" dirty="0"/>
-              <a:t>A tool to detect lines, circles and more general shapes</a:t>
-            </a:r>
-          </a:p>
-          <a:p>
-            <a:r>
-              <a:rPr lang="en-US" dirty="0"/>
-              <a:t>One of the tools used for lane marking detection from (pre-processed) images </a:t>
-            </a:r>
-          </a:p>
-          <a:p>
-            <a:r>
-              <a:rPr lang="en-US" dirty="0"/>
-              <a:t>Operates on sets of points and helps obtain a geometric representation of shapes that points may form</a:t>
-            </a:r>
-          </a:p>
-          <a:p>
-            <a:r>
-              <a:rPr lang="en-US" dirty="0"/>
-              <a:t>We will see how Hough transform works in 2D</a:t>
-            </a:r>
-          </a:p>
-        </p:txBody>
-      </p:sp>
-    </p:spTree>
-    <p:extLst>
-      <p:ext uri="{BB962C8B-B14F-4D97-AF65-F5344CB8AC3E}">
-        <p14:creationId xmlns:p14="http://schemas.microsoft.com/office/powerpoint/2010/main" val="256266849"/>
-      </p:ext>
-    </p:extLst>
-  </p:cSld>
-  <p:clrMapOvr>
-    <a:masterClrMapping/>
-  </p:clrMapOvr>
-</p:sld>
-</file>
-
-<file path=ppt/slides/slide31.xml><?xml version="1.0" encoding="utf-8"?>
 <p:sld xmlns:a="http://schemas.openxmlformats.org/drawingml/2006/main" xmlns:r="http://schemas.openxmlformats.org/officeDocument/2006/relationships" xmlns:p="http://schemas.openxmlformats.org/presentationml/2006/main">
   <p:cSld>
     <p:spTree>
@@ -11267,7 +10862,7 @@
             <a:fld id="{29AAD378-655A-49C6-813C-9FD132EF7440}" type="slidenum">
               <a:rPr lang="en-US" smtClean="0"/>
               <a:pPr/>
-              <a:t>31</a:t>
+              <a:t>30</a:t>
             </a:fld>
             <a:endParaRPr lang="en-US" dirty="0"/>
           </a:p>
@@ -13233,7 +12828,7 @@
 </p:sld>
 </file>
 
-<file path=ppt/slides/slide32.xml><?xml version="1.0" encoding="utf-8"?>
+<file path=ppt/slides/slide31.xml><?xml version="1.0" encoding="utf-8"?>
 <p:sld xmlns:a="http://schemas.openxmlformats.org/drawingml/2006/main" xmlns:r="http://schemas.openxmlformats.org/officeDocument/2006/relationships" xmlns:p="http://schemas.openxmlformats.org/presentationml/2006/main">
   <p:cSld>
     <p:spTree>
@@ -13832,7 +13427,7 @@
             <a:fld id="{29AAD378-655A-49C6-813C-9FD132EF7440}" type="slidenum">
               <a:rPr lang="en-US" smtClean="0"/>
               <a:pPr/>
-              <a:t>32</a:t>
+              <a:t>31</a:t>
             </a:fld>
             <a:endParaRPr lang="en-US" dirty="0"/>
           </a:p>
@@ -18467,7 +18062,7 @@
 </p:sld>
 </file>
 
-<file path=ppt/slides/slide33.xml><?xml version="1.0" encoding="utf-8"?>
+<file path=ppt/slides/slide32.xml><?xml version="1.0" encoding="utf-8"?>
 <p:sld xmlns:a="http://schemas.openxmlformats.org/drawingml/2006/main" xmlns:r="http://schemas.openxmlformats.org/officeDocument/2006/relationships" xmlns:p="http://schemas.openxmlformats.org/presentationml/2006/main">
   <p:cSld>
     <p:spTree>
@@ -18503,7 +18098,7 @@
         <p:spPr/>
         <p:txBody>
           <a:bodyPr>
-            <a:normAutofit lnSpcReduction="10000"/>
+            <a:normAutofit/>
           </a:bodyPr>
           <a:lstStyle/>
           <a:p>
@@ -18620,7 +18215,7 @@
             <a:fld id="{29AAD378-655A-49C6-813C-9FD132EF7440}" type="slidenum">
               <a:rPr lang="en-US" smtClean="0"/>
               <a:pPr/>
-              <a:t>33</a:t>
+              <a:t>32</a:t>
             </a:fld>
             <a:endParaRPr lang="en-US" dirty="0"/>
           </a:p>
@@ -18639,7 +18234,7 @@
 </p:sld>
 </file>
 
-<file path=ppt/slides/slide34.xml><?xml version="1.0" encoding="utf-8"?>
+<file path=ppt/slides/slide33.xml><?xml version="1.0" encoding="utf-8"?>
 <p:sld xmlns:a="http://schemas.openxmlformats.org/drawingml/2006/main" xmlns:r="http://schemas.openxmlformats.org/officeDocument/2006/relationships" xmlns:p="http://schemas.openxmlformats.org/presentationml/2006/main" show="0">
   <p:cSld>
     <p:spTree>
@@ -19336,7 +18931,7 @@
             <a:fld id="{29AAD378-655A-49C6-813C-9FD132EF7440}" type="slidenum">
               <a:rPr lang="en-US" smtClean="0"/>
               <a:pPr/>
-              <a:t>34</a:t>
+              <a:t>33</a:t>
             </a:fld>
             <a:endParaRPr lang="en-US" dirty="0"/>
           </a:p>
@@ -19355,7 +18950,7 @@
 </p:sld>
 </file>
 
-<file path=ppt/slides/slide35.xml><?xml version="1.0" encoding="utf-8"?>
+<file path=ppt/slides/slide34.xml><?xml version="1.0" encoding="utf-8"?>
 <p:sld xmlns:a="http://schemas.openxmlformats.org/drawingml/2006/main" xmlns:r="http://schemas.openxmlformats.org/officeDocument/2006/relationships" xmlns:p="http://schemas.openxmlformats.org/presentationml/2006/main" show="0">
   <p:cSld>
     <p:spTree>
@@ -20037,7 +19632,7 @@
             <a:fld id="{29AAD378-655A-49C6-813C-9FD132EF7440}" type="slidenum">
               <a:rPr lang="en-US" smtClean="0"/>
               <a:pPr/>
-              <a:t>35</a:t>
+              <a:t>34</a:t>
             </a:fld>
             <a:endParaRPr lang="en-US" dirty="0"/>
           </a:p>
@@ -20056,7 +19651,7 @@
 </p:sld>
 </file>
 
-<file path=ppt/slides/slide36.xml><?xml version="1.0" encoding="utf-8"?>
+<file path=ppt/slides/slide35.xml><?xml version="1.0" encoding="utf-8"?>
 <p:sld xmlns:a="http://schemas.openxmlformats.org/drawingml/2006/main" xmlns:r="http://schemas.openxmlformats.org/officeDocument/2006/relationships" xmlns:p="http://schemas.openxmlformats.org/presentationml/2006/main">
   <p:cSld>
     <p:spTree>
@@ -20096,13 +19691,13 @@
           <a:p>
             <a:r>
               <a:rPr lang="en-US" dirty="0"/>
-              <a:t>Detection of segmented clusters from LIDAR data is done using traditional machine learning algorithms based on SVMs, Gaussian Mixture Models etc.</a:t>
+              <a:t>Detection of segmented clusters from LIDAR data is done using traditional machine learning algorithms as well as deep learning</a:t>
             </a:r>
           </a:p>
           <a:p>
             <a:r>
               <a:rPr lang="en-US" dirty="0"/>
-              <a:t>More interesting problem is detection from images</a:t>
+              <a:t>Detection from images (camera data)</a:t>
             </a:r>
           </a:p>
           <a:p>
@@ -20123,7 +19718,28 @@
             <a:pPr lvl="1"/>
             <a:r>
               <a:rPr lang="en-US" dirty="0"/>
-              <a:t>On-road object detection</a:t>
+              <a:t>Object detection</a:t>
+            </a:r>
+          </a:p>
+          <a:p>
+            <a:pPr lvl="1"/>
+            <a:r>
+              <a:rPr lang="en-US" dirty="0"/>
+              <a:t>Distances to obstacles</a:t>
+            </a:r>
+          </a:p>
+          <a:p>
+            <a:pPr lvl="1"/>
+            <a:r>
+              <a:rPr lang="en-US" dirty="0"/>
+              <a:t>Semantic segmentation</a:t>
+            </a:r>
+          </a:p>
+          <a:p>
+            <a:pPr lvl="1"/>
+            <a:r>
+              <a:rPr lang="en-US" dirty="0"/>
+              <a:t>Scenario identification</a:t>
             </a:r>
           </a:p>
         </p:txBody>
@@ -20180,7 +19796,7 @@
             <a:fld id="{29AAD378-655A-49C6-813C-9FD132EF7440}" type="slidenum">
               <a:rPr lang="en-US" smtClean="0"/>
               <a:pPr/>
-              <a:t>36</a:t>
+              <a:t>35</a:t>
             </a:fld>
             <a:endParaRPr lang="en-US" dirty="0"/>
           </a:p>
@@ -20199,157 +19815,7 @@
 </p:sld>
 </file>
 
-<file path=ppt/slides/slide37.xml><?xml version="1.0" encoding="utf-8"?>
-<p:sld xmlns:a="http://schemas.openxmlformats.org/drawingml/2006/main" xmlns:r="http://schemas.openxmlformats.org/officeDocument/2006/relationships" xmlns:p="http://schemas.openxmlformats.org/presentationml/2006/main">
-  <p:cSld>
-    <p:spTree>
-      <p:nvGrpSpPr>
-        <p:cNvPr id="1" name=""/>
-        <p:cNvGrpSpPr/>
-        <p:nvPr/>
-      </p:nvGrpSpPr>
-      <p:grpSpPr>
-        <a:xfrm>
-          <a:off x="0" y="0"/>
-          <a:ext cx="0" cy="0"/>
-          <a:chOff x="0" y="0"/>
-          <a:chExt cx="0" cy="0"/>
-        </a:xfrm>
-      </p:grpSpPr>
-      <p:sp>
-        <p:nvSpPr>
-          <p:cNvPr id="2" name="Content Placeholder 1">
-            <a:extLst>
-              <a:ext uri="{FF2B5EF4-FFF2-40B4-BE49-F238E27FC236}">
-                <a16:creationId xmlns:a16="http://schemas.microsoft.com/office/drawing/2014/main" id="{03C348E4-8696-4E19-AB2D-E6BF6E7B7D29}"/>
-              </a:ext>
-            </a:extLst>
-          </p:cNvPr>
-          <p:cNvSpPr>
-            <a:spLocks noGrp="1"/>
-          </p:cNvSpPr>
-          <p:nvPr>
-            <p:ph idx="1"/>
-          </p:nvPr>
-        </p:nvSpPr>
-        <p:spPr/>
-        <p:txBody>
-          <a:bodyPr/>
-          <a:lstStyle/>
-          <a:p>
-            <a:r>
-              <a:rPr lang="en-US" dirty="0"/>
-              <a:t>Typically first step before applying detection algorithms</a:t>
-            </a:r>
-          </a:p>
-          <a:p>
-            <a:pPr lvl="1"/>
-            <a:r>
-              <a:rPr lang="en-US" dirty="0"/>
-              <a:t>Remove obstacles (e.g. other vehicles)</a:t>
-            </a:r>
-          </a:p>
-          <a:p>
-            <a:pPr lvl="1"/>
-            <a:r>
-              <a:rPr lang="en-US" dirty="0"/>
-              <a:t>Weaken shadows </a:t>
-            </a:r>
-          </a:p>
-          <a:p>
-            <a:pPr lvl="1"/>
-            <a:r>
-              <a:rPr lang="en-US" dirty="0"/>
-              <a:t>Normalize images by controlling camera exposure</a:t>
-            </a:r>
-          </a:p>
-          <a:p>
-            <a:pPr lvl="1"/>
-            <a:r>
-              <a:rPr lang="en-US" dirty="0"/>
-              <a:t>Limit region of interest</a:t>
-            </a:r>
-          </a:p>
-          <a:p>
-            <a:pPr marL="411480" lvl="1" indent="0">
-              <a:buNone/>
-            </a:pPr>
-            <a:endParaRPr lang="en-US" dirty="0"/>
-          </a:p>
-        </p:txBody>
-      </p:sp>
-      <p:sp>
-        <p:nvSpPr>
-          <p:cNvPr id="3" name="Title 2">
-            <a:extLst>
-              <a:ext uri="{FF2B5EF4-FFF2-40B4-BE49-F238E27FC236}">
-                <a16:creationId xmlns:a16="http://schemas.microsoft.com/office/drawing/2014/main" id="{1142DE7B-C1D2-49A5-AF0C-B901184D909A}"/>
-              </a:ext>
-            </a:extLst>
-          </p:cNvPr>
-          <p:cNvSpPr>
-            <a:spLocks noGrp="1"/>
-          </p:cNvSpPr>
-          <p:nvPr>
-            <p:ph type="title"/>
-          </p:nvPr>
-        </p:nvSpPr>
-        <p:spPr/>
-        <p:txBody>
-          <a:bodyPr/>
-          <a:lstStyle/>
-          <a:p>
-            <a:r>
-              <a:rPr lang="en-US" dirty="0"/>
-              <a:t>Image pre-processing</a:t>
-            </a:r>
-          </a:p>
-        </p:txBody>
-      </p:sp>
-      <p:sp>
-        <p:nvSpPr>
-          <p:cNvPr id="4" name="Slide Number Placeholder 3">
-            <a:extLst>
-              <a:ext uri="{FF2B5EF4-FFF2-40B4-BE49-F238E27FC236}">
-                <a16:creationId xmlns:a16="http://schemas.microsoft.com/office/drawing/2014/main" id="{5DB5DE49-7C16-4119-8FDD-125189530D56}"/>
-              </a:ext>
-            </a:extLst>
-          </p:cNvPr>
-          <p:cNvSpPr>
-            <a:spLocks noGrp="1"/>
-          </p:cNvSpPr>
-          <p:nvPr>
-            <p:ph type="sldNum" sz="quarter" idx="12"/>
-          </p:nvPr>
-        </p:nvSpPr>
-        <p:spPr/>
-        <p:txBody>
-          <a:bodyPr/>
-          <a:lstStyle/>
-          <a:p>
-            <a:fld id="{29AAD378-655A-49C6-813C-9FD132EF7440}" type="slidenum">
-              <a:rPr lang="en-US" smtClean="0"/>
-              <a:pPr/>
-              <a:t>37</a:t>
-            </a:fld>
-            <a:endParaRPr lang="en-US" dirty="0"/>
-          </a:p>
-        </p:txBody>
-      </p:sp>
-    </p:spTree>
-    <p:extLst>
-      <p:ext uri="{BB962C8B-B14F-4D97-AF65-F5344CB8AC3E}">
-        <p14:creationId xmlns:p14="http://schemas.microsoft.com/office/powerpoint/2010/main" val="3015257055"/>
-      </p:ext>
-    </p:extLst>
-  </p:cSld>
-  <p:clrMapOvr>
-    <a:masterClrMapping/>
-  </p:clrMapOvr>
-</p:sld>
-</file>
-
-<file path=ppt/slides/slide38.xml><?xml version="1.0" encoding="utf-8"?>
+<file path=ppt/slides/slide36.xml><?xml version="1.0" encoding="utf-8"?>
 <p:sld xmlns:a="http://schemas.openxmlformats.org/drawingml/2006/main" xmlns:r="http://schemas.openxmlformats.org/officeDocument/2006/relationships" xmlns:p="http://schemas.openxmlformats.org/presentationml/2006/main">
   <p:cSld>
     <p:spTree>
@@ -20385,7 +19851,7 @@
         <p:spPr/>
         <p:txBody>
           <a:bodyPr>
-            <a:normAutofit fontScale="92500" lnSpcReduction="10000"/>
+            <a:normAutofit lnSpcReduction="10000"/>
           </a:bodyPr>
           <a:lstStyle/>
           <a:p>
@@ -20397,7 +19863,7 @@
           <a:p>
             <a:r>
               <a:rPr lang="en-US" dirty="0"/>
-              <a:t>Several decades of work, but still not fully solved because of uncertainties in traffic conditions, and road-specific issues such as shadows, worn-out markings, directional arrows, warning text, pedestrian zebra crossings etc.</a:t>
+              <a:t>Several decades of work, but still not fully solved because of uncertainties in traffic conditions, and road-specific issues such as shadows, worn-out markings, directional arrows, warning text, pedestrian zebra-crossings, etc.</a:t>
             </a:r>
           </a:p>
           <a:p>
@@ -20508,7 +19974,7 @@
             <a:fld id="{29AAD378-655A-49C6-813C-9FD132EF7440}" type="slidenum">
               <a:rPr lang="en-US" smtClean="0"/>
               <a:pPr/>
-              <a:t>38</a:t>
+              <a:t>36</a:t>
             </a:fld>
             <a:endParaRPr lang="en-US" dirty="0"/>
           </a:p>
@@ -20527,7 +19993,7 @@
 </p:sld>
 </file>
 
-<file path=ppt/slides/slide39.xml><?xml version="1.0" encoding="utf-8"?>
+<file path=ppt/slides/slide37.xml><?xml version="1.0" encoding="utf-8"?>
 <p:sld xmlns:a="http://schemas.openxmlformats.org/drawingml/2006/main" xmlns:r="http://schemas.openxmlformats.org/officeDocument/2006/relationships" xmlns:p="http://schemas.openxmlformats.org/presentationml/2006/main">
   <p:cSld>
     <p:spTree>
@@ -20648,7 +20114,7 @@
             <a:fld id="{29AAD378-655A-49C6-813C-9FD132EF7440}" type="slidenum">
               <a:rPr lang="en-US" smtClean="0"/>
               <a:pPr/>
-              <a:t>39</a:t>
+              <a:t>37</a:t>
             </a:fld>
             <a:endParaRPr lang="en-US" dirty="0"/>
           </a:p>
@@ -20667,435 +20133,7 @@
 </p:sld>
 </file>
 
-<file path=ppt/slides/slide4.xml><?xml version="1.0" encoding="utf-8"?>
-<p:sld xmlns:a="http://schemas.openxmlformats.org/drawingml/2006/main" xmlns:r="http://schemas.openxmlformats.org/officeDocument/2006/relationships" xmlns:p="http://schemas.openxmlformats.org/presentationml/2006/main">
-  <p:cSld>
-    <p:spTree>
-      <p:nvGrpSpPr>
-        <p:cNvPr id="1" name=""/>
-        <p:cNvGrpSpPr/>
-        <p:nvPr/>
-      </p:nvGrpSpPr>
-      <p:grpSpPr>
-        <a:xfrm>
-          <a:off x="0" y="0"/>
-          <a:ext cx="0" cy="0"/>
-          <a:chOff x="0" y="0"/>
-          <a:chExt cx="0" cy="0"/>
-        </a:xfrm>
-      </p:grpSpPr>
-      <p:sp>
-        <p:nvSpPr>
-          <p:cNvPr id="2" name="Content Placeholder 1">
-            <a:extLst>
-              <a:ext uri="{FF2B5EF4-FFF2-40B4-BE49-F238E27FC236}">
-                <a16:creationId xmlns:a16="http://schemas.microsoft.com/office/drawing/2014/main" id="{E8091A8C-2912-4D2C-B0F1-D5972CBC1F3B}"/>
-              </a:ext>
-            </a:extLst>
-          </p:cNvPr>
-          <p:cNvSpPr>
-            <a:spLocks noGrp="1"/>
-          </p:cNvSpPr>
-          <p:nvPr>
-            <p:ph idx="1"/>
-          </p:nvPr>
-        </p:nvSpPr>
-        <p:spPr>
-          <a:xfrm>
-            <a:off x="3698061" y="1332703"/>
-            <a:ext cx="8167708" cy="3997464"/>
-          </a:xfrm>
-        </p:spPr>
-        <p:txBody>
-          <a:bodyPr/>
-          <a:lstStyle/>
-          <a:p>
-            <a:r>
-              <a:rPr lang="en-US" dirty="0"/>
-              <a:t>Primary purpose is to know everything about the environment</a:t>
-            </a:r>
-          </a:p>
-          <a:p>
-            <a:r>
-              <a:rPr lang="en-US" dirty="0"/>
-              <a:t>Most of the software modules in the sensing modules deal with:</a:t>
-            </a:r>
-          </a:p>
-          <a:p>
-            <a:pPr lvl="1"/>
-            <a:r>
-              <a:rPr lang="en-US" dirty="0"/>
-              <a:t>Sensor fusion: (using  KFs, EKFs, UKFs, etc.)</a:t>
-            </a:r>
-          </a:p>
-          <a:p>
-            <a:pPr lvl="1"/>
-            <a:r>
-              <a:rPr lang="en-US" dirty="0"/>
-              <a:t>Data preprocessing: e.g. converting LiDAR data into point-cloud representation, sampling video signals, compressing data</a:t>
-            </a:r>
-          </a:p>
-          <a:p>
-            <a:pPr lvl="1"/>
-            <a:endParaRPr lang="en-US" dirty="0"/>
-          </a:p>
-          <a:p>
-            <a:endParaRPr lang="en-US" dirty="0"/>
-          </a:p>
-        </p:txBody>
-      </p:sp>
-      <p:sp>
-        <p:nvSpPr>
-          <p:cNvPr id="3" name="Title 2">
-            <a:extLst>
-              <a:ext uri="{FF2B5EF4-FFF2-40B4-BE49-F238E27FC236}">
-                <a16:creationId xmlns:a16="http://schemas.microsoft.com/office/drawing/2014/main" id="{32B217B3-A3DC-4C5D-B872-CB68275944C9}"/>
-              </a:ext>
-            </a:extLst>
-          </p:cNvPr>
-          <p:cNvSpPr>
-            <a:spLocks noGrp="1"/>
-          </p:cNvSpPr>
-          <p:nvPr>
-            <p:ph type="title"/>
-          </p:nvPr>
-        </p:nvSpPr>
-        <p:spPr/>
-        <p:txBody>
-          <a:bodyPr/>
-          <a:lstStyle/>
-          <a:p>
-            <a:r>
-              <a:rPr lang="en-US" dirty="0"/>
-              <a:t>Sensing</a:t>
-            </a:r>
-          </a:p>
-        </p:txBody>
-      </p:sp>
-      <p:sp>
-        <p:nvSpPr>
-          <p:cNvPr id="4" name="Slide Number Placeholder 3">
-            <a:extLst>
-              <a:ext uri="{FF2B5EF4-FFF2-40B4-BE49-F238E27FC236}">
-                <a16:creationId xmlns:a16="http://schemas.microsoft.com/office/drawing/2014/main" id="{0F79C0A0-834C-4B2D-A639-C2C0DC1C9466}"/>
-              </a:ext>
-            </a:extLst>
-          </p:cNvPr>
-          <p:cNvSpPr>
-            <a:spLocks noGrp="1"/>
-          </p:cNvSpPr>
-          <p:nvPr>
-            <p:ph type="sldNum" sz="quarter" idx="12"/>
-          </p:nvPr>
-        </p:nvSpPr>
-        <p:spPr/>
-        <p:txBody>
-          <a:bodyPr/>
-          <a:lstStyle/>
-          <a:p>
-            <a:fld id="{29AAD378-655A-49C6-813C-9FD132EF7440}" type="slidenum">
-              <a:rPr lang="en-US" smtClean="0"/>
-              <a:pPr/>
-              <a:t>4</a:t>
-            </a:fld>
-            <a:endParaRPr lang="en-US" dirty="0"/>
-          </a:p>
-        </p:txBody>
-      </p:sp>
-      <p:sp>
-        <p:nvSpPr>
-          <p:cNvPr id="5" name="Rectangle 4">
-            <a:extLst>
-              <a:ext uri="{FF2B5EF4-FFF2-40B4-BE49-F238E27FC236}">
-                <a16:creationId xmlns:a16="http://schemas.microsoft.com/office/drawing/2014/main" id="{6BC9E63F-FF74-4BAE-93CD-2E699E766479}"/>
-              </a:ext>
-            </a:extLst>
-          </p:cNvPr>
-          <p:cNvSpPr/>
-          <p:nvPr/>
-        </p:nvSpPr>
-        <p:spPr>
-          <a:xfrm>
-            <a:off x="469066" y="1332703"/>
-            <a:ext cx="2630184" cy="3997464"/>
-          </a:xfrm>
-          <a:prstGeom prst="rect">
-            <a:avLst/>
-          </a:prstGeom>
-          <a:noFill/>
-        </p:spPr>
-        <p:style>
-          <a:lnRef idx="2">
-            <a:schemeClr val="accent5"/>
-          </a:lnRef>
-          <a:fillRef idx="1">
-            <a:schemeClr val="lt1"/>
-          </a:fillRef>
-          <a:effectRef idx="0">
-            <a:schemeClr val="accent5"/>
-          </a:effectRef>
-          <a:fontRef idx="minor">
-            <a:schemeClr val="dk1"/>
-          </a:fontRef>
-        </p:style>
-        <p:txBody>
-          <a:bodyPr rtlCol="0" anchor="ctr"/>
-          <a:lstStyle/>
-          <a:p>
-            <a:pPr algn="ctr"/>
-            <a:endParaRPr lang="en-US" sz="3600" dirty="0"/>
-          </a:p>
-        </p:txBody>
-      </p:sp>
-      <p:sp>
-        <p:nvSpPr>
-          <p:cNvPr id="6" name="Rectangle 5">
-            <a:extLst>
-              <a:ext uri="{FF2B5EF4-FFF2-40B4-BE49-F238E27FC236}">
-                <a16:creationId xmlns:a16="http://schemas.microsoft.com/office/drawing/2014/main" id="{B3EC7670-5126-4A2B-939B-149ADD5ABF73}"/>
-              </a:ext>
-            </a:extLst>
-          </p:cNvPr>
-          <p:cNvSpPr/>
-          <p:nvPr/>
-        </p:nvSpPr>
-        <p:spPr>
-          <a:xfrm>
-            <a:off x="604810" y="1500892"/>
-            <a:ext cx="2322414" cy="563060"/>
-          </a:xfrm>
-          <a:prstGeom prst="rect">
-            <a:avLst/>
-          </a:prstGeom>
-        </p:spPr>
-        <p:style>
-          <a:lnRef idx="2">
-            <a:schemeClr val="accent2"/>
-          </a:lnRef>
-          <a:fillRef idx="1">
-            <a:schemeClr val="lt1"/>
-          </a:fillRef>
-          <a:effectRef idx="0">
-            <a:schemeClr val="accent2"/>
-          </a:effectRef>
-          <a:fontRef idx="minor">
-            <a:schemeClr val="dk1"/>
-          </a:fontRef>
-        </p:style>
-        <p:txBody>
-          <a:bodyPr rtlCol="0" anchor="ctr"/>
-          <a:lstStyle/>
-          <a:p>
-            <a:pPr algn="ctr"/>
-            <a:r>
-              <a:rPr lang="en-US" sz="2400" dirty="0"/>
-              <a:t>GPS</a:t>
-            </a:r>
-          </a:p>
-        </p:txBody>
-      </p:sp>
-      <p:sp>
-        <p:nvSpPr>
-          <p:cNvPr id="7" name="Rectangle 6">
-            <a:extLst>
-              <a:ext uri="{FF2B5EF4-FFF2-40B4-BE49-F238E27FC236}">
-                <a16:creationId xmlns:a16="http://schemas.microsoft.com/office/drawing/2014/main" id="{EE4B10A0-7BA3-4047-8D6B-879C1C58339A}"/>
-              </a:ext>
-            </a:extLst>
-          </p:cNvPr>
-          <p:cNvSpPr/>
-          <p:nvPr/>
-        </p:nvSpPr>
-        <p:spPr>
-          <a:xfrm>
-            <a:off x="604810" y="3038818"/>
-            <a:ext cx="2322414" cy="563060"/>
-          </a:xfrm>
-          <a:prstGeom prst="rect">
-            <a:avLst/>
-          </a:prstGeom>
-        </p:spPr>
-        <p:style>
-          <a:lnRef idx="2">
-            <a:schemeClr val="accent2"/>
-          </a:lnRef>
-          <a:fillRef idx="1">
-            <a:schemeClr val="lt1"/>
-          </a:fillRef>
-          <a:effectRef idx="0">
-            <a:schemeClr val="accent2"/>
-          </a:effectRef>
-          <a:fontRef idx="minor">
-            <a:schemeClr val="dk1"/>
-          </a:fontRef>
-        </p:style>
-        <p:txBody>
-          <a:bodyPr rtlCol="0" anchor="ctr"/>
-          <a:lstStyle/>
-          <a:p>
-            <a:pPr algn="ctr"/>
-            <a:r>
-              <a:rPr lang="en-US" sz="2400" dirty="0"/>
-              <a:t>LiDAR</a:t>
-            </a:r>
-          </a:p>
-        </p:txBody>
-      </p:sp>
-      <p:sp>
-        <p:nvSpPr>
-          <p:cNvPr id="8" name="Rectangle 7">
-            <a:extLst>
-              <a:ext uri="{FF2B5EF4-FFF2-40B4-BE49-F238E27FC236}">
-                <a16:creationId xmlns:a16="http://schemas.microsoft.com/office/drawing/2014/main" id="{C4F47396-17D1-446F-9481-DBBB97ECADD8}"/>
-              </a:ext>
-            </a:extLst>
-          </p:cNvPr>
-          <p:cNvSpPr/>
-          <p:nvPr/>
-        </p:nvSpPr>
-        <p:spPr>
-          <a:xfrm>
-            <a:off x="604810" y="2269855"/>
-            <a:ext cx="2322414" cy="563060"/>
-          </a:xfrm>
-          <a:prstGeom prst="rect">
-            <a:avLst/>
-          </a:prstGeom>
-        </p:spPr>
-        <p:style>
-          <a:lnRef idx="2">
-            <a:schemeClr val="accent2"/>
-          </a:lnRef>
-          <a:fillRef idx="1">
-            <a:schemeClr val="lt1"/>
-          </a:fillRef>
-          <a:effectRef idx="0">
-            <a:schemeClr val="accent2"/>
-          </a:effectRef>
-          <a:fontRef idx="minor">
-            <a:schemeClr val="dk1"/>
-          </a:fontRef>
-        </p:style>
-        <p:txBody>
-          <a:bodyPr rtlCol="0" anchor="ctr"/>
-          <a:lstStyle/>
-          <a:p>
-            <a:pPr algn="ctr"/>
-            <a:r>
-              <a:rPr lang="en-US" sz="2400" dirty="0"/>
-              <a:t>IMU</a:t>
-            </a:r>
-          </a:p>
-        </p:txBody>
-      </p:sp>
-      <p:sp>
-        <p:nvSpPr>
-          <p:cNvPr id="10" name="Rectangle 9">
-            <a:extLst>
-              <a:ext uri="{FF2B5EF4-FFF2-40B4-BE49-F238E27FC236}">
-                <a16:creationId xmlns:a16="http://schemas.microsoft.com/office/drawing/2014/main" id="{2B028077-471E-41EB-BD2F-DA77DE3926CD}"/>
-              </a:ext>
-            </a:extLst>
-          </p:cNvPr>
-          <p:cNvSpPr/>
-          <p:nvPr/>
-        </p:nvSpPr>
-        <p:spPr>
-          <a:xfrm>
-            <a:off x="604810" y="3807780"/>
-            <a:ext cx="2322414" cy="563060"/>
-          </a:xfrm>
-          <a:prstGeom prst="rect">
-            <a:avLst/>
-          </a:prstGeom>
-        </p:spPr>
-        <p:style>
-          <a:lnRef idx="2">
-            <a:schemeClr val="accent2"/>
-          </a:lnRef>
-          <a:fillRef idx="1">
-            <a:schemeClr val="lt1"/>
-          </a:fillRef>
-          <a:effectRef idx="0">
-            <a:schemeClr val="accent2"/>
-          </a:effectRef>
-          <a:fontRef idx="minor">
-            <a:schemeClr val="dk1"/>
-          </a:fontRef>
-        </p:style>
-        <p:txBody>
-          <a:bodyPr rtlCol="0" anchor="ctr"/>
-          <a:lstStyle/>
-          <a:p>
-            <a:pPr algn="ctr"/>
-            <a:r>
-              <a:rPr lang="en-US" sz="2400" dirty="0"/>
-              <a:t>Radar</a:t>
-            </a:r>
-          </a:p>
-        </p:txBody>
-      </p:sp>
-      <p:sp>
-        <p:nvSpPr>
-          <p:cNvPr id="12" name="Rectangle 11">
-            <a:extLst>
-              <a:ext uri="{FF2B5EF4-FFF2-40B4-BE49-F238E27FC236}">
-                <a16:creationId xmlns:a16="http://schemas.microsoft.com/office/drawing/2014/main" id="{127AA301-9ABD-4916-BF39-B27FE0DFE15F}"/>
-              </a:ext>
-            </a:extLst>
-          </p:cNvPr>
-          <p:cNvSpPr/>
-          <p:nvPr/>
-        </p:nvSpPr>
-        <p:spPr>
-          <a:xfrm>
-            <a:off x="604810" y="4576742"/>
-            <a:ext cx="2322414" cy="563060"/>
-          </a:xfrm>
-          <a:prstGeom prst="rect">
-            <a:avLst/>
-          </a:prstGeom>
-        </p:spPr>
-        <p:style>
-          <a:lnRef idx="2">
-            <a:schemeClr val="accent2"/>
-          </a:lnRef>
-          <a:fillRef idx="1">
-            <a:schemeClr val="lt1"/>
-          </a:fillRef>
-          <a:effectRef idx="0">
-            <a:schemeClr val="accent2"/>
-          </a:effectRef>
-          <a:fontRef idx="minor">
-            <a:schemeClr val="dk1"/>
-          </a:fontRef>
-        </p:style>
-        <p:txBody>
-          <a:bodyPr rtlCol="0" anchor="ctr"/>
-          <a:lstStyle/>
-          <a:p>
-            <a:pPr algn="ctr"/>
-            <a:r>
-              <a:rPr lang="en-US" sz="2400" dirty="0"/>
-              <a:t>Camera</a:t>
-            </a:r>
-          </a:p>
-        </p:txBody>
-      </p:sp>
-    </p:spTree>
-    <p:extLst>
-      <p:ext uri="{BB962C8B-B14F-4D97-AF65-F5344CB8AC3E}">
-        <p14:creationId xmlns:p14="http://schemas.microsoft.com/office/powerpoint/2010/main" val="2016350714"/>
-      </p:ext>
-    </p:extLst>
-  </p:cSld>
-  <p:clrMapOvr>
-    <a:masterClrMapping/>
-  </p:clrMapOvr>
-</p:sld>
-</file>
-
-<file path=ppt/slides/slide40.xml><?xml version="1.0" encoding="utf-8"?>
+<file path=ppt/slides/slide38.xml><?xml version="1.0" encoding="utf-8"?>
 <p:sld xmlns:a="http://schemas.openxmlformats.org/drawingml/2006/main" xmlns:r="http://schemas.openxmlformats.org/officeDocument/2006/relationships" xmlns:p="http://schemas.openxmlformats.org/presentationml/2006/main">
   <p:cSld>
     <p:spTree>
@@ -21245,7 +20283,7 @@
             <a:fld id="{29AAD378-655A-49C6-813C-9FD132EF7440}" type="slidenum">
               <a:rPr lang="en-US" smtClean="0"/>
               <a:pPr/>
-              <a:t>40</a:t>
+              <a:t>38</a:t>
             </a:fld>
             <a:endParaRPr lang="en-US" dirty="0"/>
           </a:p>
@@ -21264,7 +20302,7 @@
 </p:sld>
 </file>
 
-<file path=ppt/slides/slide41.xml><?xml version="1.0" encoding="utf-8"?>
+<file path=ppt/slides/slide39.xml><?xml version="1.0" encoding="utf-8"?>
 <p:sld xmlns:a="http://schemas.openxmlformats.org/drawingml/2006/main" xmlns:r="http://schemas.openxmlformats.org/officeDocument/2006/relationships" xmlns:p="http://schemas.openxmlformats.org/presentationml/2006/main">
   <p:cSld>
     <p:spTree>
@@ -21297,7 +20335,12 @@
             <p:ph idx="1"/>
           </p:nvPr>
         </p:nvSpPr>
-        <p:spPr/>
+        <p:spPr>
+          <a:xfrm>
+            <a:off x="166681" y="1600199"/>
+            <a:ext cx="11699087" cy="4083841"/>
+          </a:xfrm>
+        </p:spPr>
         <p:txBody>
           <a:bodyPr/>
           <a:lstStyle/>
@@ -21382,7 +20425,7 @@
             <a:fld id="{29AAD378-655A-49C6-813C-9FD132EF7440}" type="slidenum">
               <a:rPr lang="en-US" smtClean="0"/>
               <a:pPr/>
-              <a:t>41</a:t>
+              <a:t>39</a:t>
             </a:fld>
             <a:endParaRPr lang="en-US" dirty="0"/>
           </a:p>
@@ -21401,7 +20444,435 @@
 </p:sld>
 </file>
 
-<file path=ppt/slides/slide42.xml><?xml version="1.0" encoding="utf-8"?>
+<file path=ppt/slides/slide4.xml><?xml version="1.0" encoding="utf-8"?>
+<p:sld xmlns:a="http://schemas.openxmlformats.org/drawingml/2006/main" xmlns:r="http://schemas.openxmlformats.org/officeDocument/2006/relationships" xmlns:p="http://schemas.openxmlformats.org/presentationml/2006/main" show="0">
+  <p:cSld>
+    <p:spTree>
+      <p:nvGrpSpPr>
+        <p:cNvPr id="1" name=""/>
+        <p:cNvGrpSpPr/>
+        <p:nvPr/>
+      </p:nvGrpSpPr>
+      <p:grpSpPr>
+        <a:xfrm>
+          <a:off x="0" y="0"/>
+          <a:ext cx="0" cy="0"/>
+          <a:chOff x="0" y="0"/>
+          <a:chExt cx="0" cy="0"/>
+        </a:xfrm>
+      </p:grpSpPr>
+      <p:sp>
+        <p:nvSpPr>
+          <p:cNvPr id="2" name="Content Placeholder 1">
+            <a:extLst>
+              <a:ext uri="{FF2B5EF4-FFF2-40B4-BE49-F238E27FC236}">
+                <a16:creationId xmlns:a16="http://schemas.microsoft.com/office/drawing/2014/main" id="{E8091A8C-2912-4D2C-B0F1-D5972CBC1F3B}"/>
+              </a:ext>
+            </a:extLst>
+          </p:cNvPr>
+          <p:cNvSpPr>
+            <a:spLocks noGrp="1"/>
+          </p:cNvSpPr>
+          <p:nvPr>
+            <p:ph idx="1"/>
+          </p:nvPr>
+        </p:nvSpPr>
+        <p:spPr>
+          <a:xfrm>
+            <a:off x="3698061" y="1332703"/>
+            <a:ext cx="8167708" cy="3997464"/>
+          </a:xfrm>
+        </p:spPr>
+        <p:txBody>
+          <a:bodyPr/>
+          <a:lstStyle/>
+          <a:p>
+            <a:r>
+              <a:rPr lang="en-US" dirty="0"/>
+              <a:t>Primary purpose is to know everything about the environment</a:t>
+            </a:r>
+          </a:p>
+          <a:p>
+            <a:r>
+              <a:rPr lang="en-US" dirty="0"/>
+              <a:t>Most of the software modules in the sensing modules deal with:</a:t>
+            </a:r>
+          </a:p>
+          <a:p>
+            <a:pPr lvl="1"/>
+            <a:r>
+              <a:rPr lang="en-US" dirty="0"/>
+              <a:t>Sensor fusion: (using  KFs, EKFs, UKFs, etc.)</a:t>
+            </a:r>
+          </a:p>
+          <a:p>
+            <a:pPr lvl="1"/>
+            <a:r>
+              <a:rPr lang="en-US" dirty="0"/>
+              <a:t>Data preprocessing: e.g. converting LiDAR data into point-cloud representation, sampling video signals, compressing data</a:t>
+            </a:r>
+          </a:p>
+          <a:p>
+            <a:pPr lvl="1"/>
+            <a:endParaRPr lang="en-US" dirty="0"/>
+          </a:p>
+          <a:p>
+            <a:endParaRPr lang="en-US" dirty="0"/>
+          </a:p>
+        </p:txBody>
+      </p:sp>
+      <p:sp>
+        <p:nvSpPr>
+          <p:cNvPr id="3" name="Title 2">
+            <a:extLst>
+              <a:ext uri="{FF2B5EF4-FFF2-40B4-BE49-F238E27FC236}">
+                <a16:creationId xmlns:a16="http://schemas.microsoft.com/office/drawing/2014/main" id="{32B217B3-A3DC-4C5D-B872-CB68275944C9}"/>
+              </a:ext>
+            </a:extLst>
+          </p:cNvPr>
+          <p:cNvSpPr>
+            <a:spLocks noGrp="1"/>
+          </p:cNvSpPr>
+          <p:nvPr>
+            <p:ph type="title"/>
+          </p:nvPr>
+        </p:nvSpPr>
+        <p:spPr/>
+        <p:txBody>
+          <a:bodyPr/>
+          <a:lstStyle/>
+          <a:p>
+            <a:r>
+              <a:rPr lang="en-US" dirty="0"/>
+              <a:t>Sensing</a:t>
+            </a:r>
+          </a:p>
+        </p:txBody>
+      </p:sp>
+      <p:sp>
+        <p:nvSpPr>
+          <p:cNvPr id="4" name="Slide Number Placeholder 3">
+            <a:extLst>
+              <a:ext uri="{FF2B5EF4-FFF2-40B4-BE49-F238E27FC236}">
+                <a16:creationId xmlns:a16="http://schemas.microsoft.com/office/drawing/2014/main" id="{0F79C0A0-834C-4B2D-A639-C2C0DC1C9466}"/>
+              </a:ext>
+            </a:extLst>
+          </p:cNvPr>
+          <p:cNvSpPr>
+            <a:spLocks noGrp="1"/>
+          </p:cNvSpPr>
+          <p:nvPr>
+            <p:ph type="sldNum" sz="quarter" idx="12"/>
+          </p:nvPr>
+        </p:nvSpPr>
+        <p:spPr/>
+        <p:txBody>
+          <a:bodyPr/>
+          <a:lstStyle/>
+          <a:p>
+            <a:fld id="{29AAD378-655A-49C6-813C-9FD132EF7440}" type="slidenum">
+              <a:rPr lang="en-US" smtClean="0"/>
+              <a:pPr/>
+              <a:t>4</a:t>
+            </a:fld>
+            <a:endParaRPr lang="en-US" dirty="0"/>
+          </a:p>
+        </p:txBody>
+      </p:sp>
+      <p:sp>
+        <p:nvSpPr>
+          <p:cNvPr id="5" name="Rectangle 4">
+            <a:extLst>
+              <a:ext uri="{FF2B5EF4-FFF2-40B4-BE49-F238E27FC236}">
+                <a16:creationId xmlns:a16="http://schemas.microsoft.com/office/drawing/2014/main" id="{6BC9E63F-FF74-4BAE-93CD-2E699E766479}"/>
+              </a:ext>
+            </a:extLst>
+          </p:cNvPr>
+          <p:cNvSpPr/>
+          <p:nvPr/>
+        </p:nvSpPr>
+        <p:spPr>
+          <a:xfrm>
+            <a:off x="469066" y="1332703"/>
+            <a:ext cx="2630184" cy="3997464"/>
+          </a:xfrm>
+          <a:prstGeom prst="rect">
+            <a:avLst/>
+          </a:prstGeom>
+          <a:noFill/>
+        </p:spPr>
+        <p:style>
+          <a:lnRef idx="2">
+            <a:schemeClr val="accent5"/>
+          </a:lnRef>
+          <a:fillRef idx="1">
+            <a:schemeClr val="lt1"/>
+          </a:fillRef>
+          <a:effectRef idx="0">
+            <a:schemeClr val="accent5"/>
+          </a:effectRef>
+          <a:fontRef idx="minor">
+            <a:schemeClr val="dk1"/>
+          </a:fontRef>
+        </p:style>
+        <p:txBody>
+          <a:bodyPr rtlCol="0" anchor="ctr"/>
+          <a:lstStyle/>
+          <a:p>
+            <a:pPr algn="ctr"/>
+            <a:endParaRPr lang="en-US" sz="3600" dirty="0"/>
+          </a:p>
+        </p:txBody>
+      </p:sp>
+      <p:sp>
+        <p:nvSpPr>
+          <p:cNvPr id="6" name="Rectangle 5">
+            <a:extLst>
+              <a:ext uri="{FF2B5EF4-FFF2-40B4-BE49-F238E27FC236}">
+                <a16:creationId xmlns:a16="http://schemas.microsoft.com/office/drawing/2014/main" id="{B3EC7670-5126-4A2B-939B-149ADD5ABF73}"/>
+              </a:ext>
+            </a:extLst>
+          </p:cNvPr>
+          <p:cNvSpPr/>
+          <p:nvPr/>
+        </p:nvSpPr>
+        <p:spPr>
+          <a:xfrm>
+            <a:off x="604810" y="1500892"/>
+            <a:ext cx="2322414" cy="563060"/>
+          </a:xfrm>
+          <a:prstGeom prst="rect">
+            <a:avLst/>
+          </a:prstGeom>
+        </p:spPr>
+        <p:style>
+          <a:lnRef idx="2">
+            <a:schemeClr val="accent2"/>
+          </a:lnRef>
+          <a:fillRef idx="1">
+            <a:schemeClr val="lt1"/>
+          </a:fillRef>
+          <a:effectRef idx="0">
+            <a:schemeClr val="accent2"/>
+          </a:effectRef>
+          <a:fontRef idx="minor">
+            <a:schemeClr val="dk1"/>
+          </a:fontRef>
+        </p:style>
+        <p:txBody>
+          <a:bodyPr rtlCol="0" anchor="ctr"/>
+          <a:lstStyle/>
+          <a:p>
+            <a:pPr algn="ctr"/>
+            <a:r>
+              <a:rPr lang="en-US" sz="2400" dirty="0"/>
+              <a:t>GPS</a:t>
+            </a:r>
+          </a:p>
+        </p:txBody>
+      </p:sp>
+      <p:sp>
+        <p:nvSpPr>
+          <p:cNvPr id="7" name="Rectangle 6">
+            <a:extLst>
+              <a:ext uri="{FF2B5EF4-FFF2-40B4-BE49-F238E27FC236}">
+                <a16:creationId xmlns:a16="http://schemas.microsoft.com/office/drawing/2014/main" id="{EE4B10A0-7BA3-4047-8D6B-879C1C58339A}"/>
+              </a:ext>
+            </a:extLst>
+          </p:cNvPr>
+          <p:cNvSpPr/>
+          <p:nvPr/>
+        </p:nvSpPr>
+        <p:spPr>
+          <a:xfrm>
+            <a:off x="604810" y="3038818"/>
+            <a:ext cx="2322414" cy="563060"/>
+          </a:xfrm>
+          <a:prstGeom prst="rect">
+            <a:avLst/>
+          </a:prstGeom>
+        </p:spPr>
+        <p:style>
+          <a:lnRef idx="2">
+            <a:schemeClr val="accent2"/>
+          </a:lnRef>
+          <a:fillRef idx="1">
+            <a:schemeClr val="lt1"/>
+          </a:fillRef>
+          <a:effectRef idx="0">
+            <a:schemeClr val="accent2"/>
+          </a:effectRef>
+          <a:fontRef idx="minor">
+            <a:schemeClr val="dk1"/>
+          </a:fontRef>
+        </p:style>
+        <p:txBody>
+          <a:bodyPr rtlCol="0" anchor="ctr"/>
+          <a:lstStyle/>
+          <a:p>
+            <a:pPr algn="ctr"/>
+            <a:r>
+              <a:rPr lang="en-US" sz="2400" dirty="0"/>
+              <a:t>LiDAR</a:t>
+            </a:r>
+          </a:p>
+        </p:txBody>
+      </p:sp>
+      <p:sp>
+        <p:nvSpPr>
+          <p:cNvPr id="8" name="Rectangle 7">
+            <a:extLst>
+              <a:ext uri="{FF2B5EF4-FFF2-40B4-BE49-F238E27FC236}">
+                <a16:creationId xmlns:a16="http://schemas.microsoft.com/office/drawing/2014/main" id="{C4F47396-17D1-446F-9481-DBBB97ECADD8}"/>
+              </a:ext>
+            </a:extLst>
+          </p:cNvPr>
+          <p:cNvSpPr/>
+          <p:nvPr/>
+        </p:nvSpPr>
+        <p:spPr>
+          <a:xfrm>
+            <a:off x="604810" y="2269855"/>
+            <a:ext cx="2322414" cy="563060"/>
+          </a:xfrm>
+          <a:prstGeom prst="rect">
+            <a:avLst/>
+          </a:prstGeom>
+        </p:spPr>
+        <p:style>
+          <a:lnRef idx="2">
+            <a:schemeClr val="accent2"/>
+          </a:lnRef>
+          <a:fillRef idx="1">
+            <a:schemeClr val="lt1"/>
+          </a:fillRef>
+          <a:effectRef idx="0">
+            <a:schemeClr val="accent2"/>
+          </a:effectRef>
+          <a:fontRef idx="minor">
+            <a:schemeClr val="dk1"/>
+          </a:fontRef>
+        </p:style>
+        <p:txBody>
+          <a:bodyPr rtlCol="0" anchor="ctr"/>
+          <a:lstStyle/>
+          <a:p>
+            <a:pPr algn="ctr"/>
+            <a:r>
+              <a:rPr lang="en-US" sz="2400" dirty="0"/>
+              <a:t>IMU</a:t>
+            </a:r>
+          </a:p>
+        </p:txBody>
+      </p:sp>
+      <p:sp>
+        <p:nvSpPr>
+          <p:cNvPr id="10" name="Rectangle 9">
+            <a:extLst>
+              <a:ext uri="{FF2B5EF4-FFF2-40B4-BE49-F238E27FC236}">
+                <a16:creationId xmlns:a16="http://schemas.microsoft.com/office/drawing/2014/main" id="{2B028077-471E-41EB-BD2F-DA77DE3926CD}"/>
+              </a:ext>
+            </a:extLst>
+          </p:cNvPr>
+          <p:cNvSpPr/>
+          <p:nvPr/>
+        </p:nvSpPr>
+        <p:spPr>
+          <a:xfrm>
+            <a:off x="604810" y="3807780"/>
+            <a:ext cx="2322414" cy="563060"/>
+          </a:xfrm>
+          <a:prstGeom prst="rect">
+            <a:avLst/>
+          </a:prstGeom>
+        </p:spPr>
+        <p:style>
+          <a:lnRef idx="2">
+            <a:schemeClr val="accent2"/>
+          </a:lnRef>
+          <a:fillRef idx="1">
+            <a:schemeClr val="lt1"/>
+          </a:fillRef>
+          <a:effectRef idx="0">
+            <a:schemeClr val="accent2"/>
+          </a:effectRef>
+          <a:fontRef idx="minor">
+            <a:schemeClr val="dk1"/>
+          </a:fontRef>
+        </p:style>
+        <p:txBody>
+          <a:bodyPr rtlCol="0" anchor="ctr"/>
+          <a:lstStyle/>
+          <a:p>
+            <a:pPr algn="ctr"/>
+            <a:r>
+              <a:rPr lang="en-US" sz="2400" dirty="0"/>
+              <a:t>Radar</a:t>
+            </a:r>
+          </a:p>
+        </p:txBody>
+      </p:sp>
+      <p:sp>
+        <p:nvSpPr>
+          <p:cNvPr id="12" name="Rectangle 11">
+            <a:extLst>
+              <a:ext uri="{FF2B5EF4-FFF2-40B4-BE49-F238E27FC236}">
+                <a16:creationId xmlns:a16="http://schemas.microsoft.com/office/drawing/2014/main" id="{127AA301-9ABD-4916-BF39-B27FE0DFE15F}"/>
+              </a:ext>
+            </a:extLst>
+          </p:cNvPr>
+          <p:cNvSpPr/>
+          <p:nvPr/>
+        </p:nvSpPr>
+        <p:spPr>
+          <a:xfrm>
+            <a:off x="604810" y="4576742"/>
+            <a:ext cx="2322414" cy="563060"/>
+          </a:xfrm>
+          <a:prstGeom prst="rect">
+            <a:avLst/>
+          </a:prstGeom>
+        </p:spPr>
+        <p:style>
+          <a:lnRef idx="2">
+            <a:schemeClr val="accent2"/>
+          </a:lnRef>
+          <a:fillRef idx="1">
+            <a:schemeClr val="lt1"/>
+          </a:fillRef>
+          <a:effectRef idx="0">
+            <a:schemeClr val="accent2"/>
+          </a:effectRef>
+          <a:fontRef idx="minor">
+            <a:schemeClr val="dk1"/>
+          </a:fontRef>
+        </p:style>
+        <p:txBody>
+          <a:bodyPr rtlCol="0" anchor="ctr"/>
+          <a:lstStyle/>
+          <a:p>
+            <a:pPr algn="ctr"/>
+            <a:r>
+              <a:rPr lang="en-US" sz="2400" dirty="0"/>
+              <a:t>Camera</a:t>
+            </a:r>
+          </a:p>
+        </p:txBody>
+      </p:sp>
+    </p:spTree>
+    <p:extLst>
+      <p:ext uri="{BB962C8B-B14F-4D97-AF65-F5344CB8AC3E}">
+        <p14:creationId xmlns:p14="http://schemas.microsoft.com/office/powerpoint/2010/main" val="2016350714"/>
+      </p:ext>
+    </p:extLst>
+  </p:cSld>
+  <p:clrMapOvr>
+    <a:masterClrMapping/>
+  </p:clrMapOvr>
+</p:sld>
+</file>
+
+<file path=ppt/slides/slide40.xml><?xml version="1.0" encoding="utf-8"?>
 <p:sld xmlns:a="http://schemas.openxmlformats.org/drawingml/2006/main" xmlns:r="http://schemas.openxmlformats.org/officeDocument/2006/relationships" xmlns:p="http://schemas.openxmlformats.org/presentationml/2006/main">
   <p:cSld>
     <p:spTree>
@@ -21434,7 +20905,12 @@
             <p:ph idx="1"/>
           </p:nvPr>
         </p:nvSpPr>
-        <p:spPr/>
+        <p:spPr>
+          <a:xfrm>
+            <a:off x="166681" y="1641763"/>
+            <a:ext cx="11699087" cy="4042277"/>
+          </a:xfrm>
+        </p:spPr>
         <p:txBody>
           <a:bodyPr/>
           <a:lstStyle/>
@@ -21447,7 +20923,7 @@
           <a:p>
             <a:r>
               <a:rPr lang="en-US" dirty="0"/>
-              <a:t>Again, deep learning based methods seem to be clear winners</a:t>
+              <a:t>Again, deep learning-based methods seem to be clear winners</a:t>
             </a:r>
           </a:p>
           <a:p>
@@ -21530,7 +21006,7 @@
             <a:fld id="{29AAD378-655A-49C6-813C-9FD132EF7440}" type="slidenum">
               <a:rPr lang="en-US" smtClean="0"/>
               <a:pPr/>
-              <a:t>42</a:t>
+              <a:t>40</a:t>
             </a:fld>
             <a:endParaRPr lang="en-US" dirty="0"/>
           </a:p>
@@ -21549,7 +21025,7 @@
 </p:sld>
 </file>
 
-<file path=ppt/slides/slide43.xml><?xml version="1.0" encoding="utf-8"?>
+<file path=ppt/slides/slide41.xml><?xml version="1.0" encoding="utf-8"?>
 <p:sld xmlns:a="http://schemas.openxmlformats.org/drawingml/2006/main" xmlns:r="http://schemas.openxmlformats.org/officeDocument/2006/relationships" xmlns:p="http://schemas.openxmlformats.org/presentationml/2006/main">
   <p:cSld>
     <p:spTree>
@@ -22296,7 +21772,7 @@
             <a:fld id="{29AAD378-655A-49C6-813C-9FD132EF7440}" type="slidenum">
               <a:rPr lang="en-US" smtClean="0"/>
               <a:pPr/>
-              <a:t>43</a:t>
+              <a:t>41</a:t>
             </a:fld>
             <a:endParaRPr lang="en-US" dirty="0"/>
           </a:p>
@@ -23633,7 +23109,7 @@
 </p:sld>
 </file>
 
-<file path=ppt/slides/slide44.xml><?xml version="1.0" encoding="utf-8"?>
+<file path=ppt/slides/slide42.xml><?xml version="1.0" encoding="utf-8"?>
 <p:sld xmlns:a="http://schemas.openxmlformats.org/drawingml/2006/main" xmlns:r="http://schemas.openxmlformats.org/officeDocument/2006/relationships" xmlns:p="http://schemas.openxmlformats.org/presentationml/2006/main">
   <p:cSld>
     <p:spTree>
@@ -24292,7 +23768,7 @@
             <a:fld id="{29AAD378-655A-49C6-813C-9FD132EF7440}" type="slidenum">
               <a:rPr lang="en-US" smtClean="0"/>
               <a:pPr/>
-              <a:t>44</a:t>
+              <a:t>42</a:t>
             </a:fld>
             <a:endParaRPr lang="en-US" dirty="0"/>
           </a:p>
@@ -24311,7 +23787,7 @@
 </p:sld>
 </file>
 
-<file path=ppt/slides/slide45.xml><?xml version="1.0" encoding="utf-8"?>
+<file path=ppt/slides/slide43.xml><?xml version="1.0" encoding="utf-8"?>
 <p:sld xmlns:a="http://schemas.openxmlformats.org/drawingml/2006/main" xmlns:r="http://schemas.openxmlformats.org/officeDocument/2006/relationships" xmlns:p="http://schemas.openxmlformats.org/presentationml/2006/main">
   <p:cSld>
     <p:spTree>
@@ -24459,7 +23935,7 @@
             <a:fld id="{29AAD378-655A-49C6-813C-9FD132EF7440}" type="slidenum">
               <a:rPr lang="en-US" smtClean="0"/>
               <a:pPr/>
-              <a:t>45</a:t>
+              <a:t>43</a:t>
             </a:fld>
             <a:endParaRPr lang="en-US" dirty="0"/>
           </a:p>
@@ -24478,7 +23954,7 @@
 </p:sld>
 </file>
 
-<file path=ppt/slides/slide46.xml><?xml version="1.0" encoding="utf-8"?>
+<file path=ppt/slides/slide44.xml><?xml version="1.0" encoding="utf-8"?>
 <p:sld xmlns:a="http://schemas.openxmlformats.org/drawingml/2006/main" xmlns:r="http://schemas.openxmlformats.org/officeDocument/2006/relationships" xmlns:p="http://schemas.openxmlformats.org/presentationml/2006/main">
   <p:cSld>
     <p:spTree>
@@ -24612,7 +24088,7 @@
             <a:fld id="{29AAD378-655A-49C6-813C-9FD132EF7440}" type="slidenum">
               <a:rPr lang="en-US" smtClean="0"/>
               <a:pPr/>
-              <a:t>46</a:t>
+              <a:t>44</a:t>
             </a:fld>
             <a:endParaRPr lang="en-US" dirty="0"/>
           </a:p>
@@ -24822,7 +24298,7 @@
 </p:sld>
 </file>
 
-<file path=ppt/slides/slide47.xml><?xml version="1.0" encoding="utf-8"?>
+<file path=ppt/slides/slide45.xml><?xml version="1.0" encoding="utf-8"?>
 <p:sld xmlns:a="http://schemas.openxmlformats.org/drawingml/2006/main" xmlns:r="http://schemas.openxmlformats.org/officeDocument/2006/relationships" xmlns:p="http://schemas.openxmlformats.org/presentationml/2006/main">
   <p:cSld>
     <p:spTree>
@@ -25442,7 +24918,7 @@
             <a:fld id="{29AAD378-655A-49C6-813C-9FD132EF7440}" type="slidenum">
               <a:rPr lang="en-US" smtClean="0"/>
               <a:pPr/>
-              <a:t>47</a:t>
+              <a:t>45</a:t>
             </a:fld>
             <a:endParaRPr lang="en-US" dirty="0"/>
           </a:p>
@@ -25461,7 +24937,7 @@
 </p:sld>
 </file>
 
-<file path=ppt/slides/slide48.xml><?xml version="1.0" encoding="utf-8"?>
+<file path=ppt/slides/slide46.xml><?xml version="1.0" encoding="utf-8"?>
 <p:sld xmlns:a="http://schemas.openxmlformats.org/drawingml/2006/main" xmlns:r="http://schemas.openxmlformats.org/officeDocument/2006/relationships" xmlns:p="http://schemas.openxmlformats.org/presentationml/2006/main">
   <p:cSld>
     <p:spTree>
@@ -25497,7 +24973,7 @@
         <p:spPr/>
         <p:txBody>
           <a:bodyPr>
-            <a:normAutofit fontScale="92500"/>
+            <a:normAutofit lnSpcReduction="10000"/>
           </a:bodyPr>
           <a:lstStyle/>
           <a:p>
@@ -25603,7 +25079,7 @@
             <a:fld id="{29AAD378-655A-49C6-813C-9FD132EF7440}" type="slidenum">
               <a:rPr lang="en-US" smtClean="0"/>
               <a:pPr/>
-              <a:t>48</a:t>
+              <a:t>46</a:t>
             </a:fld>
             <a:endParaRPr lang="en-US" dirty="0"/>
           </a:p>
@@ -25622,7 +25098,7 @@
 </p:sld>
 </file>
 
-<file path=ppt/slides/slide49.xml><?xml version="1.0" encoding="utf-8"?>
+<file path=ppt/slides/slide47.xml><?xml version="1.0" encoding="utf-8"?>
 <p:sld xmlns:a="http://schemas.openxmlformats.org/drawingml/2006/main" xmlns:r="http://schemas.openxmlformats.org/officeDocument/2006/relationships" xmlns:p="http://schemas.openxmlformats.org/presentationml/2006/main">
   <p:cSld>
     <p:spTree>
@@ -25763,7 +25239,7 @@
             <a:fld id="{29AAD378-655A-49C6-813C-9FD132EF7440}" type="slidenum">
               <a:rPr lang="en-US" smtClean="0"/>
               <a:pPr/>
-              <a:t>49</a:t>
+              <a:t>47</a:t>
             </a:fld>
             <a:endParaRPr lang="en-US" dirty="0"/>
           </a:p>
@@ -25782,602 +25258,7 @@
 </p:sld>
 </file>
 
-<file path=ppt/slides/slide5.xml><?xml version="1.0" encoding="utf-8"?>
-<p:sld xmlns:a="http://schemas.openxmlformats.org/drawingml/2006/main" xmlns:r="http://schemas.openxmlformats.org/officeDocument/2006/relationships" xmlns:p="http://schemas.openxmlformats.org/presentationml/2006/main">
-  <p:cSld>
-    <p:spTree>
-      <p:nvGrpSpPr>
-        <p:cNvPr id="1" name=""/>
-        <p:cNvGrpSpPr/>
-        <p:nvPr/>
-      </p:nvGrpSpPr>
-      <p:grpSpPr>
-        <a:xfrm>
-          <a:off x="0" y="0"/>
-          <a:ext cx="0" cy="0"/>
-          <a:chOff x="0" y="0"/>
-          <a:chExt cx="0" cy="0"/>
-        </a:xfrm>
-      </p:grpSpPr>
-      <p:sp>
-        <p:nvSpPr>
-          <p:cNvPr id="2" name="Content Placeholder 1">
-            <a:extLst>
-              <a:ext uri="{FF2B5EF4-FFF2-40B4-BE49-F238E27FC236}">
-                <a16:creationId xmlns:a16="http://schemas.microsoft.com/office/drawing/2014/main" id="{AA231211-076B-43AC-A394-653A28392A7D}"/>
-              </a:ext>
-            </a:extLst>
-          </p:cNvPr>
-          <p:cNvSpPr>
-            <a:spLocks noGrp="1"/>
-          </p:cNvSpPr>
-          <p:nvPr>
-            <p:ph idx="1"/>
-          </p:nvPr>
-        </p:nvSpPr>
-        <p:spPr>
-          <a:xfrm>
-            <a:off x="3358497" y="1332703"/>
-            <a:ext cx="8507271" cy="4351338"/>
-          </a:xfrm>
-        </p:spPr>
-        <p:txBody>
-          <a:bodyPr/>
-          <a:lstStyle/>
-          <a:p>
-            <a:r>
-              <a:rPr lang="en-US" dirty="0"/>
-              <a:t>Many things fall under the vague category of perception, list to the left is not complete</a:t>
-            </a:r>
-          </a:p>
-          <a:p>
-            <a:r>
-              <a:rPr lang="en-US" dirty="0"/>
-              <a:t>Localization: </a:t>
-            </a:r>
-          </a:p>
-          <a:p>
-            <a:pPr lvl="1"/>
-            <a:r>
-              <a:rPr lang="en-US" dirty="0"/>
-              <a:t>Strongly connected to sensor fusion</a:t>
-            </a:r>
-          </a:p>
-          <a:p>
-            <a:pPr lvl="1"/>
-            <a:r>
-              <a:rPr lang="en-US" dirty="0"/>
-              <a:t>May use algorithms such as </a:t>
-            </a:r>
-            <a:r>
-              <a:rPr lang="en-US" i="1" dirty="0"/>
-              <a:t>particle filters </a:t>
-            </a:r>
-            <a:r>
-              <a:rPr lang="en-US" dirty="0"/>
-              <a:t>in addition to Kalman filter</a:t>
-            </a:r>
-          </a:p>
-          <a:p>
-            <a:pPr lvl="1"/>
-            <a:r>
-              <a:rPr lang="en-US" dirty="0"/>
-              <a:t>Could further sub-divide into road-level localization in a map, or lane-level localization on a road, or localizing within a lane</a:t>
-            </a:r>
-          </a:p>
-        </p:txBody>
-      </p:sp>
-      <p:sp>
-        <p:nvSpPr>
-          <p:cNvPr id="3" name="Title 2">
-            <a:extLst>
-              <a:ext uri="{FF2B5EF4-FFF2-40B4-BE49-F238E27FC236}">
-                <a16:creationId xmlns:a16="http://schemas.microsoft.com/office/drawing/2014/main" id="{28292829-BAF5-417B-A253-A93430F11B95}"/>
-              </a:ext>
-            </a:extLst>
-          </p:cNvPr>
-          <p:cNvSpPr>
-            <a:spLocks noGrp="1"/>
-          </p:cNvSpPr>
-          <p:nvPr>
-            <p:ph type="title"/>
-          </p:nvPr>
-        </p:nvSpPr>
-        <p:spPr/>
-        <p:txBody>
-          <a:bodyPr/>
-          <a:lstStyle/>
-          <a:p>
-            <a:r>
-              <a:rPr lang="en-US" dirty="0"/>
-              <a:t>Perception</a:t>
-            </a:r>
-          </a:p>
-        </p:txBody>
-      </p:sp>
-      <p:sp>
-        <p:nvSpPr>
-          <p:cNvPr id="4" name="Slide Number Placeholder 3">
-            <a:extLst>
-              <a:ext uri="{FF2B5EF4-FFF2-40B4-BE49-F238E27FC236}">
-                <a16:creationId xmlns:a16="http://schemas.microsoft.com/office/drawing/2014/main" id="{51488BAA-154F-4097-8109-80AE99F9FFF2}"/>
-              </a:ext>
-            </a:extLst>
-          </p:cNvPr>
-          <p:cNvSpPr>
-            <a:spLocks noGrp="1"/>
-          </p:cNvSpPr>
-          <p:nvPr>
-            <p:ph type="sldNum" sz="quarter" idx="12"/>
-          </p:nvPr>
-        </p:nvSpPr>
-        <p:spPr/>
-        <p:txBody>
-          <a:bodyPr/>
-          <a:lstStyle/>
-          <a:p>
-            <a:fld id="{29AAD378-655A-49C6-813C-9FD132EF7440}" type="slidenum">
-              <a:rPr lang="en-US" smtClean="0"/>
-              <a:pPr/>
-              <a:t>5</a:t>
-            </a:fld>
-            <a:endParaRPr lang="en-US" dirty="0"/>
-          </a:p>
-        </p:txBody>
-      </p:sp>
-      <p:sp>
-        <p:nvSpPr>
-          <p:cNvPr id="5" name="Rectangle 4">
-            <a:extLst>
-              <a:ext uri="{FF2B5EF4-FFF2-40B4-BE49-F238E27FC236}">
-                <a16:creationId xmlns:a16="http://schemas.microsoft.com/office/drawing/2014/main" id="{DD4818D2-4DF7-46DA-B565-E94AA89CD87F}"/>
-              </a:ext>
-            </a:extLst>
-          </p:cNvPr>
-          <p:cNvSpPr/>
-          <p:nvPr/>
-        </p:nvSpPr>
-        <p:spPr>
-          <a:xfrm>
-            <a:off x="469066" y="1332703"/>
-            <a:ext cx="2630184" cy="4351338"/>
-          </a:xfrm>
-          <a:prstGeom prst="rect">
-            <a:avLst/>
-          </a:prstGeom>
-          <a:noFill/>
-        </p:spPr>
-        <p:style>
-          <a:lnRef idx="2">
-            <a:schemeClr val="accent5"/>
-          </a:lnRef>
-          <a:fillRef idx="1">
-            <a:schemeClr val="lt1"/>
-          </a:fillRef>
-          <a:effectRef idx="0">
-            <a:schemeClr val="accent5"/>
-          </a:effectRef>
-          <a:fontRef idx="minor">
-            <a:schemeClr val="dk1"/>
-          </a:fontRef>
-        </p:style>
-        <p:txBody>
-          <a:bodyPr rtlCol="0" anchor="ctr"/>
-          <a:lstStyle/>
-          <a:p>
-            <a:pPr algn="ctr"/>
-            <a:endParaRPr lang="en-US" sz="3600" dirty="0"/>
-          </a:p>
-        </p:txBody>
-      </p:sp>
-      <p:sp>
-        <p:nvSpPr>
-          <p:cNvPr id="6" name="Rectangle 5">
-            <a:extLst>
-              <a:ext uri="{FF2B5EF4-FFF2-40B4-BE49-F238E27FC236}">
-                <a16:creationId xmlns:a16="http://schemas.microsoft.com/office/drawing/2014/main" id="{1A363C2A-7FE6-4376-A65B-AED7FCCEA9FC}"/>
-              </a:ext>
-            </a:extLst>
-          </p:cNvPr>
-          <p:cNvSpPr/>
-          <p:nvPr/>
-        </p:nvSpPr>
-        <p:spPr>
-          <a:xfrm>
-            <a:off x="604810" y="1500892"/>
-            <a:ext cx="2322414" cy="563060"/>
-          </a:xfrm>
-          <a:prstGeom prst="rect">
-            <a:avLst/>
-          </a:prstGeom>
-        </p:spPr>
-        <p:style>
-          <a:lnRef idx="2">
-            <a:schemeClr val="accent2"/>
-          </a:lnRef>
-          <a:fillRef idx="1">
-            <a:schemeClr val="lt1"/>
-          </a:fillRef>
-          <a:effectRef idx="0">
-            <a:schemeClr val="accent2"/>
-          </a:effectRef>
-          <a:fontRef idx="minor">
-            <a:schemeClr val="dk1"/>
-          </a:fontRef>
-        </p:style>
-        <p:txBody>
-          <a:bodyPr rtlCol="0" anchor="ctr"/>
-          <a:lstStyle/>
-          <a:p>
-            <a:pPr algn="ctr"/>
-            <a:r>
-              <a:rPr lang="en-US" sz="2400" dirty="0"/>
-              <a:t>Localization</a:t>
-            </a:r>
-          </a:p>
-        </p:txBody>
-      </p:sp>
-      <p:sp>
-        <p:nvSpPr>
-          <p:cNvPr id="7" name="Rectangle 6">
-            <a:extLst>
-              <a:ext uri="{FF2B5EF4-FFF2-40B4-BE49-F238E27FC236}">
-                <a16:creationId xmlns:a16="http://schemas.microsoft.com/office/drawing/2014/main" id="{326EF8C4-0D25-4D48-A802-6D742FE60C52}"/>
-              </a:ext>
-            </a:extLst>
-          </p:cNvPr>
-          <p:cNvSpPr/>
-          <p:nvPr/>
-        </p:nvSpPr>
-        <p:spPr>
-          <a:xfrm>
-            <a:off x="604810" y="3038818"/>
-            <a:ext cx="2322414" cy="563060"/>
-          </a:xfrm>
-          <a:prstGeom prst="rect">
-            <a:avLst/>
-          </a:prstGeom>
-        </p:spPr>
-        <p:style>
-          <a:lnRef idx="2">
-            <a:schemeClr val="accent2"/>
-          </a:lnRef>
-          <a:fillRef idx="1">
-            <a:schemeClr val="lt1"/>
-          </a:fillRef>
-          <a:effectRef idx="0">
-            <a:schemeClr val="accent2"/>
-          </a:effectRef>
-          <a:fontRef idx="minor">
-            <a:schemeClr val="dk1"/>
-          </a:fontRef>
-        </p:style>
-        <p:txBody>
-          <a:bodyPr rtlCol="0" anchor="ctr"/>
-          <a:lstStyle/>
-          <a:p>
-            <a:pPr algn="ctr"/>
-            <a:r>
-              <a:rPr lang="en-US" sz="2400" dirty="0"/>
-              <a:t>Object Tracking</a:t>
-            </a:r>
-          </a:p>
-        </p:txBody>
-      </p:sp>
-      <p:sp>
-        <p:nvSpPr>
-          <p:cNvPr id="8" name="Rectangle 7">
-            <a:extLst>
-              <a:ext uri="{FF2B5EF4-FFF2-40B4-BE49-F238E27FC236}">
-                <a16:creationId xmlns:a16="http://schemas.microsoft.com/office/drawing/2014/main" id="{DB7AC5E2-1868-4AE9-A91C-5BA2445EB49C}"/>
-              </a:ext>
-            </a:extLst>
-          </p:cNvPr>
-          <p:cNvSpPr/>
-          <p:nvPr/>
-        </p:nvSpPr>
-        <p:spPr>
-          <a:xfrm>
-            <a:off x="604810" y="2269855"/>
-            <a:ext cx="2322414" cy="563060"/>
-          </a:xfrm>
-          <a:prstGeom prst="rect">
-            <a:avLst/>
-          </a:prstGeom>
-        </p:spPr>
-        <p:style>
-          <a:lnRef idx="2">
-            <a:schemeClr val="accent2"/>
-          </a:lnRef>
-          <a:fillRef idx="1">
-            <a:schemeClr val="lt1"/>
-          </a:fillRef>
-          <a:effectRef idx="0">
-            <a:schemeClr val="accent2"/>
-          </a:effectRef>
-          <a:fontRef idx="minor">
-            <a:schemeClr val="dk1"/>
-          </a:fontRef>
-        </p:style>
-        <p:txBody>
-          <a:bodyPr rtlCol="0" anchor="ctr"/>
-          <a:lstStyle/>
-          <a:p>
-            <a:pPr algn="ctr"/>
-            <a:r>
-              <a:rPr lang="en-US" sz="2400" dirty="0"/>
-              <a:t>Object Detection</a:t>
-            </a:r>
-          </a:p>
-        </p:txBody>
-      </p:sp>
-      <p:sp>
-        <p:nvSpPr>
-          <p:cNvPr id="9" name="Rectangle 8">
-            <a:extLst>
-              <a:ext uri="{FF2B5EF4-FFF2-40B4-BE49-F238E27FC236}">
-                <a16:creationId xmlns:a16="http://schemas.microsoft.com/office/drawing/2014/main" id="{2A2E85E2-FB35-4706-BA49-2C525A3A6B03}"/>
-              </a:ext>
-            </a:extLst>
-          </p:cNvPr>
-          <p:cNvSpPr/>
-          <p:nvPr/>
-        </p:nvSpPr>
-        <p:spPr>
-          <a:xfrm>
-            <a:off x="604810" y="3807780"/>
-            <a:ext cx="2322414" cy="563060"/>
-          </a:xfrm>
-          <a:prstGeom prst="rect">
-            <a:avLst/>
-          </a:prstGeom>
-        </p:spPr>
-        <p:style>
-          <a:lnRef idx="2">
-            <a:schemeClr val="accent2"/>
-          </a:lnRef>
-          <a:fillRef idx="1">
-            <a:schemeClr val="lt1"/>
-          </a:fillRef>
-          <a:effectRef idx="0">
-            <a:schemeClr val="accent2"/>
-          </a:effectRef>
-          <a:fontRef idx="minor">
-            <a:schemeClr val="dk1"/>
-          </a:fontRef>
-        </p:style>
-        <p:txBody>
-          <a:bodyPr rtlCol="0" anchor="ctr"/>
-          <a:lstStyle/>
-          <a:p>
-            <a:pPr algn="ctr"/>
-            <a:r>
-              <a:rPr lang="en-US" sz="2000" dirty="0"/>
-              <a:t>Traffic recognition</a:t>
-            </a:r>
-          </a:p>
-        </p:txBody>
-      </p:sp>
-      <p:sp>
-        <p:nvSpPr>
-          <p:cNvPr id="10" name="Rectangle 9">
-            <a:extLst>
-              <a:ext uri="{FF2B5EF4-FFF2-40B4-BE49-F238E27FC236}">
-                <a16:creationId xmlns:a16="http://schemas.microsoft.com/office/drawing/2014/main" id="{A6DFE93A-83F3-40C2-8A5C-3A5FF0756C2B}"/>
-              </a:ext>
-            </a:extLst>
-          </p:cNvPr>
-          <p:cNvSpPr/>
-          <p:nvPr/>
-        </p:nvSpPr>
-        <p:spPr>
-          <a:xfrm>
-            <a:off x="604810" y="4576742"/>
-            <a:ext cx="2322414" cy="563060"/>
-          </a:xfrm>
-          <a:prstGeom prst="rect">
-            <a:avLst/>
-          </a:prstGeom>
-        </p:spPr>
-        <p:style>
-          <a:lnRef idx="2">
-            <a:schemeClr val="accent2"/>
-          </a:lnRef>
-          <a:fillRef idx="1">
-            <a:schemeClr val="lt1"/>
-          </a:fillRef>
-          <a:effectRef idx="0">
-            <a:schemeClr val="accent2"/>
-          </a:effectRef>
-          <a:fontRef idx="minor">
-            <a:schemeClr val="dk1"/>
-          </a:fontRef>
-        </p:style>
-        <p:txBody>
-          <a:bodyPr rtlCol="0" anchor="ctr"/>
-          <a:lstStyle/>
-          <a:p>
-            <a:pPr algn="ctr"/>
-            <a:r>
-              <a:rPr lang="en-US" sz="2000" dirty="0"/>
-              <a:t>Road topology identification</a:t>
-            </a:r>
-          </a:p>
-        </p:txBody>
-      </p:sp>
-      <p:grpSp>
-        <p:nvGrpSpPr>
-          <p:cNvPr id="11" name="Group 10">
-            <a:extLst>
-              <a:ext uri="{FF2B5EF4-FFF2-40B4-BE49-F238E27FC236}">
-                <a16:creationId xmlns:a16="http://schemas.microsoft.com/office/drawing/2014/main" id="{AC0B971B-4192-46B2-B54C-04453337AB2B}"/>
-              </a:ext>
-            </a:extLst>
-          </p:cNvPr>
-          <p:cNvGrpSpPr/>
-          <p:nvPr/>
-        </p:nvGrpSpPr>
-        <p:grpSpPr>
-          <a:xfrm>
-            <a:off x="1195393" y="5373292"/>
-            <a:ext cx="1141248" cy="152005"/>
-            <a:chOff x="1254266" y="5381320"/>
-            <a:chExt cx="1141248" cy="152005"/>
-          </a:xfrm>
-        </p:grpSpPr>
-        <p:sp>
-          <p:nvSpPr>
-            <p:cNvPr id="12" name="Oval 11">
-              <a:extLst>
-                <a:ext uri="{FF2B5EF4-FFF2-40B4-BE49-F238E27FC236}">
-                  <a16:creationId xmlns:a16="http://schemas.microsoft.com/office/drawing/2014/main" id="{55271646-91C4-4552-836E-22DA88B3DB7A}"/>
-                </a:ext>
-              </a:extLst>
-            </p:cNvPr>
-            <p:cNvSpPr/>
-            <p:nvPr/>
-          </p:nvSpPr>
-          <p:spPr>
-            <a:xfrm>
-              <a:off x="1254266" y="5387732"/>
-              <a:ext cx="178024" cy="137565"/>
-            </a:xfrm>
-            <a:prstGeom prst="ellipse">
-              <a:avLst/>
-            </a:prstGeom>
-          </p:spPr>
-          <p:style>
-            <a:lnRef idx="2">
-              <a:schemeClr val="accent2">
-                <a:shade val="50000"/>
-              </a:schemeClr>
-            </a:lnRef>
-            <a:fillRef idx="1">
-              <a:schemeClr val="accent2"/>
-            </a:fillRef>
-            <a:effectRef idx="0">
-              <a:schemeClr val="accent2"/>
-            </a:effectRef>
-            <a:fontRef idx="minor">
-              <a:schemeClr val="lt1"/>
-            </a:fontRef>
-          </p:style>
-          <p:txBody>
-            <a:bodyPr rtlCol="0" anchor="ctr"/>
-            <a:lstStyle/>
-            <a:p>
-              <a:pPr algn="ctr"/>
-              <a:endParaRPr lang="en-US"/>
-            </a:p>
-          </p:txBody>
-        </p:sp>
-        <p:sp>
-          <p:nvSpPr>
-            <p:cNvPr id="13" name="Oval 12">
-              <a:extLst>
-                <a:ext uri="{FF2B5EF4-FFF2-40B4-BE49-F238E27FC236}">
-                  <a16:creationId xmlns:a16="http://schemas.microsoft.com/office/drawing/2014/main" id="{B78B28DA-E4E9-498C-B455-4EBF808F04B9}"/>
-                </a:ext>
-              </a:extLst>
-            </p:cNvPr>
-            <p:cNvSpPr/>
-            <p:nvPr/>
-          </p:nvSpPr>
-          <p:spPr>
-            <a:xfrm>
-              <a:off x="1735878" y="5395760"/>
-              <a:ext cx="178024" cy="137565"/>
-            </a:xfrm>
-            <a:prstGeom prst="ellipse">
-              <a:avLst/>
-            </a:prstGeom>
-          </p:spPr>
-          <p:style>
-            <a:lnRef idx="2">
-              <a:schemeClr val="accent2">
-                <a:shade val="50000"/>
-              </a:schemeClr>
-            </a:lnRef>
-            <a:fillRef idx="1">
-              <a:schemeClr val="accent2"/>
-            </a:fillRef>
-            <a:effectRef idx="0">
-              <a:schemeClr val="accent2"/>
-            </a:effectRef>
-            <a:fontRef idx="minor">
-              <a:schemeClr val="lt1"/>
-            </a:fontRef>
-          </p:style>
-          <p:txBody>
-            <a:bodyPr rtlCol="0" anchor="ctr"/>
-            <a:lstStyle/>
-            <a:p>
-              <a:pPr algn="ctr"/>
-              <a:endParaRPr lang="en-US"/>
-            </a:p>
-          </p:txBody>
-        </p:sp>
-        <p:sp>
-          <p:nvSpPr>
-            <p:cNvPr id="14" name="Oval 13">
-              <a:extLst>
-                <a:ext uri="{FF2B5EF4-FFF2-40B4-BE49-F238E27FC236}">
-                  <a16:creationId xmlns:a16="http://schemas.microsoft.com/office/drawing/2014/main" id="{EA23C39D-205C-4AE1-B2BF-E88AA86BDDBF}"/>
-                </a:ext>
-              </a:extLst>
-            </p:cNvPr>
-            <p:cNvSpPr/>
-            <p:nvPr/>
-          </p:nvSpPr>
-          <p:spPr>
-            <a:xfrm>
-              <a:off x="2217490" y="5381320"/>
-              <a:ext cx="178024" cy="137565"/>
-            </a:xfrm>
-            <a:prstGeom prst="ellipse">
-              <a:avLst/>
-            </a:prstGeom>
-          </p:spPr>
-          <p:style>
-            <a:lnRef idx="2">
-              <a:schemeClr val="accent2">
-                <a:shade val="50000"/>
-              </a:schemeClr>
-            </a:lnRef>
-            <a:fillRef idx="1">
-              <a:schemeClr val="accent2"/>
-            </a:fillRef>
-            <a:effectRef idx="0">
-              <a:schemeClr val="accent2"/>
-            </a:effectRef>
-            <a:fontRef idx="minor">
-              <a:schemeClr val="lt1"/>
-            </a:fontRef>
-          </p:style>
-          <p:txBody>
-            <a:bodyPr rtlCol="0" anchor="ctr"/>
-            <a:lstStyle/>
-            <a:p>
-              <a:pPr algn="ctr"/>
-              <a:endParaRPr lang="en-US"/>
-            </a:p>
-          </p:txBody>
-        </p:sp>
-      </p:grpSp>
-    </p:spTree>
-    <p:extLst>
-      <p:ext uri="{BB962C8B-B14F-4D97-AF65-F5344CB8AC3E}">
-        <p14:creationId xmlns:p14="http://schemas.microsoft.com/office/powerpoint/2010/main" val="3961675270"/>
-      </p:ext>
-    </p:extLst>
-  </p:cSld>
-  <p:clrMapOvr>
-    <a:masterClrMapping/>
-  </p:clrMapOvr>
-</p:sld>
-</file>
-
-<file path=ppt/slides/slide50.xml><?xml version="1.0" encoding="utf-8"?>
+<file path=ppt/slides/slide48.xml><?xml version="1.0" encoding="utf-8"?>
 <p:sld xmlns:a="http://schemas.openxmlformats.org/drawingml/2006/main" xmlns:r="http://schemas.openxmlformats.org/officeDocument/2006/relationships" xmlns:p="http://schemas.openxmlformats.org/presentationml/2006/main">
   <p:cSld>
     <p:spTree>
@@ -26679,7 +25560,7 @@
             <a:fld id="{29AAD378-655A-49C6-813C-9FD132EF7440}" type="slidenum">
               <a:rPr lang="en-US" smtClean="0"/>
               <a:pPr/>
-              <a:t>50</a:t>
+              <a:t>48</a:t>
             </a:fld>
             <a:endParaRPr lang="en-US" dirty="0"/>
           </a:p>
@@ -26698,7 +25579,7 @@
 </p:sld>
 </file>
 
-<file path=ppt/slides/slide51.xml><?xml version="1.0" encoding="utf-8"?>
+<file path=ppt/slides/slide49.xml><?xml version="1.0" encoding="utf-8"?>
 <p:sld xmlns:a="http://schemas.openxmlformats.org/drawingml/2006/main" xmlns:r="http://schemas.openxmlformats.org/officeDocument/2006/relationships" xmlns:p="http://schemas.openxmlformats.org/presentationml/2006/main">
   <p:cSld>
     <p:spTree>
@@ -26816,7 +25697,7 @@
             <a:fld id="{29AAD378-655A-49C6-813C-9FD132EF7440}" type="slidenum">
               <a:rPr lang="en-US" smtClean="0"/>
               <a:pPr/>
-              <a:t>51</a:t>
+              <a:t>49</a:t>
             </a:fld>
             <a:endParaRPr lang="en-US" dirty="0"/>
           </a:p>
@@ -27480,7 +26361,602 @@
 </p:sld>
 </file>
 
-<file path=ppt/slides/slide52.xml><?xml version="1.0" encoding="utf-8"?>
+<file path=ppt/slides/slide5.xml><?xml version="1.0" encoding="utf-8"?>
+<p:sld xmlns:a="http://schemas.openxmlformats.org/drawingml/2006/main" xmlns:r="http://schemas.openxmlformats.org/officeDocument/2006/relationships" xmlns:p="http://schemas.openxmlformats.org/presentationml/2006/main" show="0">
+  <p:cSld>
+    <p:spTree>
+      <p:nvGrpSpPr>
+        <p:cNvPr id="1" name=""/>
+        <p:cNvGrpSpPr/>
+        <p:nvPr/>
+      </p:nvGrpSpPr>
+      <p:grpSpPr>
+        <a:xfrm>
+          <a:off x="0" y="0"/>
+          <a:ext cx="0" cy="0"/>
+          <a:chOff x="0" y="0"/>
+          <a:chExt cx="0" cy="0"/>
+        </a:xfrm>
+      </p:grpSpPr>
+      <p:sp>
+        <p:nvSpPr>
+          <p:cNvPr id="2" name="Content Placeholder 1">
+            <a:extLst>
+              <a:ext uri="{FF2B5EF4-FFF2-40B4-BE49-F238E27FC236}">
+                <a16:creationId xmlns:a16="http://schemas.microsoft.com/office/drawing/2014/main" id="{AA231211-076B-43AC-A394-653A28392A7D}"/>
+              </a:ext>
+            </a:extLst>
+          </p:cNvPr>
+          <p:cNvSpPr>
+            <a:spLocks noGrp="1"/>
+          </p:cNvSpPr>
+          <p:nvPr>
+            <p:ph idx="1"/>
+          </p:nvPr>
+        </p:nvSpPr>
+        <p:spPr>
+          <a:xfrm>
+            <a:off x="3358497" y="1332703"/>
+            <a:ext cx="8507271" cy="4351338"/>
+          </a:xfrm>
+        </p:spPr>
+        <p:txBody>
+          <a:bodyPr/>
+          <a:lstStyle/>
+          <a:p>
+            <a:r>
+              <a:rPr lang="en-US" dirty="0"/>
+              <a:t>Many things fall under the vague category of perception, list to the left is not complete</a:t>
+            </a:r>
+          </a:p>
+          <a:p>
+            <a:r>
+              <a:rPr lang="en-US" dirty="0"/>
+              <a:t>Localization: </a:t>
+            </a:r>
+          </a:p>
+          <a:p>
+            <a:pPr lvl="1"/>
+            <a:r>
+              <a:rPr lang="en-US" dirty="0"/>
+              <a:t>Strongly connected to sensor fusion</a:t>
+            </a:r>
+          </a:p>
+          <a:p>
+            <a:pPr lvl="1"/>
+            <a:r>
+              <a:rPr lang="en-US" dirty="0"/>
+              <a:t>May use algorithms such as </a:t>
+            </a:r>
+            <a:r>
+              <a:rPr lang="en-US" i="1" dirty="0"/>
+              <a:t>particle filters </a:t>
+            </a:r>
+            <a:r>
+              <a:rPr lang="en-US" dirty="0"/>
+              <a:t>in addition to Kalman filter</a:t>
+            </a:r>
+          </a:p>
+          <a:p>
+            <a:pPr lvl="1"/>
+            <a:r>
+              <a:rPr lang="en-US" dirty="0"/>
+              <a:t>Could further sub-divide into road-level localization in a map, or lane-level localization on a road, or localizing within a lane</a:t>
+            </a:r>
+          </a:p>
+        </p:txBody>
+      </p:sp>
+      <p:sp>
+        <p:nvSpPr>
+          <p:cNvPr id="3" name="Title 2">
+            <a:extLst>
+              <a:ext uri="{FF2B5EF4-FFF2-40B4-BE49-F238E27FC236}">
+                <a16:creationId xmlns:a16="http://schemas.microsoft.com/office/drawing/2014/main" id="{28292829-BAF5-417B-A253-A93430F11B95}"/>
+              </a:ext>
+            </a:extLst>
+          </p:cNvPr>
+          <p:cNvSpPr>
+            <a:spLocks noGrp="1"/>
+          </p:cNvSpPr>
+          <p:nvPr>
+            <p:ph type="title"/>
+          </p:nvPr>
+        </p:nvSpPr>
+        <p:spPr/>
+        <p:txBody>
+          <a:bodyPr/>
+          <a:lstStyle/>
+          <a:p>
+            <a:r>
+              <a:rPr lang="en-US" dirty="0"/>
+              <a:t>Perception</a:t>
+            </a:r>
+          </a:p>
+        </p:txBody>
+      </p:sp>
+      <p:sp>
+        <p:nvSpPr>
+          <p:cNvPr id="4" name="Slide Number Placeholder 3">
+            <a:extLst>
+              <a:ext uri="{FF2B5EF4-FFF2-40B4-BE49-F238E27FC236}">
+                <a16:creationId xmlns:a16="http://schemas.microsoft.com/office/drawing/2014/main" id="{51488BAA-154F-4097-8109-80AE99F9FFF2}"/>
+              </a:ext>
+            </a:extLst>
+          </p:cNvPr>
+          <p:cNvSpPr>
+            <a:spLocks noGrp="1"/>
+          </p:cNvSpPr>
+          <p:nvPr>
+            <p:ph type="sldNum" sz="quarter" idx="12"/>
+          </p:nvPr>
+        </p:nvSpPr>
+        <p:spPr/>
+        <p:txBody>
+          <a:bodyPr/>
+          <a:lstStyle/>
+          <a:p>
+            <a:fld id="{29AAD378-655A-49C6-813C-9FD132EF7440}" type="slidenum">
+              <a:rPr lang="en-US" smtClean="0"/>
+              <a:pPr/>
+              <a:t>5</a:t>
+            </a:fld>
+            <a:endParaRPr lang="en-US" dirty="0"/>
+          </a:p>
+        </p:txBody>
+      </p:sp>
+      <p:sp>
+        <p:nvSpPr>
+          <p:cNvPr id="5" name="Rectangle 4">
+            <a:extLst>
+              <a:ext uri="{FF2B5EF4-FFF2-40B4-BE49-F238E27FC236}">
+                <a16:creationId xmlns:a16="http://schemas.microsoft.com/office/drawing/2014/main" id="{DD4818D2-4DF7-46DA-B565-E94AA89CD87F}"/>
+              </a:ext>
+            </a:extLst>
+          </p:cNvPr>
+          <p:cNvSpPr/>
+          <p:nvPr/>
+        </p:nvSpPr>
+        <p:spPr>
+          <a:xfrm>
+            <a:off x="469066" y="1332703"/>
+            <a:ext cx="2630184" cy="4351338"/>
+          </a:xfrm>
+          <a:prstGeom prst="rect">
+            <a:avLst/>
+          </a:prstGeom>
+          <a:noFill/>
+        </p:spPr>
+        <p:style>
+          <a:lnRef idx="2">
+            <a:schemeClr val="accent5"/>
+          </a:lnRef>
+          <a:fillRef idx="1">
+            <a:schemeClr val="lt1"/>
+          </a:fillRef>
+          <a:effectRef idx="0">
+            <a:schemeClr val="accent5"/>
+          </a:effectRef>
+          <a:fontRef idx="minor">
+            <a:schemeClr val="dk1"/>
+          </a:fontRef>
+        </p:style>
+        <p:txBody>
+          <a:bodyPr rtlCol="0" anchor="ctr"/>
+          <a:lstStyle/>
+          <a:p>
+            <a:pPr algn="ctr"/>
+            <a:endParaRPr lang="en-US" sz="3600" dirty="0"/>
+          </a:p>
+        </p:txBody>
+      </p:sp>
+      <p:sp>
+        <p:nvSpPr>
+          <p:cNvPr id="6" name="Rectangle 5">
+            <a:extLst>
+              <a:ext uri="{FF2B5EF4-FFF2-40B4-BE49-F238E27FC236}">
+                <a16:creationId xmlns:a16="http://schemas.microsoft.com/office/drawing/2014/main" id="{1A363C2A-7FE6-4376-A65B-AED7FCCEA9FC}"/>
+              </a:ext>
+            </a:extLst>
+          </p:cNvPr>
+          <p:cNvSpPr/>
+          <p:nvPr/>
+        </p:nvSpPr>
+        <p:spPr>
+          <a:xfrm>
+            <a:off x="604810" y="1500892"/>
+            <a:ext cx="2322414" cy="563060"/>
+          </a:xfrm>
+          <a:prstGeom prst="rect">
+            <a:avLst/>
+          </a:prstGeom>
+        </p:spPr>
+        <p:style>
+          <a:lnRef idx="2">
+            <a:schemeClr val="accent2"/>
+          </a:lnRef>
+          <a:fillRef idx="1">
+            <a:schemeClr val="lt1"/>
+          </a:fillRef>
+          <a:effectRef idx="0">
+            <a:schemeClr val="accent2"/>
+          </a:effectRef>
+          <a:fontRef idx="minor">
+            <a:schemeClr val="dk1"/>
+          </a:fontRef>
+        </p:style>
+        <p:txBody>
+          <a:bodyPr rtlCol="0" anchor="ctr"/>
+          <a:lstStyle/>
+          <a:p>
+            <a:pPr algn="ctr"/>
+            <a:r>
+              <a:rPr lang="en-US" sz="2400" dirty="0"/>
+              <a:t>Localization</a:t>
+            </a:r>
+          </a:p>
+        </p:txBody>
+      </p:sp>
+      <p:sp>
+        <p:nvSpPr>
+          <p:cNvPr id="7" name="Rectangle 6">
+            <a:extLst>
+              <a:ext uri="{FF2B5EF4-FFF2-40B4-BE49-F238E27FC236}">
+                <a16:creationId xmlns:a16="http://schemas.microsoft.com/office/drawing/2014/main" id="{326EF8C4-0D25-4D48-A802-6D742FE60C52}"/>
+              </a:ext>
+            </a:extLst>
+          </p:cNvPr>
+          <p:cNvSpPr/>
+          <p:nvPr/>
+        </p:nvSpPr>
+        <p:spPr>
+          <a:xfrm>
+            <a:off x="604810" y="3038818"/>
+            <a:ext cx="2322414" cy="563060"/>
+          </a:xfrm>
+          <a:prstGeom prst="rect">
+            <a:avLst/>
+          </a:prstGeom>
+        </p:spPr>
+        <p:style>
+          <a:lnRef idx="2">
+            <a:schemeClr val="accent2"/>
+          </a:lnRef>
+          <a:fillRef idx="1">
+            <a:schemeClr val="lt1"/>
+          </a:fillRef>
+          <a:effectRef idx="0">
+            <a:schemeClr val="accent2"/>
+          </a:effectRef>
+          <a:fontRef idx="minor">
+            <a:schemeClr val="dk1"/>
+          </a:fontRef>
+        </p:style>
+        <p:txBody>
+          <a:bodyPr rtlCol="0" anchor="ctr"/>
+          <a:lstStyle/>
+          <a:p>
+            <a:pPr algn="ctr"/>
+            <a:r>
+              <a:rPr lang="en-US" sz="2400" dirty="0"/>
+              <a:t>Object Tracking</a:t>
+            </a:r>
+          </a:p>
+        </p:txBody>
+      </p:sp>
+      <p:sp>
+        <p:nvSpPr>
+          <p:cNvPr id="8" name="Rectangle 7">
+            <a:extLst>
+              <a:ext uri="{FF2B5EF4-FFF2-40B4-BE49-F238E27FC236}">
+                <a16:creationId xmlns:a16="http://schemas.microsoft.com/office/drawing/2014/main" id="{DB7AC5E2-1868-4AE9-A91C-5BA2445EB49C}"/>
+              </a:ext>
+            </a:extLst>
+          </p:cNvPr>
+          <p:cNvSpPr/>
+          <p:nvPr/>
+        </p:nvSpPr>
+        <p:spPr>
+          <a:xfrm>
+            <a:off x="604810" y="2269855"/>
+            <a:ext cx="2322414" cy="563060"/>
+          </a:xfrm>
+          <a:prstGeom prst="rect">
+            <a:avLst/>
+          </a:prstGeom>
+        </p:spPr>
+        <p:style>
+          <a:lnRef idx="2">
+            <a:schemeClr val="accent2"/>
+          </a:lnRef>
+          <a:fillRef idx="1">
+            <a:schemeClr val="lt1"/>
+          </a:fillRef>
+          <a:effectRef idx="0">
+            <a:schemeClr val="accent2"/>
+          </a:effectRef>
+          <a:fontRef idx="minor">
+            <a:schemeClr val="dk1"/>
+          </a:fontRef>
+        </p:style>
+        <p:txBody>
+          <a:bodyPr rtlCol="0" anchor="ctr"/>
+          <a:lstStyle/>
+          <a:p>
+            <a:pPr algn="ctr"/>
+            <a:r>
+              <a:rPr lang="en-US" sz="2400" dirty="0"/>
+              <a:t>Object Detection</a:t>
+            </a:r>
+          </a:p>
+        </p:txBody>
+      </p:sp>
+      <p:sp>
+        <p:nvSpPr>
+          <p:cNvPr id="9" name="Rectangle 8">
+            <a:extLst>
+              <a:ext uri="{FF2B5EF4-FFF2-40B4-BE49-F238E27FC236}">
+                <a16:creationId xmlns:a16="http://schemas.microsoft.com/office/drawing/2014/main" id="{2A2E85E2-FB35-4706-BA49-2C525A3A6B03}"/>
+              </a:ext>
+            </a:extLst>
+          </p:cNvPr>
+          <p:cNvSpPr/>
+          <p:nvPr/>
+        </p:nvSpPr>
+        <p:spPr>
+          <a:xfrm>
+            <a:off x="604810" y="3807780"/>
+            <a:ext cx="2322414" cy="563060"/>
+          </a:xfrm>
+          <a:prstGeom prst="rect">
+            <a:avLst/>
+          </a:prstGeom>
+        </p:spPr>
+        <p:style>
+          <a:lnRef idx="2">
+            <a:schemeClr val="accent2"/>
+          </a:lnRef>
+          <a:fillRef idx="1">
+            <a:schemeClr val="lt1"/>
+          </a:fillRef>
+          <a:effectRef idx="0">
+            <a:schemeClr val="accent2"/>
+          </a:effectRef>
+          <a:fontRef idx="minor">
+            <a:schemeClr val="dk1"/>
+          </a:fontRef>
+        </p:style>
+        <p:txBody>
+          <a:bodyPr rtlCol="0" anchor="ctr"/>
+          <a:lstStyle/>
+          <a:p>
+            <a:pPr algn="ctr"/>
+            <a:r>
+              <a:rPr lang="en-US" sz="2000" dirty="0"/>
+              <a:t>Traffic recognition</a:t>
+            </a:r>
+          </a:p>
+        </p:txBody>
+      </p:sp>
+      <p:sp>
+        <p:nvSpPr>
+          <p:cNvPr id="10" name="Rectangle 9">
+            <a:extLst>
+              <a:ext uri="{FF2B5EF4-FFF2-40B4-BE49-F238E27FC236}">
+                <a16:creationId xmlns:a16="http://schemas.microsoft.com/office/drawing/2014/main" id="{A6DFE93A-83F3-40C2-8A5C-3A5FF0756C2B}"/>
+              </a:ext>
+            </a:extLst>
+          </p:cNvPr>
+          <p:cNvSpPr/>
+          <p:nvPr/>
+        </p:nvSpPr>
+        <p:spPr>
+          <a:xfrm>
+            <a:off x="604810" y="4576742"/>
+            <a:ext cx="2322414" cy="563060"/>
+          </a:xfrm>
+          <a:prstGeom prst="rect">
+            <a:avLst/>
+          </a:prstGeom>
+        </p:spPr>
+        <p:style>
+          <a:lnRef idx="2">
+            <a:schemeClr val="accent2"/>
+          </a:lnRef>
+          <a:fillRef idx="1">
+            <a:schemeClr val="lt1"/>
+          </a:fillRef>
+          <a:effectRef idx="0">
+            <a:schemeClr val="accent2"/>
+          </a:effectRef>
+          <a:fontRef idx="minor">
+            <a:schemeClr val="dk1"/>
+          </a:fontRef>
+        </p:style>
+        <p:txBody>
+          <a:bodyPr rtlCol="0" anchor="ctr"/>
+          <a:lstStyle/>
+          <a:p>
+            <a:pPr algn="ctr"/>
+            <a:r>
+              <a:rPr lang="en-US" sz="2000" dirty="0"/>
+              <a:t>Road topology identification</a:t>
+            </a:r>
+          </a:p>
+        </p:txBody>
+      </p:sp>
+      <p:grpSp>
+        <p:nvGrpSpPr>
+          <p:cNvPr id="11" name="Group 10">
+            <a:extLst>
+              <a:ext uri="{FF2B5EF4-FFF2-40B4-BE49-F238E27FC236}">
+                <a16:creationId xmlns:a16="http://schemas.microsoft.com/office/drawing/2014/main" id="{AC0B971B-4192-46B2-B54C-04453337AB2B}"/>
+              </a:ext>
+            </a:extLst>
+          </p:cNvPr>
+          <p:cNvGrpSpPr/>
+          <p:nvPr/>
+        </p:nvGrpSpPr>
+        <p:grpSpPr>
+          <a:xfrm>
+            <a:off x="1195393" y="5373292"/>
+            <a:ext cx="1141248" cy="152005"/>
+            <a:chOff x="1254266" y="5381320"/>
+            <a:chExt cx="1141248" cy="152005"/>
+          </a:xfrm>
+        </p:grpSpPr>
+        <p:sp>
+          <p:nvSpPr>
+            <p:cNvPr id="12" name="Oval 11">
+              <a:extLst>
+                <a:ext uri="{FF2B5EF4-FFF2-40B4-BE49-F238E27FC236}">
+                  <a16:creationId xmlns:a16="http://schemas.microsoft.com/office/drawing/2014/main" id="{55271646-91C4-4552-836E-22DA88B3DB7A}"/>
+                </a:ext>
+              </a:extLst>
+            </p:cNvPr>
+            <p:cNvSpPr/>
+            <p:nvPr/>
+          </p:nvSpPr>
+          <p:spPr>
+            <a:xfrm>
+              <a:off x="1254266" y="5387732"/>
+              <a:ext cx="178024" cy="137565"/>
+            </a:xfrm>
+            <a:prstGeom prst="ellipse">
+              <a:avLst/>
+            </a:prstGeom>
+          </p:spPr>
+          <p:style>
+            <a:lnRef idx="2">
+              <a:schemeClr val="accent2">
+                <a:shade val="50000"/>
+              </a:schemeClr>
+            </a:lnRef>
+            <a:fillRef idx="1">
+              <a:schemeClr val="accent2"/>
+            </a:fillRef>
+            <a:effectRef idx="0">
+              <a:schemeClr val="accent2"/>
+            </a:effectRef>
+            <a:fontRef idx="minor">
+              <a:schemeClr val="lt1"/>
+            </a:fontRef>
+          </p:style>
+          <p:txBody>
+            <a:bodyPr rtlCol="0" anchor="ctr"/>
+            <a:lstStyle/>
+            <a:p>
+              <a:pPr algn="ctr"/>
+              <a:endParaRPr lang="en-US"/>
+            </a:p>
+          </p:txBody>
+        </p:sp>
+        <p:sp>
+          <p:nvSpPr>
+            <p:cNvPr id="13" name="Oval 12">
+              <a:extLst>
+                <a:ext uri="{FF2B5EF4-FFF2-40B4-BE49-F238E27FC236}">
+                  <a16:creationId xmlns:a16="http://schemas.microsoft.com/office/drawing/2014/main" id="{B78B28DA-E4E9-498C-B455-4EBF808F04B9}"/>
+                </a:ext>
+              </a:extLst>
+            </p:cNvPr>
+            <p:cNvSpPr/>
+            <p:nvPr/>
+          </p:nvSpPr>
+          <p:spPr>
+            <a:xfrm>
+              <a:off x="1735878" y="5395760"/>
+              <a:ext cx="178024" cy="137565"/>
+            </a:xfrm>
+            <a:prstGeom prst="ellipse">
+              <a:avLst/>
+            </a:prstGeom>
+          </p:spPr>
+          <p:style>
+            <a:lnRef idx="2">
+              <a:schemeClr val="accent2">
+                <a:shade val="50000"/>
+              </a:schemeClr>
+            </a:lnRef>
+            <a:fillRef idx="1">
+              <a:schemeClr val="accent2"/>
+            </a:fillRef>
+            <a:effectRef idx="0">
+              <a:schemeClr val="accent2"/>
+            </a:effectRef>
+            <a:fontRef idx="minor">
+              <a:schemeClr val="lt1"/>
+            </a:fontRef>
+          </p:style>
+          <p:txBody>
+            <a:bodyPr rtlCol="0" anchor="ctr"/>
+            <a:lstStyle/>
+            <a:p>
+              <a:pPr algn="ctr"/>
+              <a:endParaRPr lang="en-US"/>
+            </a:p>
+          </p:txBody>
+        </p:sp>
+        <p:sp>
+          <p:nvSpPr>
+            <p:cNvPr id="14" name="Oval 13">
+              <a:extLst>
+                <a:ext uri="{FF2B5EF4-FFF2-40B4-BE49-F238E27FC236}">
+                  <a16:creationId xmlns:a16="http://schemas.microsoft.com/office/drawing/2014/main" id="{EA23C39D-205C-4AE1-B2BF-E88AA86BDDBF}"/>
+                </a:ext>
+              </a:extLst>
+            </p:cNvPr>
+            <p:cNvSpPr/>
+            <p:nvPr/>
+          </p:nvSpPr>
+          <p:spPr>
+            <a:xfrm>
+              <a:off x="2217490" y="5381320"/>
+              <a:ext cx="178024" cy="137565"/>
+            </a:xfrm>
+            <a:prstGeom prst="ellipse">
+              <a:avLst/>
+            </a:prstGeom>
+          </p:spPr>
+          <p:style>
+            <a:lnRef idx="2">
+              <a:schemeClr val="accent2">
+                <a:shade val="50000"/>
+              </a:schemeClr>
+            </a:lnRef>
+            <a:fillRef idx="1">
+              <a:schemeClr val="accent2"/>
+            </a:fillRef>
+            <a:effectRef idx="0">
+              <a:schemeClr val="accent2"/>
+            </a:effectRef>
+            <a:fontRef idx="minor">
+              <a:schemeClr val="lt1"/>
+            </a:fontRef>
+          </p:style>
+          <p:txBody>
+            <a:bodyPr rtlCol="0" anchor="ctr"/>
+            <a:lstStyle/>
+            <a:p>
+              <a:pPr algn="ctr"/>
+              <a:endParaRPr lang="en-US"/>
+            </a:p>
+          </p:txBody>
+        </p:sp>
+      </p:grpSp>
+    </p:spTree>
+    <p:extLst>
+      <p:ext uri="{BB962C8B-B14F-4D97-AF65-F5344CB8AC3E}">
+        <p14:creationId xmlns:p14="http://schemas.microsoft.com/office/powerpoint/2010/main" val="3961675270"/>
+      </p:ext>
+    </p:extLst>
+  </p:cSld>
+  <p:clrMapOvr>
+    <a:masterClrMapping/>
+  </p:clrMapOvr>
+</p:sld>
+</file>
+
+<file path=ppt/slides/slide50.xml><?xml version="1.0" encoding="utf-8"?>
 <p:sld xmlns:a="http://schemas.openxmlformats.org/drawingml/2006/main" xmlns:r="http://schemas.openxmlformats.org/officeDocument/2006/relationships" xmlns:p="http://schemas.openxmlformats.org/presentationml/2006/main">
   <p:cSld>
     <p:spTree>
@@ -27526,7 +27002,7 @@
           <a:p>
             <a:r>
               <a:rPr lang="en-US" dirty="0"/>
-              <a:t>E.g. max pooling reports maximum output within a rectangular neighborhood</a:t>
+              <a:t>E.g., max pooling reports maximum output within a rectangular neighborhood</a:t>
             </a:r>
           </a:p>
           <a:p>
@@ -27546,13 +27022,13 @@
           <a:p>
             <a:r>
               <a:rPr lang="en-US" dirty="0"/>
-              <a:t>Pooling helps representation approximately invariant to small translations </a:t>
+              <a:t>Pooling helps representation be approximately invariant to small translations </a:t>
             </a:r>
           </a:p>
           <a:p>
             <a:r>
               <a:rPr lang="en-US" dirty="0"/>
-              <a:t>By pooling over outputs of different convolutions, features can learn which transformations to become invariant to (e.g. rotation etc.)</a:t>
+              <a:t>By pooling over outputs of different convolutions, features can learn which transformations to become invariant to (e.g., rotation etc.)</a:t>
             </a:r>
           </a:p>
         </p:txBody>
@@ -27609,7 +27085,7 @@
             <a:fld id="{29AAD378-655A-49C6-813C-9FD132EF7440}" type="slidenum">
               <a:rPr lang="en-US" smtClean="0"/>
               <a:pPr/>
-              <a:t>52</a:t>
+              <a:t>50</a:t>
             </a:fld>
             <a:endParaRPr lang="en-US" dirty="0"/>
           </a:p>
@@ -27628,7 +27104,7 @@
 </p:sld>
 </file>
 
-<file path=ppt/slides/slide53.xml><?xml version="1.0" encoding="utf-8"?>
+<file path=ppt/slides/slide51.xml><?xml version="1.0" encoding="utf-8"?>
 <p:sld xmlns:a="http://schemas.openxmlformats.org/drawingml/2006/main" xmlns:r="http://schemas.openxmlformats.org/officeDocument/2006/relationships" xmlns:p="http://schemas.openxmlformats.org/presentationml/2006/main">
   <p:cSld>
     <p:spTree>
@@ -27743,7 +27219,7 @@
             <a:fld id="{29AAD378-655A-49C6-813C-9FD132EF7440}" type="slidenum">
               <a:rPr lang="en-US" smtClean="0"/>
               <a:pPr/>
-              <a:t>53</a:t>
+              <a:t>51</a:t>
             </a:fld>
             <a:endParaRPr lang="en-US" dirty="0"/>
           </a:p>
@@ -27762,7 +27238,7 @@
 </p:sld>
 </file>
 
-<file path=ppt/slides/slide54.xml><?xml version="1.0" encoding="utf-8"?>
+<file path=ppt/slides/slide52.xml><?xml version="1.0" encoding="utf-8"?>
 <p:sld xmlns:a="http://schemas.openxmlformats.org/drawingml/2006/main" xmlns:r="http://schemas.openxmlformats.org/officeDocument/2006/relationships" xmlns:p="http://schemas.openxmlformats.org/presentationml/2006/main">
   <p:cSld>
     <p:spTree>
@@ -27905,7 +27381,7 @@
             <a:fld id="{29AAD378-655A-49C6-813C-9FD132EF7440}" type="slidenum">
               <a:rPr lang="en-US" smtClean="0"/>
               <a:pPr/>
-              <a:t>54</a:t>
+              <a:t>52</a:t>
             </a:fld>
             <a:endParaRPr lang="en-US" dirty="0"/>
           </a:p>
@@ -27924,7 +27400,7 @@
 </p:sld>
 </file>
 
-<file path=ppt/slides/slide55.xml><?xml version="1.0" encoding="utf-8"?>
+<file path=ppt/slides/slide53.xml><?xml version="1.0" encoding="utf-8"?>
 <p:sld xmlns:a="http://schemas.openxmlformats.org/drawingml/2006/main" xmlns:r="http://schemas.openxmlformats.org/officeDocument/2006/relationships" xmlns:p="http://schemas.openxmlformats.org/presentationml/2006/main">
   <p:cSld>
     <p:spTree>
@@ -28049,7 +27525,7 @@
             <a:fld id="{29AAD378-655A-49C6-813C-9FD132EF7440}" type="slidenum">
               <a:rPr lang="en-US" smtClean="0"/>
               <a:pPr/>
-              <a:t>55</a:t>
+              <a:t>53</a:t>
             </a:fld>
             <a:endParaRPr lang="en-US" dirty="0"/>
           </a:p>
@@ -28097,7 +27573,7 @@
 </p:sld>
 </file>
 
-<file path=ppt/slides/slide56.xml><?xml version="1.0" encoding="utf-8"?>
+<file path=ppt/slides/slide54.xml><?xml version="1.0" encoding="utf-8"?>
 <p:sld xmlns:a="http://schemas.openxmlformats.org/drawingml/2006/main" xmlns:r="http://schemas.openxmlformats.org/officeDocument/2006/relationships" xmlns:p="http://schemas.openxmlformats.org/presentationml/2006/main">
   <p:cSld>
     <p:spTree>
@@ -28233,7 +27709,7 @@
             <a:fld id="{29AAD378-655A-49C6-813C-9FD132EF7440}" type="slidenum">
               <a:rPr lang="en-US" smtClean="0"/>
               <a:pPr/>
-              <a:t>56</a:t>
+              <a:t>54</a:t>
             </a:fld>
             <a:endParaRPr lang="en-US" dirty="0"/>
           </a:p>
@@ -28281,7 +27757,7 @@
 </p:sld>
 </file>
 
-<file path=ppt/slides/slide57.xml><?xml version="1.0" encoding="utf-8"?>
+<file path=ppt/slides/slide55.xml><?xml version="1.0" encoding="utf-8"?>
 <p:sld xmlns:a="http://schemas.openxmlformats.org/drawingml/2006/main" xmlns:r="http://schemas.openxmlformats.org/officeDocument/2006/relationships" xmlns:p="http://schemas.openxmlformats.org/presentationml/2006/main">
   <p:cSld>
     <p:spTree>
@@ -28403,7 +27879,7 @@
             <a:fld id="{29AAD378-655A-49C6-813C-9FD132EF7440}" type="slidenum">
               <a:rPr lang="en-US" smtClean="0"/>
               <a:pPr/>
-              <a:t>57</a:t>
+              <a:t>55</a:t>
             </a:fld>
             <a:endParaRPr lang="en-US" dirty="0"/>
           </a:p>
@@ -28422,7 +27898,7 @@
 </p:sld>
 </file>
 
-<file path=ppt/slides/slide58.xml><?xml version="1.0" encoding="utf-8"?>
+<file path=ppt/slides/slide56.xml><?xml version="1.0" encoding="utf-8"?>
 <p:sld xmlns:a="http://schemas.openxmlformats.org/drawingml/2006/main" xmlns:r="http://schemas.openxmlformats.org/officeDocument/2006/relationships" xmlns:p="http://schemas.openxmlformats.org/presentationml/2006/main">
   <p:cSld>
     <p:spTree>
@@ -28543,7 +28019,7 @@
             <a:fld id="{29AAD378-655A-49C6-813C-9FD132EF7440}" type="slidenum">
               <a:rPr lang="en-US" smtClean="0"/>
               <a:pPr/>
-              <a:t>58</a:t>
+              <a:t>56</a:t>
             </a:fld>
             <a:endParaRPr lang="en-US" dirty="0"/>
           </a:p>
@@ -28592,7 +28068,7 @@
 </p:sld>
 </file>
 
-<file path=ppt/slides/slide59.xml><?xml version="1.0" encoding="utf-8"?>
+<file path=ppt/slides/slide57.xml><?xml version="1.0" encoding="utf-8"?>
 <p:sld xmlns:a="http://schemas.openxmlformats.org/drawingml/2006/main" xmlns:r="http://schemas.openxmlformats.org/officeDocument/2006/relationships" xmlns:p="http://schemas.openxmlformats.org/presentationml/2006/main">
   <p:cSld>
     <p:spTree>
@@ -28718,7 +28194,7 @@
             <a:fld id="{29AAD378-655A-49C6-813C-9FD132EF7440}" type="slidenum">
               <a:rPr lang="en-US" smtClean="0"/>
               <a:pPr/>
-              <a:t>59</a:t>
+              <a:t>57</a:t>
             </a:fld>
             <a:endParaRPr lang="en-US" dirty="0"/>
           </a:p>
@@ -28737,8 +28213,309 @@
 </p:sld>
 </file>
 
+<file path=ppt/slides/slide58.xml><?xml version="1.0" encoding="utf-8"?>
+<p:sld xmlns:a="http://schemas.openxmlformats.org/drawingml/2006/main" xmlns:r="http://schemas.openxmlformats.org/officeDocument/2006/relationships" xmlns:p="http://schemas.openxmlformats.org/presentationml/2006/main">
+  <p:cSld>
+    <p:spTree>
+      <p:nvGrpSpPr>
+        <p:cNvPr id="1" name=""/>
+        <p:cNvGrpSpPr/>
+        <p:nvPr/>
+      </p:nvGrpSpPr>
+      <p:grpSpPr>
+        <a:xfrm>
+          <a:off x="0" y="0"/>
+          <a:ext cx="0" cy="0"/>
+          <a:chOff x="0" y="0"/>
+          <a:chExt cx="0" cy="0"/>
+        </a:xfrm>
+      </p:grpSpPr>
+      <p:sp>
+        <p:nvSpPr>
+          <p:cNvPr id="2" name="Content Placeholder 1">
+            <a:extLst>
+              <a:ext uri="{FF2B5EF4-FFF2-40B4-BE49-F238E27FC236}">
+                <a16:creationId xmlns:a16="http://schemas.microsoft.com/office/drawing/2014/main" id="{8B9B83DB-8312-4D6F-9459-DAA26C59A99E}"/>
+              </a:ext>
+            </a:extLst>
+          </p:cNvPr>
+          <p:cNvSpPr>
+            <a:spLocks noGrp="1"/>
+          </p:cNvSpPr>
+          <p:nvPr>
+            <p:ph idx="1"/>
+          </p:nvPr>
+        </p:nvSpPr>
+        <p:spPr/>
+        <p:txBody>
+          <a:bodyPr/>
+          <a:lstStyle/>
+          <a:p>
+            <a:r>
+              <a:rPr lang="en-US" dirty="0"/>
+              <a:t>Car moves reaching a new point of view of its location</a:t>
+            </a:r>
+          </a:p>
+          <a:p>
+            <a:pPr lvl="1"/>
+            <a:r>
+              <a:rPr lang="en-US" b="1" i="1" dirty="0"/>
+              <a:t>Motion model </a:t>
+            </a:r>
+            <a:r>
+              <a:rPr lang="en-US" dirty="0"/>
+              <a:t>captures car motion, but could be inaccurate because of actuation errors</a:t>
+            </a:r>
+          </a:p>
+          <a:p>
+            <a:r>
+              <a:rPr lang="en-US" dirty="0"/>
+              <a:t>Car discovers interesting features in the environment that need to be incorporated into the map</a:t>
+            </a:r>
+          </a:p>
+          <a:p>
+            <a:pPr lvl="1"/>
+            <a:r>
+              <a:rPr lang="en-US" dirty="0"/>
+              <a:t>Features are called landmarks; because of sensor errors, positions of landmarks will be uncertain. </a:t>
+            </a:r>
+          </a:p>
+          <a:p>
+            <a:pPr lvl="1"/>
+            <a:r>
+              <a:rPr lang="en-US" dirty="0"/>
+              <a:t>Mathematical model to determine position of landmarks from observation is called </a:t>
+            </a:r>
+            <a:r>
+              <a:rPr lang="en-US" b="1" i="1" dirty="0"/>
+              <a:t>inverse observation model</a:t>
+            </a:r>
+            <a:endParaRPr lang="en-US" dirty="0"/>
+          </a:p>
+          <a:p>
+            <a:endParaRPr lang="en-US" dirty="0"/>
+          </a:p>
+        </p:txBody>
+      </p:sp>
+      <p:sp>
+        <p:nvSpPr>
+          <p:cNvPr id="3" name="Title 2">
+            <a:extLst>
+              <a:ext uri="{FF2B5EF4-FFF2-40B4-BE49-F238E27FC236}">
+                <a16:creationId xmlns:a16="http://schemas.microsoft.com/office/drawing/2014/main" id="{618AFCBF-EC40-4E2A-B8A2-76A49AB50393}"/>
+              </a:ext>
+            </a:extLst>
+          </p:cNvPr>
+          <p:cNvSpPr>
+            <a:spLocks noGrp="1"/>
+          </p:cNvSpPr>
+          <p:nvPr>
+            <p:ph type="title"/>
+          </p:nvPr>
+        </p:nvSpPr>
+        <p:spPr/>
+        <p:txBody>
+          <a:bodyPr/>
+          <a:lstStyle/>
+          <a:p>
+            <a:r>
+              <a:rPr lang="en-US" dirty="0"/>
+              <a:t>Main steps in SLAM</a:t>
+            </a:r>
+          </a:p>
+        </p:txBody>
+      </p:sp>
+      <p:sp>
+        <p:nvSpPr>
+          <p:cNvPr id="4" name="Slide Number Placeholder 3">
+            <a:extLst>
+              <a:ext uri="{FF2B5EF4-FFF2-40B4-BE49-F238E27FC236}">
+                <a16:creationId xmlns:a16="http://schemas.microsoft.com/office/drawing/2014/main" id="{DC1024D1-7E92-46EC-A398-90511710920C}"/>
+              </a:ext>
+            </a:extLst>
+          </p:cNvPr>
+          <p:cNvSpPr>
+            <a:spLocks noGrp="1"/>
+          </p:cNvSpPr>
+          <p:nvPr>
+            <p:ph type="sldNum" sz="quarter" idx="12"/>
+          </p:nvPr>
+        </p:nvSpPr>
+        <p:spPr/>
+        <p:txBody>
+          <a:bodyPr/>
+          <a:lstStyle/>
+          <a:p>
+            <a:fld id="{29AAD378-655A-49C6-813C-9FD132EF7440}" type="slidenum">
+              <a:rPr lang="en-US" smtClean="0"/>
+              <a:pPr/>
+              <a:t>58</a:t>
+            </a:fld>
+            <a:endParaRPr lang="en-US" dirty="0"/>
+          </a:p>
+        </p:txBody>
+      </p:sp>
+    </p:spTree>
+    <p:extLst>
+      <p:ext uri="{BB962C8B-B14F-4D97-AF65-F5344CB8AC3E}">
+        <p14:creationId xmlns:p14="http://schemas.microsoft.com/office/powerpoint/2010/main" val="2427386556"/>
+      </p:ext>
+    </p:extLst>
+  </p:cSld>
+  <p:clrMapOvr>
+    <a:masterClrMapping/>
+  </p:clrMapOvr>
+</p:sld>
+</file>
+
+<file path=ppt/slides/slide59.xml><?xml version="1.0" encoding="utf-8"?>
+<p:sld xmlns:a="http://schemas.openxmlformats.org/drawingml/2006/main" xmlns:r="http://schemas.openxmlformats.org/officeDocument/2006/relationships" xmlns:p="http://schemas.openxmlformats.org/presentationml/2006/main">
+  <p:cSld>
+    <p:spTree>
+      <p:nvGrpSpPr>
+        <p:cNvPr id="1" name=""/>
+        <p:cNvGrpSpPr/>
+        <p:nvPr/>
+      </p:nvGrpSpPr>
+      <p:grpSpPr>
+        <a:xfrm>
+          <a:off x="0" y="0"/>
+          <a:ext cx="0" cy="0"/>
+          <a:chOff x="0" y="0"/>
+          <a:chExt cx="0" cy="0"/>
+        </a:xfrm>
+      </p:grpSpPr>
+      <p:sp>
+        <p:nvSpPr>
+          <p:cNvPr id="2" name="Content Placeholder 1">
+            <a:extLst>
+              <a:ext uri="{FF2B5EF4-FFF2-40B4-BE49-F238E27FC236}">
+                <a16:creationId xmlns:a16="http://schemas.microsoft.com/office/drawing/2014/main" id="{3FFE3526-84A1-4040-BBDE-29448989D0CA}"/>
+              </a:ext>
+            </a:extLst>
+          </p:cNvPr>
+          <p:cNvSpPr>
+            <a:spLocks noGrp="1"/>
+          </p:cNvSpPr>
+          <p:nvPr>
+            <p:ph idx="1"/>
+          </p:nvPr>
+        </p:nvSpPr>
+        <p:spPr/>
+        <p:txBody>
+          <a:bodyPr/>
+          <a:lstStyle/>
+          <a:p>
+            <a:r>
+              <a:rPr lang="en-US" dirty="0"/>
+              <a:t>Car observes previously mapped landmarks and uses them to correct its self-localization and positions of landmarks in the map</a:t>
+            </a:r>
+          </a:p>
+          <a:p>
+            <a:pPr lvl="1"/>
+            <a:r>
+              <a:rPr lang="en-US" dirty="0"/>
+              <a:t>Localization and landmark uncertainties decrease</a:t>
+            </a:r>
+          </a:p>
+          <a:p>
+            <a:pPr lvl="1"/>
+            <a:r>
+              <a:rPr lang="en-US" dirty="0"/>
+              <a:t>Predict values of measurement from predicted landmark location and robot localization is called </a:t>
+            </a:r>
+            <a:r>
+              <a:rPr lang="en-US" b="1" i="1" dirty="0"/>
+              <a:t>direct observation model</a:t>
+            </a:r>
+          </a:p>
+          <a:p>
+            <a:r>
+              <a:rPr lang="en-US" dirty="0"/>
+              <a:t>SLAM = above three models + an estimator (Extended Kalman Filter is common)</a:t>
+            </a:r>
+          </a:p>
+          <a:p>
+            <a:r>
+              <a:rPr lang="en-US" dirty="0"/>
+              <a:t>Another perspective on SLAM is view it as a Bayesian filtering problem</a:t>
+            </a:r>
+          </a:p>
+        </p:txBody>
+      </p:sp>
+      <p:sp>
+        <p:nvSpPr>
+          <p:cNvPr id="3" name="Title 2">
+            <a:extLst>
+              <a:ext uri="{FF2B5EF4-FFF2-40B4-BE49-F238E27FC236}">
+                <a16:creationId xmlns:a16="http://schemas.microsoft.com/office/drawing/2014/main" id="{BF65A936-AE72-4D89-BD32-7910C4CDD731}"/>
+              </a:ext>
+            </a:extLst>
+          </p:cNvPr>
+          <p:cNvSpPr>
+            <a:spLocks noGrp="1"/>
+          </p:cNvSpPr>
+          <p:nvPr>
+            <p:ph type="title"/>
+          </p:nvPr>
+        </p:nvSpPr>
+        <p:spPr/>
+        <p:txBody>
+          <a:bodyPr/>
+          <a:lstStyle/>
+          <a:p>
+            <a:r>
+              <a:rPr lang="en-US" dirty="0"/>
+              <a:t>Main steps in SLAM (continued)</a:t>
+            </a:r>
+          </a:p>
+        </p:txBody>
+      </p:sp>
+      <p:sp>
+        <p:nvSpPr>
+          <p:cNvPr id="4" name="Slide Number Placeholder 3">
+            <a:extLst>
+              <a:ext uri="{FF2B5EF4-FFF2-40B4-BE49-F238E27FC236}">
+                <a16:creationId xmlns:a16="http://schemas.microsoft.com/office/drawing/2014/main" id="{256C3E72-06D5-4E02-9C3F-A8E3A2D7F8EF}"/>
+              </a:ext>
+            </a:extLst>
+          </p:cNvPr>
+          <p:cNvSpPr>
+            <a:spLocks noGrp="1"/>
+          </p:cNvSpPr>
+          <p:nvPr>
+            <p:ph type="sldNum" sz="quarter" idx="12"/>
+          </p:nvPr>
+        </p:nvSpPr>
+        <p:spPr/>
+        <p:txBody>
+          <a:bodyPr/>
+          <a:lstStyle/>
+          <a:p>
+            <a:fld id="{29AAD378-655A-49C6-813C-9FD132EF7440}" type="slidenum">
+              <a:rPr lang="en-US" smtClean="0"/>
+              <a:pPr/>
+              <a:t>59</a:t>
+            </a:fld>
+            <a:endParaRPr lang="en-US" dirty="0"/>
+          </a:p>
+        </p:txBody>
+      </p:sp>
+    </p:spTree>
+    <p:extLst>
+      <p:ext uri="{BB962C8B-B14F-4D97-AF65-F5344CB8AC3E}">
+        <p14:creationId xmlns:p14="http://schemas.microsoft.com/office/powerpoint/2010/main" val="2081108600"/>
+      </p:ext>
+    </p:extLst>
+  </p:cSld>
+  <p:clrMapOvr>
+    <a:masterClrMapping/>
+  </p:clrMapOvr>
+</p:sld>
+</file>
+
 <file path=ppt/slides/slide6.xml><?xml version="1.0" encoding="utf-8"?>
-<p:sld xmlns:a="http://schemas.openxmlformats.org/drawingml/2006/main" xmlns:r="http://schemas.openxmlformats.org/officeDocument/2006/relationships" xmlns:p="http://schemas.openxmlformats.org/presentationml/2006/main">
+<p:sld xmlns:a="http://schemas.openxmlformats.org/drawingml/2006/main" xmlns:r="http://schemas.openxmlformats.org/officeDocument/2006/relationships" xmlns:p="http://schemas.openxmlformats.org/presentationml/2006/main" show="0">
   <p:cSld>
     <p:spTree>
       <p:nvGrpSpPr>
@@ -29357,309 +29134,8 @@
           <a:chExt cx="0" cy="0"/>
         </a:xfrm>
       </p:grpSpPr>
-      <p:sp>
-        <p:nvSpPr>
-          <p:cNvPr id="2" name="Content Placeholder 1">
-            <a:extLst>
-              <a:ext uri="{FF2B5EF4-FFF2-40B4-BE49-F238E27FC236}">
-                <a16:creationId xmlns:a16="http://schemas.microsoft.com/office/drawing/2014/main" id="{8B9B83DB-8312-4D6F-9459-DAA26C59A99E}"/>
-              </a:ext>
-            </a:extLst>
-          </p:cNvPr>
-          <p:cNvSpPr>
-            <a:spLocks noGrp="1"/>
-          </p:cNvSpPr>
-          <p:nvPr>
-            <p:ph idx="1"/>
-          </p:nvPr>
-        </p:nvSpPr>
-        <p:spPr/>
-        <p:txBody>
-          <a:bodyPr/>
-          <a:lstStyle/>
-          <a:p>
-            <a:r>
-              <a:rPr lang="en-US" dirty="0"/>
-              <a:t>Car moves reaching a new point of view of its location</a:t>
-            </a:r>
-          </a:p>
-          <a:p>
-            <a:pPr lvl="1"/>
-            <a:r>
-              <a:rPr lang="en-US" b="1" i="1" dirty="0"/>
-              <a:t>Motion model </a:t>
-            </a:r>
-            <a:r>
-              <a:rPr lang="en-US" dirty="0"/>
-              <a:t>captures car motion, but could be inaccurate because of actuation errors</a:t>
-            </a:r>
-          </a:p>
-          <a:p>
-            <a:r>
-              <a:rPr lang="en-US" dirty="0"/>
-              <a:t>Car discovers interesting features in the environment that need to be incorporated into the map</a:t>
-            </a:r>
-          </a:p>
-          <a:p>
-            <a:pPr lvl="1"/>
-            <a:r>
-              <a:rPr lang="en-US" dirty="0"/>
-              <a:t>Features are called landmarks; because of sensor errors, positions of landmarks will be uncertain. </a:t>
-            </a:r>
-          </a:p>
-          <a:p>
-            <a:pPr lvl="1"/>
-            <a:r>
-              <a:rPr lang="en-US" dirty="0"/>
-              <a:t>Mathematical model to determine position of landmarks from observation is called </a:t>
-            </a:r>
-            <a:r>
-              <a:rPr lang="en-US" b="1" i="1" dirty="0"/>
-              <a:t>inverse observation model</a:t>
-            </a:r>
-            <a:endParaRPr lang="en-US" dirty="0"/>
-          </a:p>
-          <a:p>
-            <a:endParaRPr lang="en-US" dirty="0"/>
-          </a:p>
-        </p:txBody>
-      </p:sp>
-      <p:sp>
-        <p:nvSpPr>
-          <p:cNvPr id="3" name="Title 2">
-            <a:extLst>
-              <a:ext uri="{FF2B5EF4-FFF2-40B4-BE49-F238E27FC236}">
-                <a16:creationId xmlns:a16="http://schemas.microsoft.com/office/drawing/2014/main" id="{618AFCBF-EC40-4E2A-B8A2-76A49AB50393}"/>
-              </a:ext>
-            </a:extLst>
-          </p:cNvPr>
-          <p:cNvSpPr>
-            <a:spLocks noGrp="1"/>
-          </p:cNvSpPr>
-          <p:nvPr>
-            <p:ph type="title"/>
-          </p:nvPr>
-        </p:nvSpPr>
-        <p:spPr/>
-        <p:txBody>
-          <a:bodyPr/>
-          <a:lstStyle/>
-          <a:p>
-            <a:r>
-              <a:rPr lang="en-US" dirty="0"/>
-              <a:t>Main steps in SLAM</a:t>
-            </a:r>
-          </a:p>
-        </p:txBody>
-      </p:sp>
-      <p:sp>
-        <p:nvSpPr>
-          <p:cNvPr id="4" name="Slide Number Placeholder 3">
-            <a:extLst>
-              <a:ext uri="{FF2B5EF4-FFF2-40B4-BE49-F238E27FC236}">
-                <a16:creationId xmlns:a16="http://schemas.microsoft.com/office/drawing/2014/main" id="{DC1024D1-7E92-46EC-A398-90511710920C}"/>
-              </a:ext>
-            </a:extLst>
-          </p:cNvPr>
-          <p:cNvSpPr>
-            <a:spLocks noGrp="1"/>
-          </p:cNvSpPr>
-          <p:nvPr>
-            <p:ph type="sldNum" sz="quarter" idx="12"/>
-          </p:nvPr>
-        </p:nvSpPr>
-        <p:spPr/>
-        <p:txBody>
-          <a:bodyPr/>
-          <a:lstStyle/>
-          <a:p>
-            <a:fld id="{29AAD378-655A-49C6-813C-9FD132EF7440}" type="slidenum">
-              <a:rPr lang="en-US" smtClean="0"/>
-              <a:pPr/>
-              <a:t>60</a:t>
-            </a:fld>
-            <a:endParaRPr lang="en-US" dirty="0"/>
-          </a:p>
-        </p:txBody>
-      </p:sp>
-    </p:spTree>
-    <p:extLst>
-      <p:ext uri="{BB962C8B-B14F-4D97-AF65-F5344CB8AC3E}">
-        <p14:creationId xmlns:p14="http://schemas.microsoft.com/office/powerpoint/2010/main" val="2427386556"/>
-      </p:ext>
-    </p:extLst>
-  </p:cSld>
-  <p:clrMapOvr>
-    <a:masterClrMapping/>
-  </p:clrMapOvr>
-</p:sld>
-</file>
-
-<file path=ppt/slides/slide61.xml><?xml version="1.0" encoding="utf-8"?>
-<p:sld xmlns:a="http://schemas.openxmlformats.org/drawingml/2006/main" xmlns:r="http://schemas.openxmlformats.org/officeDocument/2006/relationships" xmlns:p="http://schemas.openxmlformats.org/presentationml/2006/main">
-  <p:cSld>
-    <p:spTree>
-      <p:nvGrpSpPr>
-        <p:cNvPr id="1" name=""/>
-        <p:cNvGrpSpPr/>
-        <p:nvPr/>
-      </p:nvGrpSpPr>
-      <p:grpSpPr>
-        <a:xfrm>
-          <a:off x="0" y="0"/>
-          <a:ext cx="0" cy="0"/>
-          <a:chOff x="0" y="0"/>
-          <a:chExt cx="0" cy="0"/>
-        </a:xfrm>
-      </p:grpSpPr>
-      <p:sp>
-        <p:nvSpPr>
-          <p:cNvPr id="2" name="Content Placeholder 1">
-            <a:extLst>
-              <a:ext uri="{FF2B5EF4-FFF2-40B4-BE49-F238E27FC236}">
-                <a16:creationId xmlns:a16="http://schemas.microsoft.com/office/drawing/2014/main" id="{3FFE3526-84A1-4040-BBDE-29448989D0CA}"/>
-              </a:ext>
-            </a:extLst>
-          </p:cNvPr>
-          <p:cNvSpPr>
-            <a:spLocks noGrp="1"/>
-          </p:cNvSpPr>
-          <p:nvPr>
-            <p:ph idx="1"/>
-          </p:nvPr>
-        </p:nvSpPr>
-        <p:spPr/>
-        <p:txBody>
-          <a:bodyPr/>
-          <a:lstStyle/>
-          <a:p>
-            <a:r>
-              <a:rPr lang="en-US" dirty="0"/>
-              <a:t>Car observes previously mapped landmarks and uses them to correct its self-localization and positions of landmarks in the map</a:t>
-            </a:r>
-          </a:p>
-          <a:p>
-            <a:pPr lvl="1"/>
-            <a:r>
-              <a:rPr lang="en-US" dirty="0"/>
-              <a:t>Localization and landmark uncertainties decrease</a:t>
-            </a:r>
-          </a:p>
-          <a:p>
-            <a:pPr lvl="1"/>
-            <a:r>
-              <a:rPr lang="en-US" dirty="0"/>
-              <a:t>Predict values of measurement from predicted landmark location and robot localization is called </a:t>
-            </a:r>
-            <a:r>
-              <a:rPr lang="en-US" b="1" i="1" dirty="0"/>
-              <a:t>direct observation model</a:t>
-            </a:r>
-          </a:p>
-          <a:p>
-            <a:r>
-              <a:rPr lang="en-US" dirty="0"/>
-              <a:t>SLAM = above three models + an estimator (Extended Kalman Filter is common)</a:t>
-            </a:r>
-          </a:p>
-          <a:p>
-            <a:r>
-              <a:rPr lang="en-US" dirty="0"/>
-              <a:t>Another perspective on SLAM is view it as a Bayesian filtering problem</a:t>
-            </a:r>
-          </a:p>
-        </p:txBody>
-      </p:sp>
-      <p:sp>
-        <p:nvSpPr>
-          <p:cNvPr id="3" name="Title 2">
-            <a:extLst>
-              <a:ext uri="{FF2B5EF4-FFF2-40B4-BE49-F238E27FC236}">
-                <a16:creationId xmlns:a16="http://schemas.microsoft.com/office/drawing/2014/main" id="{BF65A936-AE72-4D89-BD32-7910C4CDD731}"/>
-              </a:ext>
-            </a:extLst>
-          </p:cNvPr>
-          <p:cNvSpPr>
-            <a:spLocks noGrp="1"/>
-          </p:cNvSpPr>
-          <p:nvPr>
-            <p:ph type="title"/>
-          </p:nvPr>
-        </p:nvSpPr>
-        <p:spPr/>
-        <p:txBody>
-          <a:bodyPr/>
-          <a:lstStyle/>
-          <a:p>
-            <a:r>
-              <a:rPr lang="en-US" dirty="0"/>
-              <a:t>Main steps in SLAM (continued)</a:t>
-            </a:r>
-          </a:p>
-        </p:txBody>
-      </p:sp>
-      <p:sp>
-        <p:nvSpPr>
-          <p:cNvPr id="4" name="Slide Number Placeholder 3">
-            <a:extLst>
-              <a:ext uri="{FF2B5EF4-FFF2-40B4-BE49-F238E27FC236}">
-                <a16:creationId xmlns:a16="http://schemas.microsoft.com/office/drawing/2014/main" id="{256C3E72-06D5-4E02-9C3F-A8E3A2D7F8EF}"/>
-              </a:ext>
-            </a:extLst>
-          </p:cNvPr>
-          <p:cNvSpPr>
-            <a:spLocks noGrp="1"/>
-          </p:cNvSpPr>
-          <p:nvPr>
-            <p:ph type="sldNum" sz="quarter" idx="12"/>
-          </p:nvPr>
-        </p:nvSpPr>
-        <p:spPr/>
-        <p:txBody>
-          <a:bodyPr/>
-          <a:lstStyle/>
-          <a:p>
-            <a:fld id="{29AAD378-655A-49C6-813C-9FD132EF7440}" type="slidenum">
-              <a:rPr lang="en-US" smtClean="0"/>
-              <a:pPr/>
-              <a:t>61</a:t>
-            </a:fld>
-            <a:endParaRPr lang="en-US" dirty="0"/>
-          </a:p>
-        </p:txBody>
-      </p:sp>
-    </p:spTree>
-    <p:extLst>
-      <p:ext uri="{BB962C8B-B14F-4D97-AF65-F5344CB8AC3E}">
-        <p14:creationId xmlns:p14="http://schemas.microsoft.com/office/powerpoint/2010/main" val="2081108600"/>
-      </p:ext>
-    </p:extLst>
-  </p:cSld>
-  <p:clrMapOvr>
-    <a:masterClrMapping/>
-  </p:clrMapOvr>
-</p:sld>
-</file>
-
-<file path=ppt/slides/slide62.xml><?xml version="1.0" encoding="utf-8"?>
-<p:sld xmlns:a="http://schemas.openxmlformats.org/drawingml/2006/main" xmlns:r="http://schemas.openxmlformats.org/officeDocument/2006/relationships" xmlns:p="http://schemas.openxmlformats.org/presentationml/2006/main">
-  <p:cSld>
-    <p:spTree>
-      <p:nvGrpSpPr>
-        <p:cNvPr id="1" name=""/>
-        <p:cNvGrpSpPr/>
-        <p:nvPr/>
-      </p:nvGrpSpPr>
-      <p:grpSpPr>
-        <a:xfrm>
-          <a:off x="0" y="0"/>
-          <a:ext cx="0" cy="0"/>
-          <a:chOff x="0" y="0"/>
-          <a:chExt cx="0" cy="0"/>
-        </a:xfrm>
-      </p:grpSpPr>
-      <mc:AlternateContent xmlns:mc="http://schemas.openxmlformats.org/markup-compatibility/2006" xmlns:a14="http://schemas.microsoft.com/office/drawing/2010/main">
-        <mc:Choice Requires="a14">
+      <mc:AlternateContent xmlns:mc="http://schemas.openxmlformats.org/markup-compatibility/2006">
+        <mc:Choice xmlns:a14="http://schemas.microsoft.com/office/drawing/2010/main" Requires="a14">
           <p:sp>
             <p:nvSpPr>
               <p:cNvPr id="2" name="Content Placeholder 1">
@@ -29986,15 +29462,13 @@
               <a:p>
                 <a:r>
                   <a:rPr lang="en-US" dirty="0"/>
-                  <a:t>Rao-</a:t>
+                  <a:t>Rao-Blackwell Particle Filters (RBPF) is a particle filter approach which allows vehicle trajectory to be computed first and then the map to be constructed. </a:t>
                 </a:r>
-                <a:r>
-                  <a:rPr lang="en-US" dirty="0" err="1"/>
-                  <a:t>Blackwellized</a:t>
-                </a:r>
+              </a:p>
+              <a:p>
                 <a:r>
                   <a:rPr lang="en-US" dirty="0"/>
-                  <a:t> Particle Filters (RBPF) is a particle filter approach which allows vehicle trajectory to be computed first and then the map to be constructed. Basically it treats the vehicle as a particle and allows above probability to be expressed as follows:</a:t>
+                  <a:t>Treats the vehicle as a particle and allows above probability to be expressed as follows:</a:t>
                 </a:r>
               </a:p>
               <a:p>
@@ -30401,7 +29875,7 @@
             </p:txBody>
           </p:sp>
         </mc:Choice>
-        <mc:Fallback xmlns="">
+        <mc:Fallback>
           <p:sp>
             <p:nvSpPr>
               <p:cNvPr id="2" name="Content Placeholder 1">
@@ -30422,7 +29896,7 @@
               <a:blipFill>
                 <a:blip r:embed="rId2"/>
                 <a:stretch>
-                  <a:fillRect l="-625" t="-2945" b="-3226"/>
+                  <a:fillRect l="-625" t="-2628" r="-1407"/>
                 </a:stretch>
               </a:blipFill>
             </p:spPr>
@@ -30493,7 +29967,7 @@
             <a:fld id="{29AAD378-655A-49C6-813C-9FD132EF7440}" type="slidenum">
               <a:rPr lang="en-US" smtClean="0"/>
               <a:pPr/>
-              <a:t>62</a:t>
+              <a:t>60</a:t>
             </a:fld>
             <a:endParaRPr lang="en-US" dirty="0"/>
           </a:p>
@@ -30512,7 +29986,150 @@
 </p:sld>
 </file>
 
-<file path=ppt/slides/slide63.xml><?xml version="1.0" encoding="utf-8"?>
+<file path=ppt/slides/slide61.xml><?xml version="1.0" encoding="utf-8"?>
+<p:sld xmlns:a="http://schemas.openxmlformats.org/drawingml/2006/main" xmlns:r="http://schemas.openxmlformats.org/officeDocument/2006/relationships" xmlns:p="http://schemas.openxmlformats.org/presentationml/2006/main">
+  <p:cSld>
+    <p:spTree>
+      <p:nvGrpSpPr>
+        <p:cNvPr id="1" name=""/>
+        <p:cNvGrpSpPr/>
+        <p:nvPr/>
+      </p:nvGrpSpPr>
+      <p:grpSpPr>
+        <a:xfrm>
+          <a:off x="0" y="0"/>
+          <a:ext cx="0" cy="0"/>
+          <a:chOff x="0" y="0"/>
+          <a:chExt cx="0" cy="0"/>
+        </a:xfrm>
+      </p:grpSpPr>
+      <p:sp>
+        <p:nvSpPr>
+          <p:cNvPr id="2" name="Content Placeholder 1">
+            <a:extLst>
+              <a:ext uri="{FF2B5EF4-FFF2-40B4-BE49-F238E27FC236}">
+                <a16:creationId xmlns:a16="http://schemas.microsoft.com/office/drawing/2014/main" id="{EE58871E-DB14-44C2-A700-E025B28A4088}"/>
+              </a:ext>
+            </a:extLst>
+          </p:cNvPr>
+          <p:cNvSpPr>
+            <a:spLocks noGrp="1"/>
+          </p:cNvSpPr>
+          <p:nvPr>
+            <p:ph idx="1"/>
+          </p:nvPr>
+        </p:nvSpPr>
+        <p:spPr/>
+        <p:txBody>
+          <a:bodyPr/>
+          <a:lstStyle/>
+          <a:p>
+            <a:r>
+              <a:rPr lang="en-US" dirty="0"/>
+              <a:t>We already learned about Kalman filter that can help do sensor fusion for localization using INS and GPU</a:t>
+            </a:r>
+          </a:p>
+          <a:p>
+            <a:r>
+              <a:rPr lang="en-US" dirty="0"/>
+              <a:t>Sensor fusion for camera and LiDAR data requires new algorithms</a:t>
+            </a:r>
+          </a:p>
+          <a:p>
+            <a:r>
+              <a:rPr lang="en-US" dirty="0"/>
+              <a:t>Centralized algorithms based on conditional random fields, Markov random fields, and decentralized algorithms based on boosting and Gaussian mixture models have been explored</a:t>
+            </a:r>
+          </a:p>
+          <a:p>
+            <a:r>
+              <a:rPr lang="en-US" dirty="0"/>
+              <a:t>Deep learning is also being explored for doing sensor fusion</a:t>
+            </a:r>
+          </a:p>
+          <a:p>
+            <a:r>
+              <a:rPr lang="en-US" dirty="0"/>
+              <a:t>Note: these approaches are exploratory, and there is no standard algorithm accepted by all</a:t>
+            </a:r>
+          </a:p>
+          <a:p>
+            <a:endParaRPr lang="en-US" dirty="0"/>
+          </a:p>
+        </p:txBody>
+      </p:sp>
+      <p:sp>
+        <p:nvSpPr>
+          <p:cNvPr id="3" name="Title 2">
+            <a:extLst>
+              <a:ext uri="{FF2B5EF4-FFF2-40B4-BE49-F238E27FC236}">
+                <a16:creationId xmlns:a16="http://schemas.microsoft.com/office/drawing/2014/main" id="{CC9504F1-EA59-461B-A9C5-EDBAE751D2F7}"/>
+              </a:ext>
+            </a:extLst>
+          </p:cNvPr>
+          <p:cNvSpPr>
+            <a:spLocks noGrp="1"/>
+          </p:cNvSpPr>
+          <p:nvPr>
+            <p:ph type="title"/>
+          </p:nvPr>
+        </p:nvSpPr>
+        <p:spPr/>
+        <p:txBody>
+          <a:bodyPr/>
+          <a:lstStyle/>
+          <a:p>
+            <a:r>
+              <a:rPr lang="en-US" dirty="0"/>
+              <a:t>Sensor Fusion</a:t>
+            </a:r>
+          </a:p>
+        </p:txBody>
+      </p:sp>
+      <p:sp>
+        <p:nvSpPr>
+          <p:cNvPr id="4" name="Slide Number Placeholder 3">
+            <a:extLst>
+              <a:ext uri="{FF2B5EF4-FFF2-40B4-BE49-F238E27FC236}">
+                <a16:creationId xmlns:a16="http://schemas.microsoft.com/office/drawing/2014/main" id="{08293374-0C04-4B22-89F7-F08ECD1CFE7F}"/>
+              </a:ext>
+            </a:extLst>
+          </p:cNvPr>
+          <p:cNvSpPr>
+            <a:spLocks noGrp="1"/>
+          </p:cNvSpPr>
+          <p:nvPr>
+            <p:ph type="sldNum" sz="quarter" idx="12"/>
+          </p:nvPr>
+        </p:nvSpPr>
+        <p:spPr/>
+        <p:txBody>
+          <a:bodyPr/>
+          <a:lstStyle/>
+          <a:p>
+            <a:fld id="{29AAD378-655A-49C6-813C-9FD132EF7440}" type="slidenum">
+              <a:rPr lang="en-US" smtClean="0"/>
+              <a:pPr/>
+              <a:t>61</a:t>
+            </a:fld>
+            <a:endParaRPr lang="en-US" dirty="0"/>
+          </a:p>
+        </p:txBody>
+      </p:sp>
+    </p:spTree>
+    <p:extLst>
+      <p:ext uri="{BB962C8B-B14F-4D97-AF65-F5344CB8AC3E}">
+        <p14:creationId xmlns:p14="http://schemas.microsoft.com/office/powerpoint/2010/main" val="3486965311"/>
+      </p:ext>
+    </p:extLst>
+  </p:cSld>
+  <p:clrMapOvr>
+    <a:masterClrMapping/>
+  </p:clrMapOvr>
+</p:sld>
+</file>
+
+<file path=ppt/slides/slide62.xml><?xml version="1.0" encoding="utf-8"?>
 <p:sld xmlns:a="http://schemas.openxmlformats.org/drawingml/2006/main" xmlns:r="http://schemas.openxmlformats.org/officeDocument/2006/relationships" xmlns:p="http://schemas.openxmlformats.org/presentationml/2006/main">
   <p:cSld>
     <p:spTree>
@@ -30707,7 +30324,7 @@
             <a:fld id="{29AAD378-655A-49C6-813C-9FD132EF7440}" type="slidenum">
               <a:rPr lang="en-US" smtClean="0"/>
               <a:pPr/>
-              <a:t>63</a:t>
+              <a:t>62</a:t>
             </a:fld>
             <a:endParaRPr lang="en-US" dirty="0"/>
           </a:p>
@@ -30717,6 +30334,210 @@
     <p:extLst>
       <p:ext uri="{BB962C8B-B14F-4D97-AF65-F5344CB8AC3E}">
         <p14:creationId xmlns:p14="http://schemas.microsoft.com/office/powerpoint/2010/main" val="2258268650"/>
+      </p:ext>
+    </p:extLst>
+  </p:cSld>
+  <p:clrMapOvr>
+    <a:masterClrMapping/>
+  </p:clrMapOvr>
+</p:sld>
+</file>
+
+<file path=ppt/slides/slide63.xml><?xml version="1.0" encoding="utf-8"?>
+<p:sld xmlns:a="http://schemas.openxmlformats.org/drawingml/2006/main" xmlns:r="http://schemas.openxmlformats.org/officeDocument/2006/relationships" xmlns:p="http://schemas.openxmlformats.org/presentationml/2006/main">
+  <p:cSld>
+    <p:spTree>
+      <p:nvGrpSpPr>
+        <p:cNvPr id="1" name=""/>
+        <p:cNvGrpSpPr/>
+        <p:nvPr/>
+      </p:nvGrpSpPr>
+      <p:grpSpPr>
+        <a:xfrm>
+          <a:off x="0" y="0"/>
+          <a:ext cx="0" cy="0"/>
+          <a:chOff x="0" y="0"/>
+          <a:chExt cx="0" cy="0"/>
+        </a:xfrm>
+      </p:grpSpPr>
+      <p:sp>
+        <p:nvSpPr>
+          <p:cNvPr id="2" name="Content Placeholder 1">
+            <a:extLst>
+              <a:ext uri="{FF2B5EF4-FFF2-40B4-BE49-F238E27FC236}">
+                <a16:creationId xmlns:a16="http://schemas.microsoft.com/office/drawing/2014/main" id="{30827D2D-913A-4E5A-917A-87BE68EBBF05}"/>
+              </a:ext>
+            </a:extLst>
+          </p:cNvPr>
+          <p:cNvSpPr>
+            <a:spLocks noGrp="1"/>
+          </p:cNvSpPr>
+          <p:nvPr>
+            <p:ph idx="1"/>
+          </p:nvPr>
+        </p:nvSpPr>
+        <p:spPr/>
+        <p:txBody>
+          <a:bodyPr>
+            <a:normAutofit/>
+          </a:bodyPr>
+          <a:lstStyle/>
+          <a:p>
+            <a:pPr>
+              <a:buFont typeface="+mj-lt"/>
+              <a:buAutoNum type="arabicPeriod"/>
+            </a:pPr>
+            <a:r>
+              <a:rPr lang="en-US" sz="2000" dirty="0"/>
+              <a:t>O. J. Woodman, An introduction to inertial navigation - Cambridge Computer Laboratory, </a:t>
+            </a:r>
+            <a:r>
+              <a:rPr lang="en-US" sz="2000" i="1" dirty="0">
+                <a:hlinkClick r:id="rId2"/>
+              </a:rPr>
+              <a:t>https://www.cl.cam.ac.uk/techreports/UCAM-CL-TR-696.pdf</a:t>
+            </a:r>
+            <a:endParaRPr lang="en-US" sz="2000" i="1" dirty="0"/>
+          </a:p>
+          <a:p>
+            <a:pPr>
+              <a:buFont typeface="+mj-lt"/>
+              <a:buAutoNum type="arabicPeriod"/>
+            </a:pPr>
+            <a:r>
+              <a:rPr lang="en-US" sz="2000" dirty="0"/>
+              <a:t>Pendleton, Scott Drew, Hans Andersen, </a:t>
+            </a:r>
+            <a:r>
+              <a:rPr lang="en-US" sz="2000" dirty="0" err="1"/>
+              <a:t>Xinxin</a:t>
+            </a:r>
+            <a:r>
+              <a:rPr lang="en-US" sz="2000" dirty="0"/>
+              <a:t> Du, </a:t>
+            </a:r>
+            <a:r>
+              <a:rPr lang="en-US" sz="2000" dirty="0" err="1"/>
+              <a:t>Xiaotong</a:t>
+            </a:r>
+            <a:r>
+              <a:rPr lang="en-US" sz="2000" dirty="0"/>
+              <a:t> Shen, Malika </a:t>
+            </a:r>
+            <a:r>
+              <a:rPr lang="en-US" sz="2000" dirty="0" err="1"/>
+              <a:t>Meghjani</a:t>
+            </a:r>
+            <a:r>
+              <a:rPr lang="en-US" sz="2000" dirty="0"/>
+              <a:t>, You Hong </a:t>
+            </a:r>
+            <a:r>
+              <a:rPr lang="en-US" sz="2000" dirty="0" err="1"/>
+              <a:t>Eng</a:t>
+            </a:r>
+            <a:r>
+              <a:rPr lang="en-US" sz="2000" dirty="0"/>
+              <a:t>, Daniela Rus, and Marcelo H. Ang. "Perception, planning, control, and coordination for autonomous vehicles." </a:t>
+            </a:r>
+            <a:r>
+              <a:rPr lang="en-US" sz="2000" i="1" dirty="0"/>
+              <a:t>Machines</a:t>
+            </a:r>
+            <a:r>
+              <a:rPr lang="en-US" sz="2000" dirty="0"/>
+              <a:t> 5, no. 1 (2017): 6.</a:t>
+            </a:r>
+          </a:p>
+          <a:p>
+            <a:pPr>
+              <a:buFont typeface="+mj-lt"/>
+              <a:buAutoNum type="arabicPeriod"/>
+            </a:pPr>
+            <a:r>
+              <a:rPr lang="en-US" sz="2000" dirty="0"/>
+              <a:t>S. Liu, L. Li, J. Tang, S. Wu, Jean-Luc </a:t>
+            </a:r>
+            <a:r>
+              <a:rPr lang="en-US" sz="2000" dirty="0" err="1"/>
+              <a:t>Gaudiot</a:t>
+            </a:r>
+            <a:r>
+              <a:rPr lang="en-US" sz="2000" dirty="0"/>
+              <a:t>, Creating Autonomous Vehicle Systems, Morgan &amp; Claypool 2018.</a:t>
+            </a:r>
+          </a:p>
+          <a:p>
+            <a:pPr>
+              <a:buFont typeface="+mj-lt"/>
+              <a:buAutoNum type="arabicPeriod"/>
+            </a:pPr>
+            <a:endParaRPr lang="en-US" sz="2000" dirty="0"/>
+          </a:p>
+        </p:txBody>
+      </p:sp>
+      <p:sp>
+        <p:nvSpPr>
+          <p:cNvPr id="3" name="Title 2">
+            <a:extLst>
+              <a:ext uri="{FF2B5EF4-FFF2-40B4-BE49-F238E27FC236}">
+                <a16:creationId xmlns:a16="http://schemas.microsoft.com/office/drawing/2014/main" id="{4DE9B7B7-D647-489B-BC3A-30FF1847E114}"/>
+              </a:ext>
+            </a:extLst>
+          </p:cNvPr>
+          <p:cNvSpPr>
+            <a:spLocks noGrp="1"/>
+          </p:cNvSpPr>
+          <p:nvPr>
+            <p:ph type="title"/>
+          </p:nvPr>
+        </p:nvSpPr>
+        <p:spPr/>
+        <p:txBody>
+          <a:bodyPr/>
+          <a:lstStyle/>
+          <a:p>
+            <a:r>
+              <a:rPr lang="en-US" dirty="0"/>
+              <a:t>Bibliography</a:t>
+            </a:r>
+          </a:p>
+        </p:txBody>
+      </p:sp>
+      <p:sp>
+        <p:nvSpPr>
+          <p:cNvPr id="4" name="Slide Number Placeholder 3">
+            <a:extLst>
+              <a:ext uri="{FF2B5EF4-FFF2-40B4-BE49-F238E27FC236}">
+                <a16:creationId xmlns:a16="http://schemas.microsoft.com/office/drawing/2014/main" id="{ED3DFF38-383D-4BD7-9F71-BFF25271B128}"/>
+              </a:ext>
+            </a:extLst>
+          </p:cNvPr>
+          <p:cNvSpPr>
+            <a:spLocks noGrp="1"/>
+          </p:cNvSpPr>
+          <p:nvPr>
+            <p:ph type="sldNum" sz="quarter" idx="12"/>
+          </p:nvPr>
+        </p:nvSpPr>
+        <p:spPr/>
+        <p:txBody>
+          <a:bodyPr/>
+          <a:lstStyle/>
+          <a:p>
+            <a:fld id="{29AAD378-655A-49C6-813C-9FD132EF7440}" type="slidenum">
+              <a:rPr lang="en-US" smtClean="0"/>
+              <a:pPr/>
+              <a:t>63</a:t>
+            </a:fld>
+            <a:endParaRPr lang="en-US" dirty="0"/>
+          </a:p>
+        </p:txBody>
+      </p:sp>
+    </p:spTree>
+    <p:extLst>
+      <p:ext uri="{BB962C8B-B14F-4D97-AF65-F5344CB8AC3E}">
+        <p14:creationId xmlns:p14="http://schemas.microsoft.com/office/powerpoint/2010/main" val="1935277000"/>
       </p:ext>
     </p:extLst>
   </p:cSld>
@@ -30998,7 +30819,7 @@
 </file>
 
 <file path=ppt/slides/slide7.xml><?xml version="1.0" encoding="utf-8"?>
-<p:sld xmlns:a="http://schemas.openxmlformats.org/drawingml/2006/main" xmlns:r="http://schemas.openxmlformats.org/officeDocument/2006/relationships" xmlns:p="http://schemas.openxmlformats.org/presentationml/2006/main">
+<p:sld xmlns:a="http://schemas.openxmlformats.org/drawingml/2006/main" xmlns:r="http://schemas.openxmlformats.org/officeDocument/2006/relationships" xmlns:p="http://schemas.openxmlformats.org/presentationml/2006/main" show="0">
   <p:cSld>
     <p:spTree>
       <p:nvGrpSpPr>
@@ -31584,7 +31405,7 @@
 </file>
 
 <file path=ppt/slides/slide8.xml><?xml version="1.0" encoding="utf-8"?>
-<p:sld xmlns:a="http://schemas.openxmlformats.org/drawingml/2006/main" xmlns:r="http://schemas.openxmlformats.org/officeDocument/2006/relationships" xmlns:p="http://schemas.openxmlformats.org/presentationml/2006/main">
+<p:sld xmlns:a="http://schemas.openxmlformats.org/drawingml/2006/main" xmlns:r="http://schemas.openxmlformats.org/officeDocument/2006/relationships" xmlns:p="http://schemas.openxmlformats.org/presentationml/2006/main" show="0">
   <p:cSld>
     <p:spTree>
       <p:nvGrpSpPr>
@@ -32158,7 +31979,7 @@
 </file>
 
 <file path=ppt/slides/slide9.xml><?xml version="1.0" encoding="utf-8"?>
-<p:sld xmlns:a="http://schemas.openxmlformats.org/drawingml/2006/main" xmlns:r="http://schemas.openxmlformats.org/officeDocument/2006/relationships" xmlns:p="http://schemas.openxmlformats.org/presentationml/2006/main">
+<p:sld xmlns:a="http://schemas.openxmlformats.org/drawingml/2006/main" xmlns:r="http://schemas.openxmlformats.org/officeDocument/2006/relationships" xmlns:p="http://schemas.openxmlformats.org/presentationml/2006/main" show="0">
   <p:cSld>
     <p:spTree>
       <p:nvGrpSpPr>
